--- a/cceug9 aggregation.pptx
+++ b/cceug9 aggregation.pptx
@@ -5,10 +5,10 @@
     <p:sldMasterId id="2147483648" r:id="rId1"/>
   </p:sldMasterIdLst>
   <p:notesMasterIdLst>
-    <p:notesMasterId r:id="rId44"/>
+    <p:notesMasterId r:id="rId55"/>
   </p:notesMasterIdLst>
   <p:handoutMasterIdLst>
-    <p:handoutMasterId r:id="rId45"/>
+    <p:handoutMasterId r:id="rId56"/>
   </p:handoutMasterIdLst>
   <p:sldIdLst>
     <p:sldId id="257" r:id="rId2"/>
@@ -45,14 +45,25 @@
     <p:sldId id="334" r:id="rId33"/>
     <p:sldId id="333" r:id="rId34"/>
     <p:sldId id="332" r:id="rId35"/>
-    <p:sldId id="357" r:id="rId36"/>
-    <p:sldId id="314" r:id="rId37"/>
-    <p:sldId id="328" r:id="rId38"/>
-    <p:sldId id="324" r:id="rId39"/>
-    <p:sldId id="349" r:id="rId40"/>
-    <p:sldId id="353" r:id="rId41"/>
-    <p:sldId id="325" r:id="rId42"/>
-    <p:sldId id="351" r:id="rId43"/>
+    <p:sldId id="475" r:id="rId36"/>
+    <p:sldId id="357" r:id="rId37"/>
+    <p:sldId id="314" r:id="rId38"/>
+    <p:sldId id="328" r:id="rId39"/>
+    <p:sldId id="324" r:id="rId40"/>
+    <p:sldId id="349" r:id="rId41"/>
+    <p:sldId id="474" r:id="rId42"/>
+    <p:sldId id="310" r:id="rId43"/>
+    <p:sldId id="360" r:id="rId44"/>
+    <p:sldId id="470" r:id="rId45"/>
+    <p:sldId id="471" r:id="rId46"/>
+    <p:sldId id="472" r:id="rId47"/>
+    <p:sldId id="311" r:id="rId48"/>
+    <p:sldId id="473" r:id="rId49"/>
+    <p:sldId id="315" r:id="rId50"/>
+    <p:sldId id="319" r:id="rId51"/>
+    <p:sldId id="353" r:id="rId52"/>
+    <p:sldId id="325" r:id="rId53"/>
+    <p:sldId id="351" r:id="rId54"/>
   </p:sldIdLst>
   <p:sldSz cx="9144000" cy="6858000" type="screen4x3"/>
   <p:notesSz cx="6772275" cy="9902825"/>
@@ -2645,7 +2656,33 @@
       </p:grpSpPr>
       <p:sp>
         <p:nvSpPr>
-          <p:cNvPr id="21506" name="Rectangle 2"/>
+          <p:cNvPr id="14338" name="Rectangle 7"/>
+          <p:cNvSpPr>
+            <a:spLocks noGrp="1" noChangeArrowheads="1"/>
+          </p:cNvSpPr>
+          <p:nvPr>
+            <p:ph type="sldNum" sz="quarter" idx="5"/>
+          </p:nvPr>
+        </p:nvSpPr>
+        <p:spPr>
+          <a:noFill/>
+        </p:spPr>
+        <p:txBody>
+          <a:bodyPr/>
+          <a:lstStyle/>
+          <a:p>
+            <a:fld id="{AF0EC085-EC57-4012-9255-2F1CC856B87B}" type="slidenum">
+              <a:rPr lang="en-US" smtClean="0"/>
+              <a:pPr/>
+              <a:t>35</a:t>
+            </a:fld>
+            <a:endParaRPr lang="en-US"/>
+          </a:p>
+        </p:txBody>
+      </p:sp>
+      <p:sp>
+        <p:nvSpPr>
+          <p:cNvPr id="14339" name="Rectangle 2"/>
           <p:cNvSpPr>
             <a:spLocks noGrp="1" noRot="1" noChangeAspect="1" noChangeArrowheads="1" noTextEdit="1"/>
           </p:cNvSpPr>
@@ -2654,16 +2691,12 @@
           </p:nvPr>
         </p:nvSpPr>
         <p:spPr>
-          <a:xfrm>
-            <a:off x="912813" y="742950"/>
-            <a:ext cx="4948237" cy="3713163"/>
-          </a:xfrm>
           <a:ln/>
         </p:spPr>
       </p:sp>
       <p:sp>
         <p:nvSpPr>
-          <p:cNvPr id="21507" name="Rectangle 3"/>
+          <p:cNvPr id="14340" name="Rectangle 3"/>
           <p:cNvSpPr>
             <a:spLocks noGrp="1" noChangeArrowheads="1"/>
           </p:cNvSpPr>
@@ -2672,10 +2705,6 @@
           </p:nvPr>
         </p:nvSpPr>
         <p:spPr>
-          <a:xfrm>
-            <a:off x="903288" y="4705350"/>
-            <a:ext cx="4965700" cy="4456113"/>
-          </a:xfrm>
           <a:noFill/>
           <a:ln/>
         </p:spPr>
@@ -2683,6 +2712,7 @@
           <a:bodyPr/>
           <a:lstStyle/>
           <a:p>
+            <a:pPr eaLnBrk="1" hangingPunct="1"/>
             <a:endParaRPr lang="en-US"/>
           </a:p>
         </p:txBody>
@@ -2690,7 +2720,7 @@
     </p:spTree>
     <p:extLst>
       <p:ext uri="{BB962C8B-B14F-4D97-AF65-F5344CB8AC3E}">
-        <p14:creationId xmlns:p14="http://schemas.microsoft.com/office/powerpoint/2010/main" val="2953679758"/>
+        <p14:creationId xmlns:p14="http://schemas.microsoft.com/office/powerpoint/2010/main" val="2275118779"/>
       </p:ext>
     </p:extLst>
   </p:cSld>
@@ -2719,63 +2749,44 @@
       </p:grpSpPr>
       <p:sp>
         <p:nvSpPr>
-          <p:cNvPr id="14338" name="Rectangle 7"/>
+          <p:cNvPr id="21506" name="Rectangle 2"/>
+          <p:cNvSpPr>
+            <a:spLocks noGrp="1" noRot="1" noChangeAspect="1" noChangeArrowheads="1" noTextEdit="1"/>
+          </p:cNvSpPr>
+          <p:nvPr>
+            <p:ph type="sldImg"/>
+          </p:nvPr>
+        </p:nvSpPr>
+        <p:spPr>
+          <a:xfrm>
+            <a:off x="912813" y="742950"/>
+            <a:ext cx="4948237" cy="3713163"/>
+          </a:xfrm>
+          <a:ln/>
+        </p:spPr>
+      </p:sp>
+      <p:sp>
+        <p:nvSpPr>
+          <p:cNvPr id="21507" name="Rectangle 3"/>
           <p:cNvSpPr>
             <a:spLocks noGrp="1" noChangeArrowheads="1"/>
           </p:cNvSpPr>
           <p:nvPr>
-            <p:ph type="sldNum" sz="quarter" idx="5"/>
-          </p:nvPr>
-        </p:nvSpPr>
-        <p:spPr>
+            <p:ph type="body" idx="1"/>
+          </p:nvPr>
+        </p:nvSpPr>
+        <p:spPr>
+          <a:xfrm>
+            <a:off x="903288" y="4705350"/>
+            <a:ext cx="4965700" cy="4456113"/>
+          </a:xfrm>
           <a:noFill/>
+          <a:ln/>
         </p:spPr>
         <p:txBody>
           <a:bodyPr/>
           <a:lstStyle/>
           <a:p>
-            <a:fld id="{AF0EC085-EC57-4012-9255-2F1CC856B87B}" type="slidenum">
-              <a:rPr lang="en-US" smtClean="0"/>
-              <a:pPr/>
-              <a:t>40</a:t>
-            </a:fld>
-            <a:endParaRPr lang="en-US"/>
-          </a:p>
-        </p:txBody>
-      </p:sp>
-      <p:sp>
-        <p:nvSpPr>
-          <p:cNvPr id="14339" name="Rectangle 2"/>
-          <p:cNvSpPr>
-            <a:spLocks noGrp="1" noRot="1" noChangeAspect="1" noChangeArrowheads="1" noTextEdit="1"/>
-          </p:cNvSpPr>
-          <p:nvPr>
-            <p:ph type="sldImg"/>
-          </p:nvPr>
-        </p:nvSpPr>
-        <p:spPr>
-          <a:ln/>
-        </p:spPr>
-      </p:sp>
-      <p:sp>
-        <p:nvSpPr>
-          <p:cNvPr id="14340" name="Rectangle 3"/>
-          <p:cNvSpPr>
-            <a:spLocks noGrp="1" noChangeArrowheads="1"/>
-          </p:cNvSpPr>
-          <p:nvPr>
-            <p:ph type="body" idx="1"/>
-          </p:nvPr>
-        </p:nvSpPr>
-        <p:spPr>
-          <a:noFill/>
-          <a:ln/>
-        </p:spPr>
-        <p:txBody>
-          <a:bodyPr/>
-          <a:lstStyle/>
-          <a:p>
-            <a:pPr eaLnBrk="1" hangingPunct="1"/>
             <a:endParaRPr lang="en-US"/>
           </a:p>
         </p:txBody>
@@ -2783,7 +2794,7 @@
     </p:spTree>
     <p:extLst>
       <p:ext uri="{BB962C8B-B14F-4D97-AF65-F5344CB8AC3E}">
-        <p14:creationId xmlns:p14="http://schemas.microsoft.com/office/powerpoint/2010/main" val="2251244807"/>
+        <p14:creationId xmlns:p14="http://schemas.microsoft.com/office/powerpoint/2010/main" val="2953679758"/>
       </p:ext>
     </p:extLst>
   </p:cSld>
@@ -2905,7 +2916,7 @@
       </p:grpSpPr>
       <p:sp>
         <p:nvSpPr>
-          <p:cNvPr id="41986" name="Rectangle 7"/>
+          <p:cNvPr id="14338" name="Rectangle 7"/>
           <p:cNvSpPr>
             <a:spLocks noGrp="1" noChangeArrowheads="1"/>
           </p:cNvSpPr>
@@ -2920,7 +2931,100 @@
           <a:bodyPr/>
           <a:lstStyle/>
           <a:p>
-            <a:fld id="{4A801610-ECDC-4E64-83BD-71EC7C659FD7}" type="slidenum">
+            <a:fld id="{AF0EC085-EC57-4012-9255-2F1CC856B87B}" type="slidenum">
+              <a:rPr lang="en-US" smtClean="0"/>
+              <a:pPr/>
+              <a:t>41</a:t>
+            </a:fld>
+            <a:endParaRPr lang="en-US"/>
+          </a:p>
+        </p:txBody>
+      </p:sp>
+      <p:sp>
+        <p:nvSpPr>
+          <p:cNvPr id="14339" name="Rectangle 2"/>
+          <p:cNvSpPr>
+            <a:spLocks noGrp="1" noRot="1" noChangeAspect="1" noChangeArrowheads="1" noTextEdit="1"/>
+          </p:cNvSpPr>
+          <p:nvPr>
+            <p:ph type="sldImg"/>
+          </p:nvPr>
+        </p:nvSpPr>
+        <p:spPr>
+          <a:ln/>
+        </p:spPr>
+      </p:sp>
+      <p:sp>
+        <p:nvSpPr>
+          <p:cNvPr id="14340" name="Rectangle 3"/>
+          <p:cNvSpPr>
+            <a:spLocks noGrp="1" noChangeArrowheads="1"/>
+          </p:cNvSpPr>
+          <p:nvPr>
+            <p:ph type="body" idx="1"/>
+          </p:nvPr>
+        </p:nvSpPr>
+        <p:spPr>
+          <a:noFill/>
+          <a:ln/>
+        </p:spPr>
+        <p:txBody>
+          <a:bodyPr/>
+          <a:lstStyle/>
+          <a:p>
+            <a:pPr eaLnBrk="1" hangingPunct="1"/>
+            <a:endParaRPr lang="en-US"/>
+          </a:p>
+        </p:txBody>
+      </p:sp>
+    </p:spTree>
+    <p:extLst>
+      <p:ext uri="{BB962C8B-B14F-4D97-AF65-F5344CB8AC3E}">
+        <p14:creationId xmlns:p14="http://schemas.microsoft.com/office/powerpoint/2010/main" val="1424338868"/>
+      </p:ext>
+    </p:extLst>
+  </p:cSld>
+  <p:clrMapOvr>
+    <a:masterClrMapping/>
+  </p:clrMapOvr>
+</p:notes>
+</file>
+
+<file path=ppt/notesSlides/notesSlide31.xml><?xml version="1.0" encoding="utf-8"?>
+<p:notes xmlns:a="http://schemas.openxmlformats.org/drawingml/2006/main" xmlns:r="http://schemas.openxmlformats.org/officeDocument/2006/relationships" xmlns:p="http://schemas.openxmlformats.org/presentationml/2006/main">
+  <p:cSld>
+    <p:spTree>
+      <p:nvGrpSpPr>
+        <p:cNvPr id="1" name=""/>
+        <p:cNvGrpSpPr/>
+        <p:nvPr/>
+      </p:nvGrpSpPr>
+      <p:grpSpPr>
+        <a:xfrm>
+          <a:off x="0" y="0"/>
+          <a:ext cx="0" cy="0"/>
+          <a:chOff x="0" y="0"/>
+          <a:chExt cx="0" cy="0"/>
+        </a:xfrm>
+      </p:grpSpPr>
+      <p:sp>
+        <p:nvSpPr>
+          <p:cNvPr id="20482" name="Rectangle 7"/>
+          <p:cNvSpPr>
+            <a:spLocks noGrp="1" noChangeArrowheads="1"/>
+          </p:cNvSpPr>
+          <p:nvPr>
+            <p:ph type="sldNum" sz="quarter" idx="5"/>
+          </p:nvPr>
+        </p:nvSpPr>
+        <p:spPr>
+          <a:noFill/>
+        </p:spPr>
+        <p:txBody>
+          <a:bodyPr/>
+          <a:lstStyle/>
+          <a:p>
+            <a:fld id="{1051EAF7-46A7-484B-8118-6C6B4E11C87A}" type="slidenum">
               <a:rPr lang="en-GB" smtClean="0"/>
               <a:pPr/>
               <a:t>42</a:t>
@@ -2931,7 +3035,7 @@
       </p:sp>
       <p:sp>
         <p:nvSpPr>
-          <p:cNvPr id="41987" name="Rectangle 2"/>
+          <p:cNvPr id="20483" name="Rectangle 2"/>
           <p:cNvSpPr>
             <a:spLocks noGrp="1" noRot="1" noChangeAspect="1" noChangeArrowheads="1" noTextEdit="1"/>
           </p:cNvSpPr>
@@ -2945,7 +3049,7 @@
       </p:sp>
       <p:sp>
         <p:nvSpPr>
-          <p:cNvPr id="41988" name="Rectangle 3"/>
+          <p:cNvPr id="20484" name="Rectangle 3"/>
           <p:cNvSpPr>
             <a:spLocks noGrp="1" noChangeArrowheads="1"/>
           </p:cNvSpPr>
@@ -2961,7 +3065,6 @@
           <a:bodyPr/>
           <a:lstStyle/>
           <a:p>
-            <a:pPr eaLnBrk="1" hangingPunct="1"/>
             <a:endParaRPr lang="en-US"/>
           </a:p>
         </p:txBody>
@@ -2969,7 +3072,739 @@
     </p:spTree>
     <p:extLst>
       <p:ext uri="{BB962C8B-B14F-4D97-AF65-F5344CB8AC3E}">
-        <p14:creationId xmlns:p14="http://schemas.microsoft.com/office/powerpoint/2010/main" val="2503148547"/>
+        <p14:creationId xmlns:p14="http://schemas.microsoft.com/office/powerpoint/2010/main" val="3397746581"/>
+      </p:ext>
+    </p:extLst>
+  </p:cSld>
+  <p:clrMapOvr>
+    <a:masterClrMapping/>
+  </p:clrMapOvr>
+</p:notes>
+</file>
+
+<file path=ppt/notesSlides/notesSlide32.xml><?xml version="1.0" encoding="utf-8"?>
+<p:notes xmlns:a="http://schemas.openxmlformats.org/drawingml/2006/main" xmlns:r="http://schemas.openxmlformats.org/officeDocument/2006/relationships" xmlns:p="http://schemas.openxmlformats.org/presentationml/2006/main">
+  <p:cSld>
+    <p:spTree>
+      <p:nvGrpSpPr>
+        <p:cNvPr id="1" name=""/>
+        <p:cNvGrpSpPr/>
+        <p:nvPr/>
+      </p:nvGrpSpPr>
+      <p:grpSpPr>
+        <a:xfrm>
+          <a:off x="0" y="0"/>
+          <a:ext cx="0" cy="0"/>
+          <a:chOff x="0" y="0"/>
+          <a:chExt cx="0" cy="0"/>
+        </a:xfrm>
+      </p:grpSpPr>
+      <p:sp>
+        <p:nvSpPr>
+          <p:cNvPr id="20482" name="Rectangle 7"/>
+          <p:cNvSpPr>
+            <a:spLocks noGrp="1" noChangeArrowheads="1"/>
+          </p:cNvSpPr>
+          <p:nvPr>
+            <p:ph type="sldNum" sz="quarter" idx="5"/>
+          </p:nvPr>
+        </p:nvSpPr>
+        <p:spPr>
+          <a:noFill/>
+        </p:spPr>
+        <p:txBody>
+          <a:bodyPr/>
+          <a:lstStyle/>
+          <a:p>
+            <a:fld id="{1051EAF7-46A7-484B-8118-6C6B4E11C87A}" type="slidenum">
+              <a:rPr lang="en-GB" smtClean="0"/>
+              <a:pPr/>
+              <a:t>43</a:t>
+            </a:fld>
+            <a:endParaRPr lang="en-GB"/>
+          </a:p>
+        </p:txBody>
+      </p:sp>
+      <p:sp>
+        <p:nvSpPr>
+          <p:cNvPr id="20483" name="Rectangle 2"/>
+          <p:cNvSpPr>
+            <a:spLocks noGrp="1" noRot="1" noChangeAspect="1" noChangeArrowheads="1" noTextEdit="1"/>
+          </p:cNvSpPr>
+          <p:nvPr>
+            <p:ph type="sldImg"/>
+          </p:nvPr>
+        </p:nvSpPr>
+        <p:spPr>
+          <a:ln/>
+        </p:spPr>
+      </p:sp>
+      <p:sp>
+        <p:nvSpPr>
+          <p:cNvPr id="20484" name="Rectangle 3"/>
+          <p:cNvSpPr>
+            <a:spLocks noGrp="1" noChangeArrowheads="1"/>
+          </p:cNvSpPr>
+          <p:nvPr>
+            <p:ph type="body" idx="1"/>
+          </p:nvPr>
+        </p:nvSpPr>
+        <p:spPr>
+          <a:noFill/>
+          <a:ln/>
+        </p:spPr>
+        <p:txBody>
+          <a:bodyPr/>
+          <a:lstStyle/>
+          <a:p>
+            <a:endParaRPr lang="en-US"/>
+          </a:p>
+        </p:txBody>
+      </p:sp>
+    </p:spTree>
+    <p:extLst>
+      <p:ext uri="{BB962C8B-B14F-4D97-AF65-F5344CB8AC3E}">
+        <p14:creationId xmlns:p14="http://schemas.microsoft.com/office/powerpoint/2010/main" val="3818137674"/>
+      </p:ext>
+    </p:extLst>
+  </p:cSld>
+  <p:clrMapOvr>
+    <a:masterClrMapping/>
+  </p:clrMapOvr>
+</p:notes>
+</file>
+
+<file path=ppt/notesSlides/notesSlide33.xml><?xml version="1.0" encoding="utf-8"?>
+<p:notes xmlns:a="http://schemas.openxmlformats.org/drawingml/2006/main" xmlns:r="http://schemas.openxmlformats.org/officeDocument/2006/relationships" xmlns:p="http://schemas.openxmlformats.org/presentationml/2006/main">
+  <p:cSld>
+    <p:spTree>
+      <p:nvGrpSpPr>
+        <p:cNvPr id="1" name=""/>
+        <p:cNvGrpSpPr/>
+        <p:nvPr/>
+      </p:nvGrpSpPr>
+      <p:grpSpPr>
+        <a:xfrm>
+          <a:off x="0" y="0"/>
+          <a:ext cx="0" cy="0"/>
+          <a:chOff x="0" y="0"/>
+          <a:chExt cx="0" cy="0"/>
+        </a:xfrm>
+      </p:grpSpPr>
+      <p:sp>
+        <p:nvSpPr>
+          <p:cNvPr id="2" name="Slide Image Placeholder 1"/>
+          <p:cNvSpPr>
+            <a:spLocks noGrp="1" noRot="1" noChangeAspect="1"/>
+          </p:cNvSpPr>
+          <p:nvPr>
+            <p:ph type="sldImg"/>
+          </p:nvPr>
+        </p:nvSpPr>
+        <p:spPr>
+          <a:xfrm>
+            <a:off x="1371600" y="1143000"/>
+            <a:ext cx="4114800" cy="3086100"/>
+          </a:xfrm>
+        </p:spPr>
+      </p:sp>
+      <p:sp>
+        <p:nvSpPr>
+          <p:cNvPr id="3" name="Notes Placeholder 2"/>
+          <p:cNvSpPr>
+            <a:spLocks noGrp="1"/>
+          </p:cNvSpPr>
+          <p:nvPr>
+            <p:ph type="body" idx="1"/>
+          </p:nvPr>
+        </p:nvSpPr>
+        <p:spPr/>
+        <p:txBody>
+          <a:bodyPr/>
+          <a:lstStyle/>
+          <a:p>
+            <a:endParaRPr lang="en-GB" dirty="0"/>
+          </a:p>
+        </p:txBody>
+      </p:sp>
+      <p:sp>
+        <p:nvSpPr>
+          <p:cNvPr id="4" name="Slide Number Placeholder 3"/>
+          <p:cNvSpPr>
+            <a:spLocks noGrp="1"/>
+          </p:cNvSpPr>
+          <p:nvPr>
+            <p:ph type="sldNum" sz="quarter" idx="10"/>
+          </p:nvPr>
+        </p:nvSpPr>
+        <p:spPr/>
+        <p:txBody>
+          <a:bodyPr/>
+          <a:lstStyle/>
+          <a:p>
+            <a:fld id="{1CF9D6E6-1551-42DB-B903-C160EDB29172}" type="slidenum">
+              <a:rPr lang="en-GB" smtClean="0"/>
+              <a:pPr/>
+              <a:t>44</a:t>
+            </a:fld>
+            <a:endParaRPr lang="en-GB" dirty="0"/>
+          </a:p>
+        </p:txBody>
+      </p:sp>
+    </p:spTree>
+    <p:extLst>
+      <p:ext uri="{BB962C8B-B14F-4D97-AF65-F5344CB8AC3E}">
+        <p14:creationId xmlns:p14="http://schemas.microsoft.com/office/powerpoint/2010/main" val="1722601665"/>
+      </p:ext>
+    </p:extLst>
+  </p:cSld>
+  <p:clrMapOvr>
+    <a:masterClrMapping/>
+  </p:clrMapOvr>
+</p:notes>
+</file>
+
+<file path=ppt/notesSlides/notesSlide34.xml><?xml version="1.0" encoding="utf-8"?>
+<p:notes xmlns:a="http://schemas.openxmlformats.org/drawingml/2006/main" xmlns:r="http://schemas.openxmlformats.org/officeDocument/2006/relationships" xmlns:p="http://schemas.openxmlformats.org/presentationml/2006/main">
+  <p:cSld>
+    <p:spTree>
+      <p:nvGrpSpPr>
+        <p:cNvPr id="1" name=""/>
+        <p:cNvGrpSpPr/>
+        <p:nvPr/>
+      </p:nvGrpSpPr>
+      <p:grpSpPr>
+        <a:xfrm>
+          <a:off x="0" y="0"/>
+          <a:ext cx="0" cy="0"/>
+          <a:chOff x="0" y="0"/>
+          <a:chExt cx="0" cy="0"/>
+        </a:xfrm>
+      </p:grpSpPr>
+      <p:sp>
+        <p:nvSpPr>
+          <p:cNvPr id="2" name="Slide Image Placeholder 1"/>
+          <p:cNvSpPr>
+            <a:spLocks noGrp="1" noRot="1" noChangeAspect="1"/>
+          </p:cNvSpPr>
+          <p:nvPr>
+            <p:ph type="sldImg"/>
+          </p:nvPr>
+        </p:nvSpPr>
+        <p:spPr>
+          <a:xfrm>
+            <a:off x="1371600" y="1143000"/>
+            <a:ext cx="4114800" cy="3086100"/>
+          </a:xfrm>
+        </p:spPr>
+      </p:sp>
+      <p:sp>
+        <p:nvSpPr>
+          <p:cNvPr id="3" name="Notes Placeholder 2"/>
+          <p:cNvSpPr>
+            <a:spLocks noGrp="1"/>
+          </p:cNvSpPr>
+          <p:nvPr>
+            <p:ph type="body" idx="1"/>
+          </p:nvPr>
+        </p:nvSpPr>
+        <p:spPr/>
+        <p:txBody>
+          <a:bodyPr/>
+          <a:lstStyle/>
+          <a:p>
+            <a:endParaRPr lang="en-GB" dirty="0"/>
+          </a:p>
+        </p:txBody>
+      </p:sp>
+      <p:sp>
+        <p:nvSpPr>
+          <p:cNvPr id="4" name="Slide Number Placeholder 3"/>
+          <p:cNvSpPr>
+            <a:spLocks noGrp="1"/>
+          </p:cNvSpPr>
+          <p:nvPr>
+            <p:ph type="sldNum" sz="quarter" idx="10"/>
+          </p:nvPr>
+        </p:nvSpPr>
+        <p:spPr/>
+        <p:txBody>
+          <a:bodyPr/>
+          <a:lstStyle/>
+          <a:p>
+            <a:fld id="{1CF9D6E6-1551-42DB-B903-C160EDB29172}" type="slidenum">
+              <a:rPr lang="en-GB" smtClean="0"/>
+              <a:pPr/>
+              <a:t>45</a:t>
+            </a:fld>
+            <a:endParaRPr lang="en-GB"/>
+          </a:p>
+        </p:txBody>
+      </p:sp>
+    </p:spTree>
+    <p:extLst>
+      <p:ext uri="{BB962C8B-B14F-4D97-AF65-F5344CB8AC3E}">
+        <p14:creationId xmlns:p14="http://schemas.microsoft.com/office/powerpoint/2010/main" val="713318491"/>
+      </p:ext>
+    </p:extLst>
+  </p:cSld>
+  <p:clrMapOvr>
+    <a:masterClrMapping/>
+  </p:clrMapOvr>
+</p:notes>
+</file>
+
+<file path=ppt/notesSlides/notesSlide35.xml><?xml version="1.0" encoding="utf-8"?>
+<p:notes xmlns:a="http://schemas.openxmlformats.org/drawingml/2006/main" xmlns:r="http://schemas.openxmlformats.org/officeDocument/2006/relationships" xmlns:p="http://schemas.openxmlformats.org/presentationml/2006/main">
+  <p:cSld>
+    <p:spTree>
+      <p:nvGrpSpPr>
+        <p:cNvPr id="1" name=""/>
+        <p:cNvGrpSpPr/>
+        <p:nvPr/>
+      </p:nvGrpSpPr>
+      <p:grpSpPr>
+        <a:xfrm>
+          <a:off x="0" y="0"/>
+          <a:ext cx="0" cy="0"/>
+          <a:chOff x="0" y="0"/>
+          <a:chExt cx="0" cy="0"/>
+        </a:xfrm>
+      </p:grpSpPr>
+      <p:sp>
+        <p:nvSpPr>
+          <p:cNvPr id="20482" name="Rectangle 7"/>
+          <p:cNvSpPr>
+            <a:spLocks noGrp="1" noChangeArrowheads="1"/>
+          </p:cNvSpPr>
+          <p:nvPr>
+            <p:ph type="sldNum" sz="quarter" idx="5"/>
+          </p:nvPr>
+        </p:nvSpPr>
+        <p:spPr>
+          <a:noFill/>
+        </p:spPr>
+        <p:txBody>
+          <a:bodyPr/>
+          <a:lstStyle/>
+          <a:p>
+            <a:fld id="{1051EAF7-46A7-484B-8118-6C6B4E11C87A}" type="slidenum">
+              <a:rPr lang="en-GB" smtClean="0"/>
+              <a:pPr/>
+              <a:t>46</a:t>
+            </a:fld>
+            <a:endParaRPr lang="en-GB"/>
+          </a:p>
+        </p:txBody>
+      </p:sp>
+      <p:sp>
+        <p:nvSpPr>
+          <p:cNvPr id="20483" name="Rectangle 2"/>
+          <p:cNvSpPr>
+            <a:spLocks noGrp="1" noRot="1" noChangeAspect="1" noChangeArrowheads="1" noTextEdit="1"/>
+          </p:cNvSpPr>
+          <p:nvPr>
+            <p:ph type="sldImg"/>
+          </p:nvPr>
+        </p:nvSpPr>
+        <p:spPr>
+          <a:ln/>
+        </p:spPr>
+      </p:sp>
+      <p:sp>
+        <p:nvSpPr>
+          <p:cNvPr id="20484" name="Rectangle 3"/>
+          <p:cNvSpPr>
+            <a:spLocks noGrp="1" noChangeArrowheads="1"/>
+          </p:cNvSpPr>
+          <p:nvPr>
+            <p:ph type="body" idx="1"/>
+          </p:nvPr>
+        </p:nvSpPr>
+        <p:spPr>
+          <a:noFill/>
+          <a:ln/>
+        </p:spPr>
+        <p:txBody>
+          <a:bodyPr/>
+          <a:lstStyle/>
+          <a:p>
+            <a:endParaRPr lang="en-US"/>
+          </a:p>
+        </p:txBody>
+      </p:sp>
+    </p:spTree>
+    <p:extLst>
+      <p:ext uri="{BB962C8B-B14F-4D97-AF65-F5344CB8AC3E}">
+        <p14:creationId xmlns:p14="http://schemas.microsoft.com/office/powerpoint/2010/main" val="4148496140"/>
+      </p:ext>
+    </p:extLst>
+  </p:cSld>
+  <p:clrMapOvr>
+    <a:masterClrMapping/>
+  </p:clrMapOvr>
+</p:notes>
+</file>
+
+<file path=ppt/notesSlides/notesSlide36.xml><?xml version="1.0" encoding="utf-8"?>
+<p:notes xmlns:a="http://schemas.openxmlformats.org/drawingml/2006/main" xmlns:r="http://schemas.openxmlformats.org/officeDocument/2006/relationships" xmlns:p="http://schemas.openxmlformats.org/presentationml/2006/main">
+  <p:cSld>
+    <p:spTree>
+      <p:nvGrpSpPr>
+        <p:cNvPr id="1" name=""/>
+        <p:cNvGrpSpPr/>
+        <p:nvPr/>
+      </p:nvGrpSpPr>
+      <p:grpSpPr>
+        <a:xfrm>
+          <a:off x="0" y="0"/>
+          <a:ext cx="0" cy="0"/>
+          <a:chOff x="0" y="0"/>
+          <a:chExt cx="0" cy="0"/>
+        </a:xfrm>
+      </p:grpSpPr>
+      <p:sp>
+        <p:nvSpPr>
+          <p:cNvPr id="21506" name="Rectangle 7"/>
+          <p:cNvSpPr>
+            <a:spLocks noGrp="1" noChangeArrowheads="1"/>
+          </p:cNvSpPr>
+          <p:nvPr>
+            <p:ph type="sldNum" sz="quarter" idx="5"/>
+          </p:nvPr>
+        </p:nvSpPr>
+        <p:spPr>
+          <a:noFill/>
+        </p:spPr>
+        <p:txBody>
+          <a:bodyPr/>
+          <a:lstStyle/>
+          <a:p>
+            <a:fld id="{60F10E61-4063-4EF7-BE07-6F61ED338DFD}" type="slidenum">
+              <a:rPr lang="en-GB" smtClean="0"/>
+              <a:pPr/>
+              <a:t>47</a:t>
+            </a:fld>
+            <a:endParaRPr lang="en-GB"/>
+          </a:p>
+        </p:txBody>
+      </p:sp>
+      <p:sp>
+        <p:nvSpPr>
+          <p:cNvPr id="21507" name="Rectangle 2"/>
+          <p:cNvSpPr>
+            <a:spLocks noGrp="1" noRot="1" noChangeAspect="1" noChangeArrowheads="1" noTextEdit="1"/>
+          </p:cNvSpPr>
+          <p:nvPr>
+            <p:ph type="sldImg"/>
+          </p:nvPr>
+        </p:nvSpPr>
+        <p:spPr>
+          <a:ln/>
+        </p:spPr>
+      </p:sp>
+      <p:sp>
+        <p:nvSpPr>
+          <p:cNvPr id="21508" name="Rectangle 3"/>
+          <p:cNvSpPr>
+            <a:spLocks noGrp="1" noChangeArrowheads="1"/>
+          </p:cNvSpPr>
+          <p:nvPr>
+            <p:ph type="body" idx="1"/>
+          </p:nvPr>
+        </p:nvSpPr>
+        <p:spPr>
+          <a:noFill/>
+          <a:ln/>
+        </p:spPr>
+        <p:txBody>
+          <a:bodyPr/>
+          <a:lstStyle/>
+          <a:p>
+            <a:endParaRPr lang="en-US"/>
+          </a:p>
+        </p:txBody>
+      </p:sp>
+    </p:spTree>
+    <p:extLst>
+      <p:ext uri="{BB962C8B-B14F-4D97-AF65-F5344CB8AC3E}">
+        <p14:creationId xmlns:p14="http://schemas.microsoft.com/office/powerpoint/2010/main" val="1638995522"/>
+      </p:ext>
+    </p:extLst>
+  </p:cSld>
+  <p:clrMapOvr>
+    <a:masterClrMapping/>
+  </p:clrMapOvr>
+</p:notes>
+</file>
+
+<file path=ppt/notesSlides/notesSlide37.xml><?xml version="1.0" encoding="utf-8"?>
+<p:notes xmlns:a="http://schemas.openxmlformats.org/drawingml/2006/main" xmlns:r="http://schemas.openxmlformats.org/officeDocument/2006/relationships" xmlns:p="http://schemas.openxmlformats.org/presentationml/2006/main">
+  <p:cSld>
+    <p:spTree>
+      <p:nvGrpSpPr>
+        <p:cNvPr id="1" name=""/>
+        <p:cNvGrpSpPr/>
+        <p:nvPr/>
+      </p:nvGrpSpPr>
+      <p:grpSpPr>
+        <a:xfrm>
+          <a:off x="0" y="0"/>
+          <a:ext cx="0" cy="0"/>
+          <a:chOff x="0" y="0"/>
+          <a:chExt cx="0" cy="0"/>
+        </a:xfrm>
+      </p:grpSpPr>
+      <p:sp>
+        <p:nvSpPr>
+          <p:cNvPr id="22530" name="Rectangle 7"/>
+          <p:cNvSpPr>
+            <a:spLocks noGrp="1" noChangeArrowheads="1"/>
+          </p:cNvSpPr>
+          <p:nvPr>
+            <p:ph type="sldNum" sz="quarter" idx="5"/>
+          </p:nvPr>
+        </p:nvSpPr>
+        <p:spPr>
+          <a:noFill/>
+        </p:spPr>
+        <p:txBody>
+          <a:bodyPr/>
+          <a:lstStyle/>
+          <a:p>
+            <a:fld id="{B50E7675-7C34-40E2-84BE-07C7DE7E313C}" type="slidenum">
+              <a:rPr lang="en-GB" smtClean="0"/>
+              <a:pPr/>
+              <a:t>48</a:t>
+            </a:fld>
+            <a:endParaRPr lang="en-GB"/>
+          </a:p>
+        </p:txBody>
+      </p:sp>
+      <p:sp>
+        <p:nvSpPr>
+          <p:cNvPr id="22531" name="Rectangle 2"/>
+          <p:cNvSpPr>
+            <a:spLocks noGrp="1" noRot="1" noChangeAspect="1" noChangeArrowheads="1" noTextEdit="1"/>
+          </p:cNvSpPr>
+          <p:nvPr>
+            <p:ph type="sldImg"/>
+          </p:nvPr>
+        </p:nvSpPr>
+        <p:spPr>
+          <a:ln/>
+        </p:spPr>
+      </p:sp>
+      <p:sp>
+        <p:nvSpPr>
+          <p:cNvPr id="22532" name="Rectangle 3"/>
+          <p:cNvSpPr>
+            <a:spLocks noGrp="1" noChangeArrowheads="1"/>
+          </p:cNvSpPr>
+          <p:nvPr>
+            <p:ph type="body" idx="1"/>
+          </p:nvPr>
+        </p:nvSpPr>
+        <p:spPr>
+          <a:noFill/>
+          <a:ln/>
+        </p:spPr>
+        <p:txBody>
+          <a:bodyPr/>
+          <a:lstStyle/>
+          <a:p>
+            <a:endParaRPr lang="en-US"/>
+          </a:p>
+        </p:txBody>
+      </p:sp>
+    </p:spTree>
+    <p:extLst>
+      <p:ext uri="{BB962C8B-B14F-4D97-AF65-F5344CB8AC3E}">
+        <p14:creationId xmlns:p14="http://schemas.microsoft.com/office/powerpoint/2010/main" val="4152840510"/>
+      </p:ext>
+    </p:extLst>
+  </p:cSld>
+  <p:clrMapOvr>
+    <a:masterClrMapping/>
+  </p:clrMapOvr>
+</p:notes>
+</file>
+
+<file path=ppt/notesSlides/notesSlide38.xml><?xml version="1.0" encoding="utf-8"?>
+<p:notes xmlns:a="http://schemas.openxmlformats.org/drawingml/2006/main" xmlns:r="http://schemas.openxmlformats.org/officeDocument/2006/relationships" xmlns:p="http://schemas.openxmlformats.org/presentationml/2006/main">
+  <p:cSld>
+    <p:spTree>
+      <p:nvGrpSpPr>
+        <p:cNvPr id="1" name=""/>
+        <p:cNvGrpSpPr/>
+        <p:nvPr/>
+      </p:nvGrpSpPr>
+      <p:grpSpPr>
+        <a:xfrm>
+          <a:off x="0" y="0"/>
+          <a:ext cx="0" cy="0"/>
+          <a:chOff x="0" y="0"/>
+          <a:chExt cx="0" cy="0"/>
+        </a:xfrm>
+      </p:grpSpPr>
+      <p:sp>
+        <p:nvSpPr>
+          <p:cNvPr id="23554" name="Rectangle 7"/>
+          <p:cNvSpPr>
+            <a:spLocks noGrp="1" noChangeArrowheads="1"/>
+          </p:cNvSpPr>
+          <p:nvPr>
+            <p:ph type="sldNum" sz="quarter" idx="5"/>
+          </p:nvPr>
+        </p:nvSpPr>
+        <p:spPr>
+          <a:noFill/>
+        </p:spPr>
+        <p:txBody>
+          <a:bodyPr/>
+          <a:lstStyle/>
+          <a:p>
+            <a:fld id="{83B71B12-A8ED-441F-A814-1609A8339FAA}" type="slidenum">
+              <a:rPr lang="en-GB" smtClean="0"/>
+              <a:pPr/>
+              <a:t>49</a:t>
+            </a:fld>
+            <a:endParaRPr lang="en-GB"/>
+          </a:p>
+        </p:txBody>
+      </p:sp>
+      <p:sp>
+        <p:nvSpPr>
+          <p:cNvPr id="23555" name="Rectangle 2"/>
+          <p:cNvSpPr>
+            <a:spLocks noGrp="1" noRot="1" noChangeAspect="1" noChangeArrowheads="1" noTextEdit="1"/>
+          </p:cNvSpPr>
+          <p:nvPr>
+            <p:ph type="sldImg"/>
+          </p:nvPr>
+        </p:nvSpPr>
+        <p:spPr>
+          <a:ln/>
+        </p:spPr>
+      </p:sp>
+      <p:sp>
+        <p:nvSpPr>
+          <p:cNvPr id="23556" name="Rectangle 3"/>
+          <p:cNvSpPr>
+            <a:spLocks noGrp="1" noChangeArrowheads="1"/>
+          </p:cNvSpPr>
+          <p:nvPr>
+            <p:ph type="body" idx="1"/>
+          </p:nvPr>
+        </p:nvSpPr>
+        <p:spPr>
+          <a:noFill/>
+          <a:ln/>
+        </p:spPr>
+        <p:txBody>
+          <a:bodyPr/>
+          <a:lstStyle/>
+          <a:p>
+            <a:endParaRPr lang="en-US"/>
+          </a:p>
+        </p:txBody>
+      </p:sp>
+    </p:spTree>
+    <p:extLst>
+      <p:ext uri="{BB962C8B-B14F-4D97-AF65-F5344CB8AC3E}">
+        <p14:creationId xmlns:p14="http://schemas.microsoft.com/office/powerpoint/2010/main" val="3153498406"/>
+      </p:ext>
+    </p:extLst>
+  </p:cSld>
+  <p:clrMapOvr>
+    <a:masterClrMapping/>
+  </p:clrMapOvr>
+</p:notes>
+</file>
+
+<file path=ppt/notesSlides/notesSlide39.xml><?xml version="1.0" encoding="utf-8"?>
+<p:notes xmlns:a="http://schemas.openxmlformats.org/drawingml/2006/main" xmlns:r="http://schemas.openxmlformats.org/officeDocument/2006/relationships" xmlns:p="http://schemas.openxmlformats.org/presentationml/2006/main">
+  <p:cSld>
+    <p:spTree>
+      <p:nvGrpSpPr>
+        <p:cNvPr id="1" name=""/>
+        <p:cNvGrpSpPr/>
+        <p:nvPr/>
+      </p:nvGrpSpPr>
+      <p:grpSpPr>
+        <a:xfrm>
+          <a:off x="0" y="0"/>
+          <a:ext cx="0" cy="0"/>
+          <a:chOff x="0" y="0"/>
+          <a:chExt cx="0" cy="0"/>
+        </a:xfrm>
+      </p:grpSpPr>
+      <p:sp>
+        <p:nvSpPr>
+          <p:cNvPr id="27650" name="Rectangle 7"/>
+          <p:cNvSpPr>
+            <a:spLocks noGrp="1" noChangeArrowheads="1"/>
+          </p:cNvSpPr>
+          <p:nvPr>
+            <p:ph type="sldNum" sz="quarter" idx="5"/>
+          </p:nvPr>
+        </p:nvSpPr>
+        <p:spPr>
+          <a:noFill/>
+        </p:spPr>
+        <p:txBody>
+          <a:bodyPr/>
+          <a:lstStyle/>
+          <a:p>
+            <a:fld id="{9BB7FF1A-BB52-4745-8C5E-55B153BCDD9A}" type="slidenum">
+              <a:rPr lang="en-GB" smtClean="0"/>
+              <a:pPr/>
+              <a:t>50</a:t>
+            </a:fld>
+            <a:endParaRPr lang="en-GB"/>
+          </a:p>
+        </p:txBody>
+      </p:sp>
+      <p:sp>
+        <p:nvSpPr>
+          <p:cNvPr id="27651" name="Rectangle 2"/>
+          <p:cNvSpPr>
+            <a:spLocks noGrp="1" noRot="1" noChangeAspect="1" noChangeArrowheads="1" noTextEdit="1"/>
+          </p:cNvSpPr>
+          <p:nvPr>
+            <p:ph type="sldImg"/>
+          </p:nvPr>
+        </p:nvSpPr>
+        <p:spPr>
+          <a:ln/>
+        </p:spPr>
+      </p:sp>
+      <p:sp>
+        <p:nvSpPr>
+          <p:cNvPr id="27652" name="Rectangle 3"/>
+          <p:cNvSpPr>
+            <a:spLocks noGrp="1" noChangeArrowheads="1"/>
+          </p:cNvSpPr>
+          <p:nvPr>
+            <p:ph type="body" idx="1"/>
+          </p:nvPr>
+        </p:nvSpPr>
+        <p:spPr>
+          <a:noFill/>
+          <a:ln/>
+        </p:spPr>
+        <p:txBody>
+          <a:bodyPr/>
+          <a:lstStyle/>
+          <a:p>
+            <a:endParaRPr lang="en-US"/>
+          </a:p>
+        </p:txBody>
+      </p:sp>
+    </p:spTree>
+    <p:extLst>
+      <p:ext uri="{BB962C8B-B14F-4D97-AF65-F5344CB8AC3E}">
+        <p14:creationId xmlns:p14="http://schemas.microsoft.com/office/powerpoint/2010/main" val="2511200939"/>
       </p:ext>
     </p:extLst>
   </p:cSld>
@@ -3063,6 +3898,192 @@
     <p:extLst>
       <p:ext uri="{BB962C8B-B14F-4D97-AF65-F5344CB8AC3E}">
         <p14:creationId xmlns:p14="http://schemas.microsoft.com/office/powerpoint/2010/main" val="1016867342"/>
+      </p:ext>
+    </p:extLst>
+  </p:cSld>
+  <p:clrMapOvr>
+    <a:masterClrMapping/>
+  </p:clrMapOvr>
+</p:notes>
+</file>
+
+<file path=ppt/notesSlides/notesSlide40.xml><?xml version="1.0" encoding="utf-8"?>
+<p:notes xmlns:a="http://schemas.openxmlformats.org/drawingml/2006/main" xmlns:r="http://schemas.openxmlformats.org/officeDocument/2006/relationships" xmlns:p="http://schemas.openxmlformats.org/presentationml/2006/main">
+  <p:cSld>
+    <p:spTree>
+      <p:nvGrpSpPr>
+        <p:cNvPr id="1" name=""/>
+        <p:cNvGrpSpPr/>
+        <p:nvPr/>
+      </p:nvGrpSpPr>
+      <p:grpSpPr>
+        <a:xfrm>
+          <a:off x="0" y="0"/>
+          <a:ext cx="0" cy="0"/>
+          <a:chOff x="0" y="0"/>
+          <a:chExt cx="0" cy="0"/>
+        </a:xfrm>
+      </p:grpSpPr>
+      <p:sp>
+        <p:nvSpPr>
+          <p:cNvPr id="14338" name="Rectangle 7"/>
+          <p:cNvSpPr>
+            <a:spLocks noGrp="1" noChangeArrowheads="1"/>
+          </p:cNvSpPr>
+          <p:nvPr>
+            <p:ph type="sldNum" sz="quarter" idx="5"/>
+          </p:nvPr>
+        </p:nvSpPr>
+        <p:spPr>
+          <a:noFill/>
+        </p:spPr>
+        <p:txBody>
+          <a:bodyPr/>
+          <a:lstStyle/>
+          <a:p>
+            <a:fld id="{AF0EC085-EC57-4012-9255-2F1CC856B87B}" type="slidenum">
+              <a:rPr lang="en-US" smtClean="0"/>
+              <a:pPr/>
+              <a:t>51</a:t>
+            </a:fld>
+            <a:endParaRPr lang="en-US"/>
+          </a:p>
+        </p:txBody>
+      </p:sp>
+      <p:sp>
+        <p:nvSpPr>
+          <p:cNvPr id="14339" name="Rectangle 2"/>
+          <p:cNvSpPr>
+            <a:spLocks noGrp="1" noRot="1" noChangeAspect="1" noChangeArrowheads="1" noTextEdit="1"/>
+          </p:cNvSpPr>
+          <p:nvPr>
+            <p:ph type="sldImg"/>
+          </p:nvPr>
+        </p:nvSpPr>
+        <p:spPr>
+          <a:ln/>
+        </p:spPr>
+      </p:sp>
+      <p:sp>
+        <p:nvSpPr>
+          <p:cNvPr id="14340" name="Rectangle 3"/>
+          <p:cNvSpPr>
+            <a:spLocks noGrp="1" noChangeArrowheads="1"/>
+          </p:cNvSpPr>
+          <p:nvPr>
+            <p:ph type="body" idx="1"/>
+          </p:nvPr>
+        </p:nvSpPr>
+        <p:spPr>
+          <a:noFill/>
+          <a:ln/>
+        </p:spPr>
+        <p:txBody>
+          <a:bodyPr/>
+          <a:lstStyle/>
+          <a:p>
+            <a:pPr eaLnBrk="1" hangingPunct="1"/>
+            <a:endParaRPr lang="en-US"/>
+          </a:p>
+        </p:txBody>
+      </p:sp>
+    </p:spTree>
+    <p:extLst>
+      <p:ext uri="{BB962C8B-B14F-4D97-AF65-F5344CB8AC3E}">
+        <p14:creationId xmlns:p14="http://schemas.microsoft.com/office/powerpoint/2010/main" val="2251244807"/>
+      </p:ext>
+    </p:extLst>
+  </p:cSld>
+  <p:clrMapOvr>
+    <a:masterClrMapping/>
+  </p:clrMapOvr>
+</p:notes>
+</file>
+
+<file path=ppt/notesSlides/notesSlide41.xml><?xml version="1.0" encoding="utf-8"?>
+<p:notes xmlns:a="http://schemas.openxmlformats.org/drawingml/2006/main" xmlns:r="http://schemas.openxmlformats.org/officeDocument/2006/relationships" xmlns:p="http://schemas.openxmlformats.org/presentationml/2006/main">
+  <p:cSld>
+    <p:spTree>
+      <p:nvGrpSpPr>
+        <p:cNvPr id="1" name=""/>
+        <p:cNvGrpSpPr/>
+        <p:nvPr/>
+      </p:nvGrpSpPr>
+      <p:grpSpPr>
+        <a:xfrm>
+          <a:off x="0" y="0"/>
+          <a:ext cx="0" cy="0"/>
+          <a:chOff x="0" y="0"/>
+          <a:chExt cx="0" cy="0"/>
+        </a:xfrm>
+      </p:grpSpPr>
+      <p:sp>
+        <p:nvSpPr>
+          <p:cNvPr id="41986" name="Rectangle 7"/>
+          <p:cNvSpPr>
+            <a:spLocks noGrp="1" noChangeArrowheads="1"/>
+          </p:cNvSpPr>
+          <p:nvPr>
+            <p:ph type="sldNum" sz="quarter" idx="5"/>
+          </p:nvPr>
+        </p:nvSpPr>
+        <p:spPr>
+          <a:noFill/>
+        </p:spPr>
+        <p:txBody>
+          <a:bodyPr/>
+          <a:lstStyle/>
+          <a:p>
+            <a:fld id="{4A801610-ECDC-4E64-83BD-71EC7C659FD7}" type="slidenum">
+              <a:rPr lang="en-GB" smtClean="0"/>
+              <a:pPr/>
+              <a:t>53</a:t>
+            </a:fld>
+            <a:endParaRPr lang="en-GB"/>
+          </a:p>
+        </p:txBody>
+      </p:sp>
+      <p:sp>
+        <p:nvSpPr>
+          <p:cNvPr id="41987" name="Rectangle 2"/>
+          <p:cNvSpPr>
+            <a:spLocks noGrp="1" noRot="1" noChangeAspect="1" noChangeArrowheads="1" noTextEdit="1"/>
+          </p:cNvSpPr>
+          <p:nvPr>
+            <p:ph type="sldImg"/>
+          </p:nvPr>
+        </p:nvSpPr>
+        <p:spPr>
+          <a:ln/>
+        </p:spPr>
+      </p:sp>
+      <p:sp>
+        <p:nvSpPr>
+          <p:cNvPr id="41988" name="Rectangle 3"/>
+          <p:cNvSpPr>
+            <a:spLocks noGrp="1" noChangeArrowheads="1"/>
+          </p:cNvSpPr>
+          <p:nvPr>
+            <p:ph type="body" idx="1"/>
+          </p:nvPr>
+        </p:nvSpPr>
+        <p:spPr>
+          <a:noFill/>
+          <a:ln/>
+        </p:spPr>
+        <p:txBody>
+          <a:bodyPr/>
+          <a:lstStyle/>
+          <a:p>
+            <a:pPr eaLnBrk="1" hangingPunct="1"/>
+            <a:endParaRPr lang="en-US"/>
+          </a:p>
+        </p:txBody>
+      </p:sp>
+    </p:spTree>
+    <p:extLst>
+      <p:ext uri="{BB962C8B-B14F-4D97-AF65-F5344CB8AC3E}">
+        <p14:creationId xmlns:p14="http://schemas.microsoft.com/office/powerpoint/2010/main" val="2503148547"/>
       </p:ext>
     </p:extLst>
   </p:cSld>
@@ -7016,7 +8037,7 @@
           <a:p>
             <a:pPr eaLnBrk="1" hangingPunct="1"/>
             <a:r>
-              <a:rPr lang="de-DE" sz="2800" dirty="0">
+              <a:rPr lang="en-GB" sz="2800" dirty="0">
                 <a:latin typeface="Candara" panose="020E0502030303020204" pitchFamily="34" charset="0"/>
               </a:rPr>
               <a:t>Time</a:t>
@@ -7025,7 +8046,7 @@
           <a:p>
             <a:pPr lvl="1" eaLnBrk="1" hangingPunct="1"/>
             <a:r>
-              <a:rPr lang="de-DE" sz="2400" dirty="0">
+              <a:rPr lang="en-GB" sz="2400" dirty="0">
                 <a:latin typeface="Candara" panose="020E0502030303020204" pitchFamily="34" charset="0"/>
               </a:rPr>
               <a:t>Ramsey rule</a:t>
@@ -7034,7 +8055,7 @@
           <a:p>
             <a:pPr lvl="1" eaLnBrk="1" hangingPunct="1"/>
             <a:r>
-              <a:rPr lang="de-DE" sz="2400" dirty="0">
+              <a:rPr lang="en-GB" sz="2400" dirty="0">
                 <a:latin typeface="Candara" panose="020E0502030303020204" pitchFamily="34" charset="0"/>
               </a:rPr>
               <a:t>Declining discount rates</a:t>
@@ -7043,7 +8064,7 @@
           <a:p>
             <a:pPr eaLnBrk="1" hangingPunct="1"/>
             <a:r>
-              <a:rPr lang="de-DE" sz="2800" dirty="0">
+              <a:rPr lang="en-GB" sz="2800" dirty="0">
                 <a:latin typeface="Candara" panose="020E0502030303020204" pitchFamily="34" charset="0"/>
               </a:rPr>
               <a:t>Space</a:t>
@@ -7052,7 +8073,7 @@
           <a:p>
             <a:pPr lvl="1" eaLnBrk="1" hangingPunct="1"/>
             <a:r>
-              <a:rPr lang="de-DE" sz="2400" dirty="0">
+              <a:rPr lang="en-GB" sz="2400" dirty="0">
                 <a:latin typeface="Candara" panose="020E0502030303020204" pitchFamily="34" charset="0"/>
               </a:rPr>
               <a:t>Equity weights</a:t>
@@ -7061,7 +8082,7 @@
           <a:p>
             <a:pPr eaLnBrk="1" hangingPunct="1"/>
             <a:r>
-              <a:rPr lang="de-DE" sz="2800" dirty="0">
+              <a:rPr lang="en-GB" sz="2800" dirty="0">
                 <a:latin typeface="Candara" panose="020E0502030303020204" pitchFamily="34" charset="0"/>
               </a:rPr>
               <a:t>Risk</a:t>
@@ -7070,7 +8091,7 @@
           <a:p>
             <a:pPr lvl="1" eaLnBrk="1" hangingPunct="1"/>
             <a:r>
-              <a:rPr lang="de-DE" sz="2400" dirty="0">
+              <a:rPr lang="en-GB" sz="2400" dirty="0">
                 <a:latin typeface="Candara" panose="020E0502030303020204" pitchFamily="34" charset="0"/>
               </a:rPr>
               <a:t>Expectations</a:t>
@@ -7079,16 +8100,25 @@
           <a:p>
             <a:pPr lvl="1" eaLnBrk="1" hangingPunct="1"/>
             <a:r>
-              <a:rPr lang="de-DE" sz="2400" dirty="0">
+              <a:rPr lang="en-GB" sz="2400" dirty="0">
                 <a:latin typeface="Candara" panose="020E0502030303020204" pitchFamily="34" charset="0"/>
               </a:rPr>
               <a:t>Certainty equivalents</a:t>
             </a:r>
           </a:p>
           <a:p>
+            <a:pPr lvl="1" eaLnBrk="1" hangingPunct="1"/>
+            <a:r>
+              <a:rPr lang="en-GB" sz="2400" dirty="0">
+                <a:latin typeface="Candara" panose="020E0502030303020204" pitchFamily="34" charset="0"/>
+              </a:rPr>
+              <a:t>Dismal theorem</a:t>
+            </a:r>
+          </a:p>
+          <a:p>
             <a:pPr eaLnBrk="1" hangingPunct="1"/>
             <a:r>
-              <a:rPr lang="de-DE" sz="2800" dirty="0">
+              <a:rPr lang="en-GB" sz="2800" dirty="0">
                 <a:latin typeface="Candara" panose="020E0502030303020204" pitchFamily="34" charset="0"/>
               </a:rPr>
               <a:t>All together now</a:t>
@@ -7097,7 +8127,7 @@
           <a:p>
             <a:pPr lvl="1" eaLnBrk="1" hangingPunct="1"/>
             <a:r>
-              <a:rPr lang="de-DE" sz="2400" dirty="0">
+              <a:rPr lang="en-GB" sz="2400" dirty="0">
                 <a:latin typeface="Candara" panose="020E0502030303020204" pitchFamily="34" charset="0"/>
               </a:rPr>
               <a:t>How to choose ethical parameters</a:t>
@@ -7713,11 +8743,50 @@
           <a:p>
             <a:pPr lvl="1" eaLnBrk="1" hangingPunct="1"/>
             <a:r>
+              <a:rPr lang="de-DE" sz="2400" dirty="0" err="1">
+                <a:latin typeface="Candara" panose="020E0502030303020204" pitchFamily="34" charset="0"/>
+              </a:rPr>
+              <a:t>Certainty</a:t>
+            </a:r>
+            <a:r>
               <a:rPr lang="de-DE" sz="2400" dirty="0">
                 <a:latin typeface="Candara" panose="020E0502030303020204" pitchFamily="34" charset="0"/>
               </a:rPr>
-              <a:t>Certainty equivalents</a:t>
-            </a:r>
+              <a:t> </a:t>
+            </a:r>
+            <a:r>
+              <a:rPr lang="de-DE" sz="2400" dirty="0" err="1">
+                <a:latin typeface="Candara" panose="020E0502030303020204" pitchFamily="34" charset="0"/>
+              </a:rPr>
+              <a:t>equivalents</a:t>
+            </a:r>
+            <a:endParaRPr lang="de-DE" sz="2400" dirty="0">
+              <a:latin typeface="Candara" panose="020E0502030303020204" pitchFamily="34" charset="0"/>
+            </a:endParaRPr>
+          </a:p>
+          <a:p>
+            <a:pPr lvl="1" eaLnBrk="1" hangingPunct="1"/>
+            <a:r>
+              <a:rPr lang="de-DE" sz="2400" dirty="0" err="1">
+                <a:latin typeface="Candara" panose="020E0502030303020204" pitchFamily="34" charset="0"/>
+              </a:rPr>
+              <a:t>Dismal</a:t>
+            </a:r>
+            <a:r>
+              <a:rPr lang="de-DE" sz="2400" dirty="0">
+                <a:latin typeface="Candara" panose="020E0502030303020204" pitchFamily="34" charset="0"/>
+              </a:rPr>
+              <a:t> </a:t>
+            </a:r>
+            <a:r>
+              <a:rPr lang="de-DE" sz="2400" dirty="0" err="1">
+                <a:latin typeface="Candara" panose="020E0502030303020204" pitchFamily="34" charset="0"/>
+              </a:rPr>
+              <a:t>theorem</a:t>
+            </a:r>
+            <a:endParaRPr lang="de-DE" sz="2400" dirty="0">
+              <a:latin typeface="Candara" panose="020E0502030303020204" pitchFamily="34" charset="0"/>
+            </a:endParaRPr>
           </a:p>
           <a:p>
             <a:pPr eaLnBrk="1" hangingPunct="1"/>
@@ -7926,173 +8995,532 @@
           </a:p>
         </p:txBody>
       </p:sp>
-      <p:sp>
-        <p:nvSpPr>
-          <p:cNvPr id="20483" name="Rectangle 3"/>
-          <p:cNvSpPr>
-            <a:spLocks noGrp="1" noChangeArrowheads="1"/>
-          </p:cNvSpPr>
-          <p:nvPr>
-            <p:ph type="body" idx="1"/>
-          </p:nvPr>
-        </p:nvSpPr>
-        <p:spPr>
-          <a:xfrm>
-            <a:off x="381000" y="914400"/>
-            <a:ext cx="8763000" cy="5486400"/>
-          </a:xfrm>
-        </p:spPr>
-        <p:txBody>
-          <a:bodyPr/>
-          <a:lstStyle/>
-          <a:p>
-            <a:pPr eaLnBrk="1" hangingPunct="1"/>
-            <a:r>
-              <a:rPr lang="de-DE" sz="2800" dirty="0">
-                <a:latin typeface="Candara" panose="020E0502030303020204" pitchFamily="34" charset="0"/>
-              </a:rPr>
-              <a:t>Discounting should</a:t>
-            </a:r>
-          </a:p>
-          <a:p>
-            <a:pPr lvl="1" eaLnBrk="1" hangingPunct="1"/>
-            <a:r>
-              <a:rPr lang="de-DE" sz="2400" dirty="0">
-                <a:latin typeface="Candara" panose="020E0502030303020204" pitchFamily="34" charset="0"/>
-              </a:rPr>
-              <a:t>Reflect the will of the people</a:t>
-            </a:r>
-          </a:p>
-          <a:p>
-            <a:pPr lvl="1" eaLnBrk="1" hangingPunct="1"/>
-            <a:r>
-              <a:rPr lang="de-DE" sz="2400" dirty="0">
-                <a:latin typeface="Candara" panose="020E0502030303020204" pitchFamily="34" charset="0"/>
-              </a:rPr>
-              <a:t>Not ignore the far future</a:t>
-            </a:r>
-          </a:p>
-          <a:p>
-            <a:pPr lvl="1" eaLnBrk="1" hangingPunct="1"/>
-            <a:r>
-              <a:rPr lang="de-DE" sz="2400" dirty="0">
-                <a:latin typeface="Candara" panose="020E0502030303020204" pitchFamily="34" charset="0"/>
-              </a:rPr>
-              <a:t>Be consistently applied accross public policy</a:t>
-            </a:r>
-          </a:p>
-          <a:p>
-            <a:pPr eaLnBrk="1" hangingPunct="1"/>
-            <a:r>
-              <a:rPr lang="de-DE" sz="2800" dirty="0">
-                <a:latin typeface="Candara" panose="020E0502030303020204" pitchFamily="34" charset="0"/>
-              </a:rPr>
-              <a:t>Can this be done? </a:t>
-            </a:r>
-          </a:p>
-          <a:p>
-            <a:pPr eaLnBrk="1" hangingPunct="1"/>
-            <a:r>
-              <a:rPr lang="de-DE" sz="2800" dirty="0">
-                <a:latin typeface="Candara" panose="020E0502030303020204" pitchFamily="34" charset="0"/>
-              </a:rPr>
-              <a:t>Conventional, exponential discount rates have that the relative distance between two years does not depend on the time horizon</a:t>
-            </a:r>
-          </a:p>
-          <a:p>
-            <a:pPr marL="0" indent="0" algn="ctr" eaLnBrk="1" hangingPunct="1">
-              <a:buNone/>
-            </a:pPr>
-            <a:r>
-              <a:rPr lang="de-DE" sz="2800" dirty="0">
-                <a:latin typeface="Candara" panose="020E0502030303020204" pitchFamily="34" charset="0"/>
-              </a:rPr>
-              <a:t>exp(-</a:t>
-            </a:r>
-            <a:r>
-              <a:rPr lang="el-GR" sz="2800" i="1" dirty="0">
-                <a:latin typeface="Candara" panose="020E0502030303020204" pitchFamily="34" charset="0"/>
-              </a:rPr>
-              <a:t>ρ</a:t>
-            </a:r>
-            <a:r>
-              <a:rPr lang="en-US" sz="2800" dirty="0">
-                <a:latin typeface="Candara" panose="020E0502030303020204" pitchFamily="34" charset="0"/>
-              </a:rPr>
-              <a:t>(</a:t>
-            </a:r>
-            <a:r>
-              <a:rPr lang="en-US" sz="2800" i="1" dirty="0">
-                <a:latin typeface="Candara" panose="020E0502030303020204" pitchFamily="34" charset="0"/>
-              </a:rPr>
-              <a:t>t</a:t>
-            </a:r>
-            <a:r>
-              <a:rPr lang="en-US" sz="2800" dirty="0">
-                <a:latin typeface="Candara" panose="020E0502030303020204" pitchFamily="34" charset="0"/>
-              </a:rPr>
-              <a:t>+</a:t>
-            </a:r>
-            <a:r>
-              <a:rPr lang="el-GR" sz="2800" i="1" dirty="0">
-                <a:latin typeface="Candara" panose="020E0502030303020204" pitchFamily="34" charset="0"/>
-              </a:rPr>
-              <a:t>δ</a:t>
-            </a:r>
-            <a:r>
-              <a:rPr lang="en-US" sz="2800" dirty="0">
-                <a:latin typeface="Candara" panose="020E0502030303020204" pitchFamily="34" charset="0"/>
-              </a:rPr>
-              <a:t>)) / </a:t>
-            </a:r>
-            <a:r>
-              <a:rPr lang="de-DE" sz="2800" dirty="0">
-                <a:latin typeface="Candara" panose="020E0502030303020204" pitchFamily="34" charset="0"/>
-              </a:rPr>
-              <a:t>exp(-</a:t>
-            </a:r>
-            <a:r>
-              <a:rPr lang="el-GR" sz="2800" i="1" dirty="0">
-                <a:latin typeface="Candara" panose="020E0502030303020204" pitchFamily="34" charset="0"/>
-              </a:rPr>
-              <a:t>ρ</a:t>
-            </a:r>
-            <a:r>
-              <a:rPr lang="en-US" sz="2800" i="1" dirty="0">
-                <a:latin typeface="Candara" panose="020E0502030303020204" pitchFamily="34" charset="0"/>
-              </a:rPr>
-              <a:t>t</a:t>
-            </a:r>
-            <a:r>
-              <a:rPr lang="en-US" sz="2800" dirty="0">
-                <a:latin typeface="Candara" panose="020E0502030303020204" pitchFamily="34" charset="0"/>
-              </a:rPr>
-              <a:t>)  = </a:t>
-            </a:r>
-            <a:r>
-              <a:rPr lang="de-DE" sz="2800" dirty="0">
-                <a:latin typeface="Candara" panose="020E0502030303020204" pitchFamily="34" charset="0"/>
-              </a:rPr>
-              <a:t>exp(-</a:t>
-            </a:r>
-            <a:r>
-              <a:rPr lang="el-GR" sz="2800" i="1" dirty="0">
-                <a:latin typeface="Candara" panose="020E0502030303020204" pitchFamily="34" charset="0"/>
-              </a:rPr>
-              <a:t>ρδ</a:t>
-            </a:r>
-            <a:r>
-              <a:rPr lang="en-US" sz="2800" dirty="0">
-                <a:latin typeface="Candara" panose="020E0502030303020204" pitchFamily="34" charset="0"/>
-              </a:rPr>
-              <a:t>)</a:t>
-            </a:r>
-            <a:endParaRPr lang="de-DE" sz="2800" dirty="0">
-              <a:latin typeface="Comic Sans MS" pitchFamily="66" charset="0"/>
-            </a:endParaRPr>
-          </a:p>
-        </p:txBody>
-      </p:sp>
+      <mc:AlternateContent xmlns:mc="http://schemas.openxmlformats.org/markup-compatibility/2006" xmlns:a14="http://schemas.microsoft.com/office/drawing/2010/main">
+        <mc:Choice Requires="a14">
+          <p:sp>
+            <p:nvSpPr>
+              <p:cNvPr id="20483" name="Rectangle 3"/>
+              <p:cNvSpPr>
+                <a:spLocks noGrp="1" noChangeArrowheads="1"/>
+              </p:cNvSpPr>
+              <p:nvPr>
+                <p:ph type="body" idx="1"/>
+              </p:nvPr>
+            </p:nvSpPr>
+            <p:spPr>
+              <a:xfrm>
+                <a:off x="381000" y="914400"/>
+                <a:ext cx="8763000" cy="5486400"/>
+              </a:xfrm>
+            </p:spPr>
+            <p:txBody>
+              <a:bodyPr/>
+              <a:lstStyle/>
+              <a:p>
+                <a:pPr eaLnBrk="1" hangingPunct="1"/>
+                <a:r>
+                  <a:rPr lang="de-DE" sz="2800" dirty="0">
+                    <a:latin typeface="Candara" panose="020E0502030303020204" pitchFamily="34" charset="0"/>
+                  </a:rPr>
+                  <a:t>Discounting should</a:t>
+                </a:r>
+              </a:p>
+              <a:p>
+                <a:pPr lvl="1" eaLnBrk="1" hangingPunct="1"/>
+                <a:r>
+                  <a:rPr lang="de-DE" sz="2400" dirty="0">
+                    <a:latin typeface="Candara" panose="020E0502030303020204" pitchFamily="34" charset="0"/>
+                  </a:rPr>
+                  <a:t>Reflect the will of the people</a:t>
+                </a:r>
+              </a:p>
+              <a:p>
+                <a:pPr lvl="1" eaLnBrk="1" hangingPunct="1"/>
+                <a:r>
+                  <a:rPr lang="de-DE" sz="2400" dirty="0">
+                    <a:latin typeface="Candara" panose="020E0502030303020204" pitchFamily="34" charset="0"/>
+                  </a:rPr>
+                  <a:t>Not ignore the far future</a:t>
+                </a:r>
+              </a:p>
+              <a:p>
+                <a:pPr lvl="1" eaLnBrk="1" hangingPunct="1"/>
+                <a:r>
+                  <a:rPr lang="de-DE" sz="2400" dirty="0">
+                    <a:latin typeface="Candara" panose="020E0502030303020204" pitchFamily="34" charset="0"/>
+                  </a:rPr>
+                  <a:t>Be consistently applied accross public policy</a:t>
+                </a:r>
+              </a:p>
+              <a:p>
+                <a:pPr eaLnBrk="1" hangingPunct="1"/>
+                <a:r>
+                  <a:rPr lang="de-DE" sz="2800" dirty="0">
+                    <a:latin typeface="Candara" panose="020E0502030303020204" pitchFamily="34" charset="0"/>
+                  </a:rPr>
+                  <a:t>Can this be done? </a:t>
+                </a:r>
+              </a:p>
+              <a:p>
+                <a:pPr eaLnBrk="1" hangingPunct="1"/>
+                <a:r>
+                  <a:rPr lang="de-DE" sz="2800" dirty="0">
+                    <a:latin typeface="Candara" panose="020E0502030303020204" pitchFamily="34" charset="0"/>
+                  </a:rPr>
+                  <a:t>Conventional, exponential discount rates have that the relative distance between two years does not depend on the time </a:t>
+                </a:r>
+                <a:r>
+                  <a:rPr lang="de-DE" sz="2800" dirty="0" err="1">
+                    <a:latin typeface="Candara" panose="020E0502030303020204" pitchFamily="34" charset="0"/>
+                  </a:rPr>
+                  <a:t>horizon</a:t>
+                </a:r>
+                <a:endParaRPr lang="de-DE" sz="2800" dirty="0">
+                  <a:latin typeface="Candara" panose="020E0502030303020204" pitchFamily="34" charset="0"/>
+                </a:endParaRPr>
+              </a:p>
+              <a:p>
+                <a:pPr marL="457200" lvl="1" indent="0" eaLnBrk="1" hangingPunct="1">
+                  <a:buNone/>
+                </a:pPr>
+                <a14:m>
+                  <m:oMathPara xmlns:m="http://schemas.openxmlformats.org/officeDocument/2006/math">
+                    <m:oMathParaPr>
+                      <m:jc m:val="centerGroup"/>
+                    </m:oMathParaPr>
+                    <m:oMath xmlns:m="http://schemas.openxmlformats.org/officeDocument/2006/math">
+                      <m:f>
+                        <m:fPr>
+                          <m:type m:val="skw"/>
+                          <m:ctrlPr>
+                            <a:rPr lang="de-DE" sz="2400" i="1" smtClean="0">
+                              <a:latin typeface="Cambria Math" panose="02040503050406030204" pitchFamily="18" charset="0"/>
+                            </a:rPr>
+                          </m:ctrlPr>
+                        </m:fPr>
+                        <m:num>
+                          <m:f>
+                            <m:fPr>
+                              <m:ctrlPr>
+                                <a:rPr lang="de-DE" sz="2400" i="1" smtClean="0">
+                                  <a:latin typeface="Cambria Math" panose="02040503050406030204" pitchFamily="18" charset="0"/>
+                                </a:rPr>
+                              </m:ctrlPr>
+                            </m:fPr>
+                            <m:num>
+                              <m:r>
+                                <a:rPr lang="en-US" sz="2400" b="0" i="1" smtClean="0">
+                                  <a:latin typeface="Cambria Math" panose="02040503050406030204" pitchFamily="18" charset="0"/>
+                                </a:rPr>
+                                <m:t>1</m:t>
+                              </m:r>
+                            </m:num>
+                            <m:den>
+                              <m:sSup>
+                                <m:sSupPr>
+                                  <m:ctrlPr>
+                                    <a:rPr lang="de-DE" sz="2400" i="1" smtClean="0">
+                                      <a:latin typeface="Cambria Math" panose="02040503050406030204" pitchFamily="18" charset="0"/>
+                                    </a:rPr>
+                                  </m:ctrlPr>
+                                </m:sSupPr>
+                                <m:e>
+                                  <m:r>
+                                    <a:rPr lang="en-US" sz="2400" b="0" i="1" smtClean="0">
+                                      <a:latin typeface="Cambria Math" panose="02040503050406030204" pitchFamily="18" charset="0"/>
+                                    </a:rPr>
+                                    <m:t>(1+</m:t>
+                                  </m:r>
+                                  <m:r>
+                                    <a:rPr lang="en-US" sz="2400" b="0" i="1" smtClean="0">
+                                      <a:latin typeface="Cambria Math" panose="02040503050406030204" pitchFamily="18" charset="0"/>
+                                      <a:ea typeface="Cambria Math" panose="02040503050406030204" pitchFamily="18" charset="0"/>
+                                    </a:rPr>
+                                    <m:t>𝜌</m:t>
+                                  </m:r>
+                                  <m:r>
+                                    <a:rPr lang="en-US" sz="2400" b="0" i="1" smtClean="0">
+                                      <a:latin typeface="Cambria Math" panose="02040503050406030204" pitchFamily="18" charset="0"/>
+                                    </a:rPr>
+                                    <m:t>)</m:t>
+                                  </m:r>
+                                </m:e>
+                                <m:sup>
+                                  <m:r>
+                                    <a:rPr lang="en-US" sz="2400" b="0" i="1" smtClean="0">
+                                      <a:latin typeface="Cambria Math" panose="02040503050406030204" pitchFamily="18" charset="0"/>
+                                    </a:rPr>
+                                    <m:t>𝑡</m:t>
+                                  </m:r>
+                                  <m:r>
+                                    <a:rPr lang="en-US" sz="2400" b="0" i="1" smtClean="0">
+                                      <a:latin typeface="Cambria Math" panose="02040503050406030204" pitchFamily="18" charset="0"/>
+                                    </a:rPr>
+                                    <m:t>+</m:t>
+                                  </m:r>
+                                  <m:r>
+                                    <a:rPr lang="en-US" sz="2400" b="0" i="1" smtClean="0">
+                                      <a:latin typeface="Cambria Math" panose="02040503050406030204" pitchFamily="18" charset="0"/>
+                                      <a:ea typeface="Cambria Math" panose="02040503050406030204" pitchFamily="18" charset="0"/>
+                                    </a:rPr>
+                                    <m:t>𝛿</m:t>
+                                  </m:r>
+                                </m:sup>
+                              </m:sSup>
+                            </m:den>
+                          </m:f>
+                        </m:num>
+                        <m:den>
+                          <m:f>
+                            <m:fPr>
+                              <m:ctrlPr>
+                                <a:rPr lang="de-DE" sz="2400" i="1" smtClean="0">
+                                  <a:latin typeface="Cambria Math" panose="02040503050406030204" pitchFamily="18" charset="0"/>
+                                </a:rPr>
+                              </m:ctrlPr>
+                            </m:fPr>
+                            <m:num>
+                              <m:r>
+                                <a:rPr lang="en-US" sz="2400" b="0" i="1" smtClean="0">
+                                  <a:latin typeface="Cambria Math" panose="02040503050406030204" pitchFamily="18" charset="0"/>
+                                </a:rPr>
+                                <m:t>1</m:t>
+                              </m:r>
+                            </m:num>
+                            <m:den>
+                              <m:sSup>
+                                <m:sSupPr>
+                                  <m:ctrlPr>
+                                    <a:rPr lang="de-DE" sz="2400" i="1" smtClean="0">
+                                      <a:latin typeface="Cambria Math" panose="02040503050406030204" pitchFamily="18" charset="0"/>
+                                    </a:rPr>
+                                  </m:ctrlPr>
+                                </m:sSupPr>
+                                <m:e>
+                                  <m:r>
+                                    <a:rPr lang="en-US" sz="2400" b="0" i="1" smtClean="0">
+                                      <a:latin typeface="Cambria Math" panose="02040503050406030204" pitchFamily="18" charset="0"/>
+                                    </a:rPr>
+                                    <m:t>(1+</m:t>
+                                  </m:r>
+                                  <m:r>
+                                    <a:rPr lang="en-US" sz="2400" b="0" i="1" smtClean="0">
+                                      <a:latin typeface="Cambria Math" panose="02040503050406030204" pitchFamily="18" charset="0"/>
+                                      <a:ea typeface="Cambria Math" panose="02040503050406030204" pitchFamily="18" charset="0"/>
+                                    </a:rPr>
+                                    <m:t>𝜌</m:t>
+                                  </m:r>
+                                  <m:r>
+                                    <a:rPr lang="en-US" sz="2400" b="0" i="1" smtClean="0">
+                                      <a:latin typeface="Cambria Math" panose="02040503050406030204" pitchFamily="18" charset="0"/>
+                                    </a:rPr>
+                                    <m:t>)</m:t>
+                                  </m:r>
+                                </m:e>
+                                <m:sup>
+                                  <m:r>
+                                    <a:rPr lang="en-US" sz="2400" b="0" i="1" smtClean="0">
+                                      <a:latin typeface="Cambria Math" panose="02040503050406030204" pitchFamily="18" charset="0"/>
+                                    </a:rPr>
+                                    <m:t>𝑡</m:t>
+                                  </m:r>
+                                </m:sup>
+                              </m:sSup>
+                            </m:den>
+                          </m:f>
+                        </m:den>
+                      </m:f>
+                      <m:r>
+                        <a:rPr lang="en-US" sz="2400" b="0" i="1" smtClean="0">
+                          <a:latin typeface="Cambria Math" panose="02040503050406030204" pitchFamily="18" charset="0"/>
+                        </a:rPr>
+                        <m:t>=</m:t>
+                      </m:r>
+                      <m:f>
+                        <m:fPr>
+                          <m:type m:val="skw"/>
+                          <m:ctrlPr>
+                            <a:rPr lang="de-DE" sz="2400" i="1" smtClean="0">
+                              <a:latin typeface="Cambria Math" panose="02040503050406030204" pitchFamily="18" charset="0"/>
+                            </a:rPr>
+                          </m:ctrlPr>
+                        </m:fPr>
+                        <m:num>
+                          <m:f>
+                            <m:fPr>
+                              <m:ctrlPr>
+                                <a:rPr lang="de-DE" sz="2400" i="1">
+                                  <a:latin typeface="Cambria Math" panose="02040503050406030204" pitchFamily="18" charset="0"/>
+                                </a:rPr>
+                              </m:ctrlPr>
+                            </m:fPr>
+                            <m:num>
+                              <m:r>
+                                <a:rPr lang="en-US" sz="2400" i="1">
+                                  <a:latin typeface="Cambria Math" panose="02040503050406030204" pitchFamily="18" charset="0"/>
+                                </a:rPr>
+                                <m:t>1</m:t>
+                              </m:r>
+                            </m:num>
+                            <m:den>
+                              <m:sSup>
+                                <m:sSupPr>
+                                  <m:ctrlPr>
+                                    <a:rPr lang="de-DE" sz="2400" i="1">
+                                      <a:latin typeface="Cambria Math" panose="02040503050406030204" pitchFamily="18" charset="0"/>
+                                    </a:rPr>
+                                  </m:ctrlPr>
+                                </m:sSupPr>
+                                <m:e>
+                                  <m:r>
+                                    <a:rPr lang="en-US" sz="2400" i="1">
+                                      <a:latin typeface="Cambria Math" panose="02040503050406030204" pitchFamily="18" charset="0"/>
+                                    </a:rPr>
+                                    <m:t>(1+</m:t>
+                                  </m:r>
+                                  <m:r>
+                                    <a:rPr lang="en-US" sz="2400" i="1">
+                                      <a:latin typeface="Cambria Math" panose="02040503050406030204" pitchFamily="18" charset="0"/>
+                                      <a:ea typeface="Cambria Math" panose="02040503050406030204" pitchFamily="18" charset="0"/>
+                                    </a:rPr>
+                                    <m:t>𝜌</m:t>
+                                  </m:r>
+                                  <m:r>
+                                    <a:rPr lang="en-US" sz="2400" i="1">
+                                      <a:latin typeface="Cambria Math" panose="02040503050406030204" pitchFamily="18" charset="0"/>
+                                    </a:rPr>
+                                    <m:t>)</m:t>
+                                  </m:r>
+                                </m:e>
+                                <m:sup>
+                                  <m:r>
+                                    <a:rPr lang="en-US" sz="2400" i="1">
+                                      <a:latin typeface="Cambria Math" panose="02040503050406030204" pitchFamily="18" charset="0"/>
+                                    </a:rPr>
+                                    <m:t>𝑡</m:t>
+                                  </m:r>
+                                </m:sup>
+                              </m:sSup>
+                              <m:sSup>
+                                <m:sSupPr>
+                                  <m:ctrlPr>
+                                    <a:rPr lang="de-DE" sz="2400" i="1">
+                                      <a:latin typeface="Cambria Math" panose="02040503050406030204" pitchFamily="18" charset="0"/>
+                                    </a:rPr>
+                                  </m:ctrlPr>
+                                </m:sSupPr>
+                                <m:e>
+                                  <m:r>
+                                    <a:rPr lang="en-US" sz="2400" i="1">
+                                      <a:latin typeface="Cambria Math" panose="02040503050406030204" pitchFamily="18" charset="0"/>
+                                    </a:rPr>
+                                    <m:t>(1+</m:t>
+                                  </m:r>
+                                  <m:r>
+                                    <a:rPr lang="en-US" sz="2400" i="1">
+                                      <a:latin typeface="Cambria Math" panose="02040503050406030204" pitchFamily="18" charset="0"/>
+                                      <a:ea typeface="Cambria Math" panose="02040503050406030204" pitchFamily="18" charset="0"/>
+                                    </a:rPr>
+                                    <m:t>𝜌</m:t>
+                                  </m:r>
+                                  <m:r>
+                                    <a:rPr lang="en-US" sz="2400" i="1">
+                                      <a:latin typeface="Cambria Math" panose="02040503050406030204" pitchFamily="18" charset="0"/>
+                                    </a:rPr>
+                                    <m:t>)</m:t>
+                                  </m:r>
+                                </m:e>
+                                <m:sup>
+                                  <m:r>
+                                    <a:rPr lang="en-US" sz="2400" i="1" smtClean="0">
+                                      <a:latin typeface="Cambria Math" panose="02040503050406030204" pitchFamily="18" charset="0"/>
+                                      <a:ea typeface="Cambria Math" panose="02040503050406030204" pitchFamily="18" charset="0"/>
+                                    </a:rPr>
+                                    <m:t>𝛿</m:t>
+                                  </m:r>
+                                </m:sup>
+                              </m:sSup>
+                            </m:den>
+                          </m:f>
+                        </m:num>
+                        <m:den>
+                          <m:f>
+                            <m:fPr>
+                              <m:ctrlPr>
+                                <a:rPr lang="de-DE" sz="2400" i="1">
+                                  <a:latin typeface="Cambria Math" panose="02040503050406030204" pitchFamily="18" charset="0"/>
+                                </a:rPr>
+                              </m:ctrlPr>
+                            </m:fPr>
+                            <m:num>
+                              <m:r>
+                                <a:rPr lang="en-US" sz="2400" i="1">
+                                  <a:latin typeface="Cambria Math" panose="02040503050406030204" pitchFamily="18" charset="0"/>
+                                </a:rPr>
+                                <m:t>1</m:t>
+                              </m:r>
+                            </m:num>
+                            <m:den>
+                              <m:sSup>
+                                <m:sSupPr>
+                                  <m:ctrlPr>
+                                    <a:rPr lang="de-DE" sz="2400" i="1">
+                                      <a:latin typeface="Cambria Math" panose="02040503050406030204" pitchFamily="18" charset="0"/>
+                                    </a:rPr>
+                                  </m:ctrlPr>
+                                </m:sSupPr>
+                                <m:e>
+                                  <m:r>
+                                    <a:rPr lang="en-US" sz="2400" i="1">
+                                      <a:latin typeface="Cambria Math" panose="02040503050406030204" pitchFamily="18" charset="0"/>
+                                    </a:rPr>
+                                    <m:t>(1+</m:t>
+                                  </m:r>
+                                  <m:r>
+                                    <a:rPr lang="en-US" sz="2400" i="1">
+                                      <a:latin typeface="Cambria Math" panose="02040503050406030204" pitchFamily="18" charset="0"/>
+                                      <a:ea typeface="Cambria Math" panose="02040503050406030204" pitchFamily="18" charset="0"/>
+                                    </a:rPr>
+                                    <m:t>𝜌</m:t>
+                                  </m:r>
+                                  <m:r>
+                                    <a:rPr lang="en-US" sz="2400" i="1">
+                                      <a:latin typeface="Cambria Math" panose="02040503050406030204" pitchFamily="18" charset="0"/>
+                                    </a:rPr>
+                                    <m:t>)</m:t>
+                                  </m:r>
+                                </m:e>
+                                <m:sup>
+                                  <m:r>
+                                    <a:rPr lang="en-US" sz="2400" i="1">
+                                      <a:latin typeface="Cambria Math" panose="02040503050406030204" pitchFamily="18" charset="0"/>
+                                    </a:rPr>
+                                    <m:t>𝑡</m:t>
+                                  </m:r>
+                                </m:sup>
+                              </m:sSup>
+                            </m:den>
+                          </m:f>
+                        </m:den>
+                      </m:f>
+                      <m:r>
+                        <a:rPr lang="en-US" sz="2400" b="0" i="1" smtClean="0">
+                          <a:latin typeface="Cambria Math" panose="02040503050406030204" pitchFamily="18" charset="0"/>
+                        </a:rPr>
+                        <m:t>=</m:t>
+                      </m:r>
+                      <m:f>
+                        <m:fPr>
+                          <m:ctrlPr>
+                            <a:rPr lang="de-DE" sz="2400" i="1">
+                              <a:latin typeface="Cambria Math" panose="02040503050406030204" pitchFamily="18" charset="0"/>
+                            </a:rPr>
+                          </m:ctrlPr>
+                        </m:fPr>
+                        <m:num>
+                          <m:r>
+                            <a:rPr lang="en-US" sz="2400" i="1">
+                              <a:latin typeface="Cambria Math" panose="02040503050406030204" pitchFamily="18" charset="0"/>
+                            </a:rPr>
+                            <m:t>1</m:t>
+                          </m:r>
+                        </m:num>
+                        <m:den>
+                          <m:sSup>
+                            <m:sSupPr>
+                              <m:ctrlPr>
+                                <a:rPr lang="de-DE" sz="2400" i="1">
+                                  <a:latin typeface="Cambria Math" panose="02040503050406030204" pitchFamily="18" charset="0"/>
+                                </a:rPr>
+                              </m:ctrlPr>
+                            </m:sSupPr>
+                            <m:e>
+                              <m:r>
+                                <a:rPr lang="en-US" sz="2400" i="1">
+                                  <a:latin typeface="Cambria Math" panose="02040503050406030204" pitchFamily="18" charset="0"/>
+                                </a:rPr>
+                                <m:t>(1+</m:t>
+                              </m:r>
+                              <m:r>
+                                <a:rPr lang="en-US" sz="2400" i="1">
+                                  <a:latin typeface="Cambria Math" panose="02040503050406030204" pitchFamily="18" charset="0"/>
+                                  <a:ea typeface="Cambria Math" panose="02040503050406030204" pitchFamily="18" charset="0"/>
+                                </a:rPr>
+                                <m:t>𝜌</m:t>
+                              </m:r>
+                              <m:r>
+                                <a:rPr lang="en-US" sz="2400" i="1">
+                                  <a:latin typeface="Cambria Math" panose="02040503050406030204" pitchFamily="18" charset="0"/>
+                                </a:rPr>
+                                <m:t>)</m:t>
+                              </m:r>
+                            </m:e>
+                            <m:sup>
+                              <m:r>
+                                <a:rPr lang="en-US" sz="2400" i="1">
+                                  <a:latin typeface="Cambria Math" panose="02040503050406030204" pitchFamily="18" charset="0"/>
+                                  <a:ea typeface="Cambria Math" panose="02040503050406030204" pitchFamily="18" charset="0"/>
+                                </a:rPr>
+                                <m:t>𝛿</m:t>
+                              </m:r>
+                            </m:sup>
+                          </m:sSup>
+                        </m:den>
+                      </m:f>
+                    </m:oMath>
+                  </m:oMathPara>
+                </a14:m>
+                <a:endParaRPr lang="de-DE" sz="2400" dirty="0">
+                  <a:latin typeface="Candara" panose="020E0502030303020204" pitchFamily="34" charset="0"/>
+                </a:endParaRPr>
+              </a:p>
+              <a:p>
+                <a:pPr eaLnBrk="1" hangingPunct="1"/>
+                <a:endParaRPr lang="de-DE" sz="2800" dirty="0">
+                  <a:latin typeface="Candara" panose="020E0502030303020204" pitchFamily="34" charset="0"/>
+                </a:endParaRPr>
+              </a:p>
+            </p:txBody>
+          </p:sp>
+        </mc:Choice>
+        <mc:Fallback xmlns="">
+          <p:sp>
+            <p:nvSpPr>
+              <p:cNvPr id="20483" name="Rectangle 3"/>
+              <p:cNvSpPr>
+                <a:spLocks noGrp="1" noRot="1" noChangeAspect="1" noMove="1" noResize="1" noEditPoints="1" noAdjustHandles="1" noChangeArrowheads="1" noChangeShapeType="1" noTextEdit="1"/>
+              </p:cNvSpPr>
+              <p:nvPr>
+                <p:ph type="body" idx="1"/>
+              </p:nvPr>
+            </p:nvSpPr>
+            <p:spPr>
+              <a:xfrm>
+                <a:off x="381000" y="914400"/>
+                <a:ext cx="8763000" cy="5486400"/>
+              </a:xfrm>
+              <a:blipFill>
+                <a:blip r:embed="rId3"/>
+                <a:stretch>
+                  <a:fillRect l="-1461" t="-1222" r="-2018"/>
+                </a:stretch>
+              </a:blipFill>
+            </p:spPr>
+            <p:txBody>
+              <a:bodyPr/>
+              <a:lstStyle/>
+              <a:p>
+                <a:r>
+                  <a:rPr lang="en-GB">
+                    <a:noFill/>
+                  </a:rPr>
+                  <a:t> </a:t>
+                </a:r>
+              </a:p>
+            </p:txBody>
+          </p:sp>
+        </mc:Fallback>
+      </mc:AlternateContent>
     </p:spTree>
     <p:extLst>
       <p:ext uri="{BB962C8B-B14F-4D97-AF65-F5344CB8AC3E}">
@@ -8156,158 +9584,426 @@
           </a:p>
         </p:txBody>
       </p:sp>
-      <p:sp>
-        <p:nvSpPr>
-          <p:cNvPr id="21507" name="Rectangle 3"/>
-          <p:cNvSpPr>
-            <a:spLocks noGrp="1" noChangeArrowheads="1"/>
-          </p:cNvSpPr>
-          <p:nvPr>
-            <p:ph type="body" idx="1"/>
-          </p:nvPr>
-        </p:nvSpPr>
-        <p:spPr>
-          <a:xfrm>
-            <a:off x="381000" y="914400"/>
-            <a:ext cx="7239000" cy="5486400"/>
-          </a:xfrm>
-        </p:spPr>
-        <p:txBody>
-          <a:bodyPr/>
-          <a:lstStyle/>
-          <a:p>
-            <a:pPr eaLnBrk="1" hangingPunct="1"/>
-            <a:r>
-              <a:rPr lang="de-DE" sz="2800" dirty="0">
-                <a:latin typeface="Candara" panose="020E0502030303020204" pitchFamily="34" charset="0"/>
-              </a:rPr>
-              <a:t>The relative distance between two years does not depend on the time horizon:</a:t>
-            </a:r>
-          </a:p>
-          <a:p>
-            <a:pPr marL="0" indent="0" algn="ctr" eaLnBrk="1" hangingPunct="1">
-              <a:buNone/>
-            </a:pPr>
-            <a:r>
-              <a:rPr lang="de-DE" sz="2800" dirty="0">
-                <a:latin typeface="Candara" panose="020E0502030303020204" pitchFamily="34" charset="0"/>
-              </a:rPr>
-              <a:t>exp(-</a:t>
-            </a:r>
-            <a:r>
-              <a:rPr lang="el-GR" sz="2800" i="1" dirty="0">
-                <a:latin typeface="Candara" panose="020E0502030303020204" pitchFamily="34" charset="0"/>
-              </a:rPr>
-              <a:t>ρ</a:t>
-            </a:r>
-            <a:r>
-              <a:rPr lang="en-US" sz="2800" dirty="0">
-                <a:latin typeface="Candara" panose="020E0502030303020204" pitchFamily="34" charset="0"/>
-              </a:rPr>
-              <a:t>(</a:t>
-            </a:r>
-            <a:r>
-              <a:rPr lang="en-US" sz="2800" i="1" dirty="0">
-                <a:latin typeface="Candara" panose="020E0502030303020204" pitchFamily="34" charset="0"/>
-              </a:rPr>
-              <a:t>t</a:t>
-            </a:r>
-            <a:r>
-              <a:rPr lang="en-US" sz="2800" dirty="0">
-                <a:latin typeface="Candara" panose="020E0502030303020204" pitchFamily="34" charset="0"/>
-              </a:rPr>
-              <a:t>+</a:t>
-            </a:r>
-            <a:r>
-              <a:rPr lang="el-GR" sz="2800" i="1" dirty="0">
-                <a:latin typeface="Candara" panose="020E0502030303020204" pitchFamily="34" charset="0"/>
-              </a:rPr>
-              <a:t>δ</a:t>
-            </a:r>
-            <a:r>
-              <a:rPr lang="en-US" sz="2800" dirty="0">
-                <a:latin typeface="Candara" panose="020E0502030303020204" pitchFamily="34" charset="0"/>
-              </a:rPr>
-              <a:t>)) / </a:t>
-            </a:r>
-            <a:r>
-              <a:rPr lang="de-DE" sz="2800" dirty="0">
-                <a:latin typeface="Candara" panose="020E0502030303020204" pitchFamily="34" charset="0"/>
-              </a:rPr>
-              <a:t>exp(-</a:t>
-            </a:r>
-            <a:r>
-              <a:rPr lang="el-GR" sz="2800" i="1" dirty="0">
-                <a:latin typeface="Candara" panose="020E0502030303020204" pitchFamily="34" charset="0"/>
-              </a:rPr>
-              <a:t>ρ</a:t>
-            </a:r>
-            <a:r>
-              <a:rPr lang="en-US" sz="2800" i="1" dirty="0">
-                <a:latin typeface="Candara" panose="020E0502030303020204" pitchFamily="34" charset="0"/>
-              </a:rPr>
-              <a:t>t</a:t>
-            </a:r>
-            <a:r>
-              <a:rPr lang="en-US" sz="2800" dirty="0">
-                <a:latin typeface="Candara" panose="020E0502030303020204" pitchFamily="34" charset="0"/>
-              </a:rPr>
-              <a:t>)  = </a:t>
-            </a:r>
-            <a:r>
-              <a:rPr lang="de-DE" sz="2800" dirty="0">
-                <a:latin typeface="Candara" panose="020E0502030303020204" pitchFamily="34" charset="0"/>
-              </a:rPr>
-              <a:t>exp(-</a:t>
-            </a:r>
-            <a:r>
-              <a:rPr lang="el-GR" sz="2800" i="1" dirty="0">
-                <a:latin typeface="Candara" panose="020E0502030303020204" pitchFamily="34" charset="0"/>
-              </a:rPr>
-              <a:t>ρδ</a:t>
-            </a:r>
-            <a:r>
-              <a:rPr lang="en-US" sz="2800" dirty="0">
-                <a:latin typeface="Candara" panose="020E0502030303020204" pitchFamily="34" charset="0"/>
-              </a:rPr>
-              <a:t>)</a:t>
-            </a:r>
-            <a:r>
-              <a:rPr lang="en-US" sz="2400" dirty="0">
-                <a:latin typeface="Candara" panose="020E0502030303020204" pitchFamily="34" charset="0"/>
-              </a:rPr>
-              <a:t> </a:t>
-            </a:r>
-          </a:p>
-          <a:p>
-            <a:pPr eaLnBrk="1" hangingPunct="1"/>
-            <a:r>
-              <a:rPr lang="en-US" sz="2800" dirty="0">
-                <a:latin typeface="Candara" panose="020E0502030303020204" pitchFamily="34" charset="0"/>
-              </a:rPr>
-              <a:t>This is strange: The difference between year 10 and year 11 is the same as the difference between year 100 and year 101, and between 1000 and 1001</a:t>
-            </a:r>
-          </a:p>
-          <a:p>
-            <a:pPr eaLnBrk="1" hangingPunct="1"/>
-            <a:r>
-              <a:rPr lang="en-US" sz="2800" dirty="0">
-                <a:latin typeface="Candara" panose="020E0502030303020204" pitchFamily="34" charset="0"/>
-              </a:rPr>
-              <a:t>There is experimental and observational evidence that suggests that people use a lower discount rate when they look further into the future</a:t>
-            </a:r>
-            <a:endParaRPr lang="de-DE" sz="2800" dirty="0">
-              <a:latin typeface="Candara" panose="020E0502030303020204" pitchFamily="34" charset="0"/>
-            </a:endParaRPr>
-          </a:p>
-          <a:p>
-            <a:pPr eaLnBrk="1" hangingPunct="1"/>
-            <a:endParaRPr lang="de-DE" sz="2800" dirty="0">
-              <a:latin typeface="Comic Sans MS" pitchFamily="66" charset="0"/>
-            </a:endParaRPr>
-          </a:p>
-        </p:txBody>
-      </p:sp>
+      <mc:AlternateContent xmlns:mc="http://schemas.openxmlformats.org/markup-compatibility/2006" xmlns:a14="http://schemas.microsoft.com/office/drawing/2010/main">
+        <mc:Choice Requires="a14">
+          <p:sp>
+            <p:nvSpPr>
+              <p:cNvPr id="21507" name="Rectangle 3"/>
+              <p:cNvSpPr>
+                <a:spLocks noGrp="1" noChangeArrowheads="1"/>
+              </p:cNvSpPr>
+              <p:nvPr>
+                <p:ph type="body" idx="1"/>
+              </p:nvPr>
+            </p:nvSpPr>
+            <p:spPr>
+              <a:xfrm>
+                <a:off x="381000" y="914400"/>
+                <a:ext cx="7239000" cy="5486400"/>
+              </a:xfrm>
+            </p:spPr>
+            <p:txBody>
+              <a:bodyPr/>
+              <a:lstStyle/>
+              <a:p>
+                <a:pPr eaLnBrk="1" hangingPunct="1"/>
+                <a:r>
+                  <a:rPr lang="de-DE" sz="2800" dirty="0">
+                    <a:latin typeface="Candara" panose="020E0502030303020204" pitchFamily="34" charset="0"/>
+                  </a:rPr>
+                  <a:t>The relative distance between two years does not depend on the time </a:t>
+                </a:r>
+                <a:r>
+                  <a:rPr lang="de-DE" sz="2800" dirty="0" err="1">
+                    <a:latin typeface="Candara" panose="020E0502030303020204" pitchFamily="34" charset="0"/>
+                  </a:rPr>
+                  <a:t>horizon</a:t>
+                </a:r>
+                <a:r>
+                  <a:rPr lang="de-DE" sz="2800" dirty="0">
+                    <a:latin typeface="Candara" panose="020E0502030303020204" pitchFamily="34" charset="0"/>
+                  </a:rPr>
+                  <a:t>:</a:t>
+                </a:r>
+              </a:p>
+              <a:p>
+                <a:pPr marL="457200" lvl="1" indent="0" eaLnBrk="1" hangingPunct="1">
+                  <a:buNone/>
+                </a:pPr>
+                <a14:m>
+                  <m:oMathPara xmlns:m="http://schemas.openxmlformats.org/officeDocument/2006/math">
+                    <m:oMathParaPr>
+                      <m:jc m:val="centerGroup"/>
+                    </m:oMathParaPr>
+                    <m:oMath xmlns:m="http://schemas.openxmlformats.org/officeDocument/2006/math">
+                      <m:f>
+                        <m:fPr>
+                          <m:ctrlPr>
+                            <a:rPr lang="de-DE" sz="2400" i="1" smtClean="0">
+                              <a:latin typeface="Cambria Math" panose="02040503050406030204" pitchFamily="18" charset="0"/>
+                            </a:rPr>
+                          </m:ctrlPr>
+                        </m:fPr>
+                        <m:num>
+                          <m:sSup>
+                            <m:sSupPr>
+                              <m:ctrlPr>
+                                <a:rPr lang="de-DE" sz="2400" i="1" smtClean="0">
+                                  <a:latin typeface="Cambria Math" panose="02040503050406030204" pitchFamily="18" charset="0"/>
+                                </a:rPr>
+                              </m:ctrlPr>
+                            </m:sSupPr>
+                            <m:e>
+                              <m:r>
+                                <a:rPr lang="en-US" sz="2400" b="0" i="1" smtClean="0">
+                                  <a:latin typeface="Cambria Math" panose="02040503050406030204" pitchFamily="18" charset="0"/>
+                                </a:rPr>
+                                <m:t>𝑒</m:t>
+                              </m:r>
+                            </m:e>
+                            <m:sup>
+                              <m:r>
+                                <a:rPr lang="en-US" sz="2400" b="0" i="1" smtClean="0">
+                                  <a:latin typeface="Cambria Math" panose="02040503050406030204" pitchFamily="18" charset="0"/>
+                                </a:rPr>
+                                <m:t>−</m:t>
+                              </m:r>
+                              <m:r>
+                                <a:rPr lang="en-US" sz="2400" b="0" i="1" smtClean="0">
+                                  <a:latin typeface="Cambria Math" panose="02040503050406030204" pitchFamily="18" charset="0"/>
+                                  <a:ea typeface="Cambria Math" panose="02040503050406030204" pitchFamily="18" charset="0"/>
+                                </a:rPr>
+                                <m:t>𝜌</m:t>
+                              </m:r>
+                              <m:r>
+                                <a:rPr lang="en-US" sz="2400" b="0" i="1" smtClean="0">
+                                  <a:latin typeface="Cambria Math" panose="02040503050406030204" pitchFamily="18" charset="0"/>
+                                </a:rPr>
+                                <m:t>(</m:t>
+                              </m:r>
+                              <m:r>
+                                <a:rPr lang="en-US" sz="2400" b="0" i="1" smtClean="0">
+                                  <a:latin typeface="Cambria Math" panose="02040503050406030204" pitchFamily="18" charset="0"/>
+                                </a:rPr>
+                                <m:t>𝑡</m:t>
+                              </m:r>
+                              <m:r>
+                                <a:rPr lang="en-US" sz="2400" b="0" i="1" smtClean="0">
+                                  <a:latin typeface="Cambria Math" panose="02040503050406030204" pitchFamily="18" charset="0"/>
+                                </a:rPr>
+                                <m:t>+</m:t>
+                              </m:r>
+                              <m:r>
+                                <a:rPr lang="en-US" sz="2400" b="0" i="1" smtClean="0">
+                                  <a:latin typeface="Cambria Math" panose="02040503050406030204" pitchFamily="18" charset="0"/>
+                                  <a:ea typeface="Cambria Math" panose="02040503050406030204" pitchFamily="18" charset="0"/>
+                                </a:rPr>
+                                <m:t>𝛿</m:t>
+                              </m:r>
+                              <m:r>
+                                <a:rPr lang="en-US" sz="2400" b="0" i="1" smtClean="0">
+                                  <a:latin typeface="Cambria Math" panose="02040503050406030204" pitchFamily="18" charset="0"/>
+                                  <a:ea typeface="Cambria Math" panose="02040503050406030204" pitchFamily="18" charset="0"/>
+                                </a:rPr>
+                                <m:t>)</m:t>
+                              </m:r>
+                            </m:sup>
+                          </m:sSup>
+                        </m:num>
+                        <m:den>
+                          <m:sSup>
+                            <m:sSupPr>
+                              <m:ctrlPr>
+                                <a:rPr lang="de-DE" sz="2400" i="1" smtClean="0">
+                                  <a:latin typeface="Cambria Math" panose="02040503050406030204" pitchFamily="18" charset="0"/>
+                                </a:rPr>
+                              </m:ctrlPr>
+                            </m:sSupPr>
+                            <m:e>
+                              <m:r>
+                                <a:rPr lang="en-US" sz="2400" b="0" i="1" smtClean="0">
+                                  <a:latin typeface="Cambria Math" panose="02040503050406030204" pitchFamily="18" charset="0"/>
+                                </a:rPr>
+                                <m:t>𝑒</m:t>
+                              </m:r>
+                            </m:e>
+                            <m:sup>
+                              <m:r>
+                                <a:rPr lang="en-US" sz="2400" b="0" i="1" smtClean="0">
+                                  <a:latin typeface="Cambria Math" panose="02040503050406030204" pitchFamily="18" charset="0"/>
+                                </a:rPr>
+                                <m:t>−</m:t>
+                              </m:r>
+                              <m:r>
+                                <a:rPr lang="en-US" sz="2400" b="0" i="1" smtClean="0">
+                                  <a:latin typeface="Cambria Math" panose="02040503050406030204" pitchFamily="18" charset="0"/>
+                                  <a:ea typeface="Cambria Math" panose="02040503050406030204" pitchFamily="18" charset="0"/>
+                                </a:rPr>
+                                <m:t>𝜌</m:t>
+                              </m:r>
+                              <m:r>
+                                <a:rPr lang="en-US" sz="2400" b="0" i="1" smtClean="0">
+                                  <a:latin typeface="Cambria Math" panose="02040503050406030204" pitchFamily="18" charset="0"/>
+                                </a:rPr>
+                                <m:t>𝑡</m:t>
+                              </m:r>
+                            </m:sup>
+                          </m:sSup>
+                        </m:den>
+                      </m:f>
+                      <m:r>
+                        <a:rPr lang="en-US" sz="2400" b="0" i="0" smtClean="0">
+                          <a:latin typeface="Cambria Math" panose="02040503050406030204" pitchFamily="18" charset="0"/>
+                        </a:rPr>
+                        <m:t>=</m:t>
+                      </m:r>
+                      <m:f>
+                        <m:fPr>
+                          <m:ctrlPr>
+                            <a:rPr lang="de-DE" sz="2400" i="1">
+                              <a:latin typeface="Cambria Math" panose="02040503050406030204" pitchFamily="18" charset="0"/>
+                            </a:rPr>
+                          </m:ctrlPr>
+                        </m:fPr>
+                        <m:num>
+                          <m:sSup>
+                            <m:sSupPr>
+                              <m:ctrlPr>
+                                <a:rPr lang="de-DE" sz="2400" i="1">
+                                  <a:latin typeface="Cambria Math" panose="02040503050406030204" pitchFamily="18" charset="0"/>
+                                </a:rPr>
+                              </m:ctrlPr>
+                            </m:sSupPr>
+                            <m:e>
+                              <m:r>
+                                <a:rPr lang="en-US" sz="2400" i="1">
+                                  <a:latin typeface="Cambria Math" panose="02040503050406030204" pitchFamily="18" charset="0"/>
+                                </a:rPr>
+                                <m:t>𝑒</m:t>
+                              </m:r>
+                            </m:e>
+                            <m:sup>
+                              <m:r>
+                                <a:rPr lang="en-US" sz="2400" i="1">
+                                  <a:latin typeface="Cambria Math" panose="02040503050406030204" pitchFamily="18" charset="0"/>
+                                </a:rPr>
+                                <m:t>−</m:t>
+                              </m:r>
+                              <m:r>
+                                <a:rPr lang="en-US" sz="2400" i="1" smtClean="0">
+                                  <a:latin typeface="Cambria Math" panose="02040503050406030204" pitchFamily="18" charset="0"/>
+                                  <a:ea typeface="Cambria Math" panose="02040503050406030204" pitchFamily="18" charset="0"/>
+                                </a:rPr>
+                                <m:t>𝜌</m:t>
+                              </m:r>
+                              <m:r>
+                                <a:rPr lang="en-US" sz="2400" i="1">
+                                  <a:latin typeface="Cambria Math" panose="02040503050406030204" pitchFamily="18" charset="0"/>
+                                </a:rPr>
+                                <m:t>𝑡</m:t>
+                              </m:r>
+                            </m:sup>
+                          </m:sSup>
+                          <m:sSup>
+                            <m:sSupPr>
+                              <m:ctrlPr>
+                                <a:rPr lang="en-US" sz="2400" i="1" smtClean="0">
+                                  <a:latin typeface="Cambria Math" panose="02040503050406030204" pitchFamily="18" charset="0"/>
+                                  <a:ea typeface="Cambria Math" panose="02040503050406030204" pitchFamily="18" charset="0"/>
+                                </a:rPr>
+                              </m:ctrlPr>
+                            </m:sSupPr>
+                            <m:e>
+                              <m:r>
+                                <a:rPr lang="en-US" sz="2400" b="0" i="1" smtClean="0">
+                                  <a:latin typeface="Cambria Math" panose="02040503050406030204" pitchFamily="18" charset="0"/>
+                                  <a:ea typeface="Cambria Math" panose="02040503050406030204" pitchFamily="18" charset="0"/>
+                                </a:rPr>
+                                <m:t>𝑒</m:t>
+                              </m:r>
+                            </m:e>
+                            <m:sup>
+                              <m:r>
+                                <a:rPr lang="en-US" sz="2400" b="0" i="1" smtClean="0">
+                                  <a:latin typeface="Cambria Math" panose="02040503050406030204" pitchFamily="18" charset="0"/>
+                                  <a:ea typeface="Cambria Math" panose="02040503050406030204" pitchFamily="18" charset="0"/>
+                                </a:rPr>
+                                <m:t>−</m:t>
+                              </m:r>
+                              <m:r>
+                                <a:rPr lang="en-US" sz="2400" b="0" i="1" smtClean="0">
+                                  <a:latin typeface="Cambria Math" panose="02040503050406030204" pitchFamily="18" charset="0"/>
+                                  <a:ea typeface="Cambria Math" panose="02040503050406030204" pitchFamily="18" charset="0"/>
+                                </a:rPr>
+                                <m:t>𝜌𝛿</m:t>
+                              </m:r>
+                            </m:sup>
+                          </m:sSup>
+                        </m:num>
+                        <m:den>
+                          <m:sSup>
+                            <m:sSupPr>
+                              <m:ctrlPr>
+                                <a:rPr lang="de-DE" sz="2400" i="1">
+                                  <a:latin typeface="Cambria Math" panose="02040503050406030204" pitchFamily="18" charset="0"/>
+                                </a:rPr>
+                              </m:ctrlPr>
+                            </m:sSupPr>
+                            <m:e>
+                              <m:r>
+                                <a:rPr lang="en-US" sz="2400" i="1">
+                                  <a:latin typeface="Cambria Math" panose="02040503050406030204" pitchFamily="18" charset="0"/>
+                                </a:rPr>
+                                <m:t>𝑒</m:t>
+                              </m:r>
+                            </m:e>
+                            <m:sup>
+                              <m:r>
+                                <a:rPr lang="en-US" sz="2400" i="1">
+                                  <a:latin typeface="Cambria Math" panose="02040503050406030204" pitchFamily="18" charset="0"/>
+                                </a:rPr>
+                                <m:t>−</m:t>
+                              </m:r>
+                              <m:r>
+                                <a:rPr lang="en-US" sz="2400" i="1" smtClean="0">
+                                  <a:latin typeface="Cambria Math" panose="02040503050406030204" pitchFamily="18" charset="0"/>
+                                  <a:ea typeface="Cambria Math" panose="02040503050406030204" pitchFamily="18" charset="0"/>
+                                </a:rPr>
+                                <m:t>𝜌</m:t>
+                              </m:r>
+                              <m:r>
+                                <a:rPr lang="en-US" sz="2400" i="1">
+                                  <a:latin typeface="Cambria Math" panose="02040503050406030204" pitchFamily="18" charset="0"/>
+                                </a:rPr>
+                                <m:t>𝑡</m:t>
+                              </m:r>
+                            </m:sup>
+                          </m:sSup>
+                        </m:den>
+                      </m:f>
+                      <m:r>
+                        <a:rPr lang="en-US" sz="2400" b="0" i="1" smtClean="0">
+                          <a:latin typeface="Cambria Math" panose="02040503050406030204" pitchFamily="18" charset="0"/>
+                        </a:rPr>
+                        <m:t>=</m:t>
+                      </m:r>
+                      <m:sSup>
+                        <m:sSupPr>
+                          <m:ctrlPr>
+                            <a:rPr lang="en-US" sz="2400" i="1">
+                              <a:latin typeface="Cambria Math" panose="02040503050406030204" pitchFamily="18" charset="0"/>
+                              <a:ea typeface="Cambria Math" panose="02040503050406030204" pitchFamily="18" charset="0"/>
+                            </a:rPr>
+                          </m:ctrlPr>
+                        </m:sSupPr>
+                        <m:e>
+                          <m:r>
+                            <a:rPr lang="en-US" sz="2400" i="1">
+                              <a:latin typeface="Cambria Math" panose="02040503050406030204" pitchFamily="18" charset="0"/>
+                              <a:ea typeface="Cambria Math" panose="02040503050406030204" pitchFamily="18" charset="0"/>
+                            </a:rPr>
+                            <m:t>𝑒</m:t>
+                          </m:r>
+                        </m:e>
+                        <m:sup>
+                          <m:r>
+                            <a:rPr lang="en-US" sz="2400" i="1">
+                              <a:latin typeface="Cambria Math" panose="02040503050406030204" pitchFamily="18" charset="0"/>
+                              <a:ea typeface="Cambria Math" panose="02040503050406030204" pitchFamily="18" charset="0"/>
+                            </a:rPr>
+                            <m:t>−</m:t>
+                          </m:r>
+                          <m:r>
+                            <a:rPr lang="en-US" sz="2400" i="1" smtClean="0">
+                              <a:latin typeface="Cambria Math" panose="02040503050406030204" pitchFamily="18" charset="0"/>
+                              <a:ea typeface="Cambria Math" panose="02040503050406030204" pitchFamily="18" charset="0"/>
+                            </a:rPr>
+                            <m:t>𝜌</m:t>
+                          </m:r>
+                          <m:r>
+                            <a:rPr lang="en-US" sz="2400" i="1">
+                              <a:latin typeface="Cambria Math" panose="02040503050406030204" pitchFamily="18" charset="0"/>
+                              <a:ea typeface="Cambria Math" panose="02040503050406030204" pitchFamily="18" charset="0"/>
+                            </a:rPr>
+                            <m:t>𝛿</m:t>
+                          </m:r>
+                        </m:sup>
+                      </m:sSup>
+                    </m:oMath>
+                  </m:oMathPara>
+                </a14:m>
+                <a:endParaRPr lang="de-DE" sz="2400" dirty="0">
+                  <a:latin typeface="Candara" panose="020E0502030303020204" pitchFamily="34" charset="0"/>
+                </a:endParaRPr>
+              </a:p>
+              <a:p>
+                <a:pPr eaLnBrk="1" hangingPunct="1"/>
+                <a:r>
+                  <a:rPr lang="en-US" sz="2800" dirty="0">
+                    <a:latin typeface="Candara" panose="020E0502030303020204" pitchFamily="34" charset="0"/>
+                  </a:rPr>
+                  <a:t>This is strange: The difference between year 10 and year 11 is the same as the difference between year 100 and year 101, and between 1000 and 1001</a:t>
+                </a:r>
+              </a:p>
+              <a:p>
+                <a:pPr eaLnBrk="1" hangingPunct="1"/>
+                <a:r>
+                  <a:rPr lang="en-US" sz="2800" dirty="0">
+                    <a:latin typeface="Candara" panose="020E0502030303020204" pitchFamily="34" charset="0"/>
+                  </a:rPr>
+                  <a:t>There is experimental and observational evidence that suggests that people use a lower discount rate when they look further into the future</a:t>
+                </a:r>
+                <a:endParaRPr lang="de-DE" sz="2800" dirty="0">
+                  <a:latin typeface="Candara" panose="020E0502030303020204" pitchFamily="34" charset="0"/>
+                </a:endParaRPr>
+              </a:p>
+              <a:p>
+                <a:pPr eaLnBrk="1" hangingPunct="1"/>
+                <a:endParaRPr lang="de-DE" sz="2800" dirty="0">
+                  <a:latin typeface="Comic Sans MS" pitchFamily="66" charset="0"/>
+                </a:endParaRPr>
+              </a:p>
+            </p:txBody>
+          </p:sp>
+        </mc:Choice>
+        <mc:Fallback xmlns="">
+          <p:sp>
+            <p:nvSpPr>
+              <p:cNvPr id="21507" name="Rectangle 3"/>
+              <p:cNvSpPr>
+                <a:spLocks noGrp="1" noRot="1" noChangeAspect="1" noMove="1" noResize="1" noEditPoints="1" noAdjustHandles="1" noChangeArrowheads="1" noChangeShapeType="1" noTextEdit="1"/>
+              </p:cNvSpPr>
+              <p:nvPr>
+                <p:ph type="body" idx="1"/>
+              </p:nvPr>
+            </p:nvSpPr>
+            <p:spPr>
+              <a:xfrm>
+                <a:off x="381000" y="914400"/>
+                <a:ext cx="7239000" cy="5486400"/>
+              </a:xfrm>
+              <a:blipFill>
+                <a:blip r:embed="rId3"/>
+                <a:stretch>
+                  <a:fillRect l="-1769" t="-1222" r="-2359"/>
+                </a:stretch>
+              </a:blipFill>
+            </p:spPr>
+            <p:txBody>
+              <a:bodyPr/>
+              <a:lstStyle/>
+              <a:p>
+                <a:r>
+                  <a:rPr lang="en-GB">
+                    <a:noFill/>
+                  </a:rPr>
+                  <a:t> </a:t>
+                </a:r>
+              </a:p>
+            </p:txBody>
+          </p:sp>
+        </mc:Fallback>
+      </mc:AlternateContent>
       <p:pic>
         <p:nvPicPr>
           <p:cNvPr id="4" name="Picture 3">
@@ -8323,7 +10019,7 @@
           <p:nvPr/>
         </p:nvPicPr>
         <p:blipFill>
-          <a:blip r:embed="rId3">
+          <a:blip r:embed="rId4">
             <a:extLst>
               <a:ext uri="{28A0092B-C50C-407E-A947-70E740481C1C}">
                 <a14:useLocalDpi xmlns:a14="http://schemas.microsoft.com/office/drawing/2010/main" val="0"/>
@@ -8402,170 +10098,385 @@
           </a:p>
         </p:txBody>
       </p:sp>
-      <p:sp>
-        <p:nvSpPr>
-          <p:cNvPr id="22531" name="Rectangle 3"/>
-          <p:cNvSpPr>
-            <a:spLocks noGrp="1" noChangeArrowheads="1"/>
-          </p:cNvSpPr>
-          <p:nvPr>
-            <p:ph type="body" idx="1"/>
-          </p:nvPr>
-        </p:nvSpPr>
-        <p:spPr>
-          <a:xfrm>
-            <a:off x="381000" y="914400"/>
-            <a:ext cx="8763000" cy="5486400"/>
-          </a:xfrm>
-        </p:spPr>
-        <p:txBody>
-          <a:bodyPr/>
-          <a:lstStyle/>
-          <a:p>
-            <a:pPr eaLnBrk="1" hangingPunct="1"/>
-            <a:r>
-              <a:rPr lang="en-US" sz="2800" dirty="0">
-                <a:latin typeface="Candara" panose="020E0502030303020204" pitchFamily="34" charset="0"/>
-              </a:rPr>
-              <a:t>There is experimental and observational evidence that suggests that people use a lower discount rate when they look further into the future, perhaps</a:t>
-            </a:r>
-            <a:endParaRPr lang="de-DE" sz="2800" dirty="0">
-              <a:latin typeface="Candara" panose="020E0502030303020204" pitchFamily="34" charset="0"/>
-            </a:endParaRPr>
-          </a:p>
-          <a:p>
-            <a:pPr marL="0" indent="0" eaLnBrk="1" hangingPunct="1">
-              <a:buNone/>
-            </a:pPr>
-            <a:r>
-              <a:rPr lang="de-DE" sz="2800" dirty="0">
-                <a:latin typeface="Candara" panose="020E0502030303020204" pitchFamily="34" charset="0"/>
-              </a:rPr>
-              <a:t>	exp(-</a:t>
-            </a:r>
-            <a:r>
-              <a:rPr lang="el-GR" sz="2800" i="1" dirty="0">
-                <a:latin typeface="Candara" panose="020E0502030303020204" pitchFamily="34" charset="0"/>
-              </a:rPr>
-              <a:t>ρ</a:t>
-            </a:r>
-            <a:r>
-              <a:rPr lang="en-US" sz="2800" dirty="0">
-                <a:latin typeface="Candara" panose="020E0502030303020204" pitchFamily="34" charset="0"/>
-              </a:rPr>
-              <a:t>ln(</a:t>
-            </a:r>
-            <a:r>
-              <a:rPr lang="en-US" sz="2800" i="1" dirty="0">
-                <a:latin typeface="Candara" panose="020E0502030303020204" pitchFamily="34" charset="0"/>
-              </a:rPr>
-              <a:t>t</a:t>
-            </a:r>
-            <a:r>
-              <a:rPr lang="en-US" sz="2800" dirty="0">
-                <a:latin typeface="Candara" panose="020E0502030303020204" pitchFamily="34" charset="0"/>
-              </a:rPr>
-              <a:t>+</a:t>
-            </a:r>
-            <a:r>
-              <a:rPr lang="el-GR" sz="2800" i="1" dirty="0">
-                <a:latin typeface="Candara" panose="020E0502030303020204" pitchFamily="34" charset="0"/>
-              </a:rPr>
-              <a:t>δ</a:t>
-            </a:r>
-            <a:r>
-              <a:rPr lang="en-US" sz="2800" dirty="0">
-                <a:latin typeface="Candara" panose="020E0502030303020204" pitchFamily="34" charset="0"/>
-              </a:rPr>
-              <a:t>)) / </a:t>
-            </a:r>
-            <a:r>
-              <a:rPr lang="de-DE" sz="2800" dirty="0">
-                <a:latin typeface="Candara" panose="020E0502030303020204" pitchFamily="34" charset="0"/>
-              </a:rPr>
-              <a:t>exp(-</a:t>
-            </a:r>
-            <a:r>
-              <a:rPr lang="el-GR" sz="2800" i="1" dirty="0">
-                <a:latin typeface="Candara" panose="020E0502030303020204" pitchFamily="34" charset="0"/>
-              </a:rPr>
-              <a:t>ρ</a:t>
-            </a:r>
-            <a:r>
-              <a:rPr lang="en-US" sz="2800" dirty="0" err="1">
-                <a:latin typeface="Candara" panose="020E0502030303020204" pitchFamily="34" charset="0"/>
-              </a:rPr>
-              <a:t>ln</a:t>
-            </a:r>
-            <a:r>
-              <a:rPr lang="en-US" sz="2800" i="1" dirty="0" err="1">
-                <a:latin typeface="Candara" panose="020E0502030303020204" pitchFamily="34" charset="0"/>
-              </a:rPr>
-              <a:t>t</a:t>
-            </a:r>
-            <a:r>
-              <a:rPr lang="en-US" sz="2800" dirty="0">
-                <a:latin typeface="Candara" panose="020E0502030303020204" pitchFamily="34" charset="0"/>
-              </a:rPr>
-              <a:t>)  = </a:t>
-            </a:r>
-            <a:r>
-              <a:rPr lang="de-DE" sz="2800" dirty="0">
-                <a:latin typeface="Candara" panose="020E0502030303020204" pitchFamily="34" charset="0"/>
-              </a:rPr>
-              <a:t>exp(-</a:t>
-            </a:r>
-            <a:r>
-              <a:rPr lang="el-GR" sz="2800" i="1" dirty="0">
-                <a:latin typeface="Candara" panose="020E0502030303020204" pitchFamily="34" charset="0"/>
-              </a:rPr>
-              <a:t>ρ</a:t>
-            </a:r>
-            <a:r>
-              <a:rPr lang="en-US" sz="2800" dirty="0">
-                <a:latin typeface="Candara" panose="020E0502030303020204" pitchFamily="34" charset="0"/>
-              </a:rPr>
-              <a:t>ln(1+</a:t>
-            </a:r>
-            <a:r>
-              <a:rPr lang="el-GR" sz="2800" i="1" dirty="0">
-                <a:latin typeface="Candara" panose="020E0502030303020204" pitchFamily="34" charset="0"/>
-              </a:rPr>
-              <a:t>δ</a:t>
-            </a:r>
-            <a:r>
-              <a:rPr lang="en-US" sz="2800" dirty="0">
-                <a:latin typeface="Candara" panose="020E0502030303020204" pitchFamily="34" charset="0"/>
-              </a:rPr>
-              <a:t>/</a:t>
-            </a:r>
-            <a:r>
-              <a:rPr lang="en-US" sz="2800" i="1" dirty="0">
-                <a:latin typeface="Candara" panose="020E0502030303020204" pitchFamily="34" charset="0"/>
-              </a:rPr>
-              <a:t>t</a:t>
-            </a:r>
-            <a:r>
-              <a:rPr lang="en-US" sz="2800" dirty="0">
-                <a:latin typeface="Candara" panose="020E0502030303020204" pitchFamily="34" charset="0"/>
-              </a:rPr>
-              <a:t>))</a:t>
-            </a:r>
-          </a:p>
-          <a:p>
-            <a:pPr eaLnBrk="1" hangingPunct="1"/>
-            <a:r>
-              <a:rPr lang="en-US" sz="2800" dirty="0">
-                <a:latin typeface="Candara" panose="020E0502030303020204" pitchFamily="34" charset="0"/>
-              </a:rPr>
-              <a:t>Then, the difference between year 10 and year 11 is the same as the difference between year 100 and year 110, and between 1000 and 1100</a:t>
-            </a:r>
-            <a:endParaRPr lang="de-DE" sz="2800" dirty="0">
-              <a:latin typeface="Candara" panose="020E0502030303020204" pitchFamily="34" charset="0"/>
-            </a:endParaRPr>
-          </a:p>
-        </p:txBody>
-      </p:sp>
+      <mc:AlternateContent xmlns:mc="http://schemas.openxmlformats.org/markup-compatibility/2006" xmlns:a14="http://schemas.microsoft.com/office/drawing/2010/main">
+        <mc:Choice Requires="a14">
+          <p:sp>
+            <p:nvSpPr>
+              <p:cNvPr id="22531" name="Rectangle 3"/>
+              <p:cNvSpPr>
+                <a:spLocks noGrp="1" noChangeArrowheads="1"/>
+              </p:cNvSpPr>
+              <p:nvPr>
+                <p:ph type="body" idx="1"/>
+              </p:nvPr>
+            </p:nvSpPr>
+            <p:spPr>
+              <a:xfrm>
+                <a:off x="381000" y="914400"/>
+                <a:ext cx="8763000" cy="5486400"/>
+              </a:xfrm>
+            </p:spPr>
+            <p:txBody>
+              <a:bodyPr/>
+              <a:lstStyle/>
+              <a:p>
+                <a:pPr eaLnBrk="1" hangingPunct="1"/>
+                <a:r>
+                  <a:rPr lang="en-US" sz="2800" dirty="0">
+                    <a:latin typeface="Candara" panose="020E0502030303020204" pitchFamily="34" charset="0"/>
+                  </a:rPr>
+                  <a:t>There is experimental and observational evidence that suggests that people use a lower discount rate when they look further into the future, perhaps</a:t>
+                </a:r>
+                <a:endParaRPr lang="de-DE" sz="2800" dirty="0">
+                  <a:latin typeface="Candara" panose="020E0502030303020204" pitchFamily="34" charset="0"/>
+                </a:endParaRPr>
+              </a:p>
+              <a:p>
+                <a:pPr marL="457200" lvl="1" indent="0" eaLnBrk="1" hangingPunct="1">
+                  <a:buNone/>
+                </a:pPr>
+                <a14:m>
+                  <m:oMathPara xmlns:m="http://schemas.openxmlformats.org/officeDocument/2006/math">
+                    <m:oMathParaPr>
+                      <m:jc m:val="centerGroup"/>
+                    </m:oMathParaPr>
+                    <m:oMath xmlns:m="http://schemas.openxmlformats.org/officeDocument/2006/math">
+                      <m:f>
+                        <m:fPr>
+                          <m:ctrlPr>
+                            <a:rPr lang="de-DE" i="1" smtClean="0">
+                              <a:latin typeface="Cambria Math" panose="02040503050406030204" pitchFamily="18" charset="0"/>
+                            </a:rPr>
+                          </m:ctrlPr>
+                        </m:fPr>
+                        <m:num>
+                          <m:sSup>
+                            <m:sSupPr>
+                              <m:ctrlPr>
+                                <a:rPr lang="de-DE" i="1" smtClean="0">
+                                  <a:latin typeface="Cambria Math" panose="02040503050406030204" pitchFamily="18" charset="0"/>
+                                </a:rPr>
+                              </m:ctrlPr>
+                            </m:sSupPr>
+                            <m:e>
+                              <m:r>
+                                <a:rPr lang="en-US" b="0" i="1" smtClean="0">
+                                  <a:latin typeface="Cambria Math" panose="02040503050406030204" pitchFamily="18" charset="0"/>
+                                </a:rPr>
+                                <m:t>𝑒</m:t>
+                              </m:r>
+                            </m:e>
+                            <m:sup>
+                              <m:r>
+                                <a:rPr lang="en-US" b="0" i="1" smtClean="0">
+                                  <a:latin typeface="Cambria Math" panose="02040503050406030204" pitchFamily="18" charset="0"/>
+                                </a:rPr>
+                                <m:t>−</m:t>
+                              </m:r>
+                              <m:r>
+                                <a:rPr lang="en-US" b="0" i="1" smtClean="0">
+                                  <a:latin typeface="Cambria Math" panose="02040503050406030204" pitchFamily="18" charset="0"/>
+                                  <a:ea typeface="Cambria Math" panose="02040503050406030204" pitchFamily="18" charset="0"/>
+                                </a:rPr>
+                                <m:t>𝜌</m:t>
+                              </m:r>
+                              <m:func>
+                                <m:funcPr>
+                                  <m:ctrlPr>
+                                    <a:rPr lang="en-US" b="0" i="1" smtClean="0">
+                                      <a:latin typeface="Cambria Math" panose="02040503050406030204" pitchFamily="18" charset="0"/>
+                                      <a:ea typeface="Cambria Math" panose="02040503050406030204" pitchFamily="18" charset="0"/>
+                                    </a:rPr>
+                                  </m:ctrlPr>
+                                </m:funcPr>
+                                <m:fName>
+                                  <m:r>
+                                    <m:rPr>
+                                      <m:sty m:val="p"/>
+                                    </m:rPr>
+                                    <a:rPr lang="en-US" b="0" i="0" smtClean="0">
+                                      <a:latin typeface="Cambria Math" panose="02040503050406030204" pitchFamily="18" charset="0"/>
+                                      <a:ea typeface="Cambria Math" panose="02040503050406030204" pitchFamily="18" charset="0"/>
+                                    </a:rPr>
+                                    <m:t>ln</m:t>
+                                  </m:r>
+                                </m:fName>
+                                <m:e>
+                                  <m:r>
+                                    <a:rPr lang="en-US" i="1">
+                                      <a:latin typeface="Cambria Math" panose="02040503050406030204" pitchFamily="18" charset="0"/>
+                                    </a:rPr>
+                                    <m:t>(</m:t>
+                                  </m:r>
+                                  <m:r>
+                                    <a:rPr lang="en-US" i="1">
+                                      <a:latin typeface="Cambria Math" panose="02040503050406030204" pitchFamily="18" charset="0"/>
+                                    </a:rPr>
+                                    <m:t>𝑡</m:t>
+                                  </m:r>
+                                  <m:r>
+                                    <a:rPr lang="en-US" i="1">
+                                      <a:latin typeface="Cambria Math" panose="02040503050406030204" pitchFamily="18" charset="0"/>
+                                    </a:rPr>
+                                    <m:t>+</m:t>
+                                  </m:r>
+                                  <m:r>
+                                    <a:rPr lang="en-US" i="1">
+                                      <a:latin typeface="Cambria Math" panose="02040503050406030204" pitchFamily="18" charset="0"/>
+                                      <a:ea typeface="Cambria Math" panose="02040503050406030204" pitchFamily="18" charset="0"/>
+                                    </a:rPr>
+                                    <m:t>𝛿</m:t>
+                                  </m:r>
+                                  <m:r>
+                                    <a:rPr lang="en-US" i="1">
+                                      <a:latin typeface="Cambria Math" panose="02040503050406030204" pitchFamily="18" charset="0"/>
+                                      <a:ea typeface="Cambria Math" panose="02040503050406030204" pitchFamily="18" charset="0"/>
+                                    </a:rPr>
+                                    <m:t>)</m:t>
+                                  </m:r>
+                                </m:e>
+                              </m:func>
+                            </m:sup>
+                          </m:sSup>
+                        </m:num>
+                        <m:den>
+                          <m:sSup>
+                            <m:sSupPr>
+                              <m:ctrlPr>
+                                <a:rPr lang="de-DE" i="1" smtClean="0">
+                                  <a:latin typeface="Cambria Math" panose="02040503050406030204" pitchFamily="18" charset="0"/>
+                                </a:rPr>
+                              </m:ctrlPr>
+                            </m:sSupPr>
+                            <m:e>
+                              <m:r>
+                                <a:rPr lang="en-US" b="0" i="1" smtClean="0">
+                                  <a:latin typeface="Cambria Math" panose="02040503050406030204" pitchFamily="18" charset="0"/>
+                                </a:rPr>
+                                <m:t>𝑒</m:t>
+                              </m:r>
+                            </m:e>
+                            <m:sup>
+                              <m:r>
+                                <a:rPr lang="en-US" b="0" i="1" smtClean="0">
+                                  <a:latin typeface="Cambria Math" panose="02040503050406030204" pitchFamily="18" charset="0"/>
+                                </a:rPr>
+                                <m:t>−</m:t>
+                              </m:r>
+                              <m:r>
+                                <a:rPr lang="en-US" b="0" i="1" smtClean="0">
+                                  <a:latin typeface="Cambria Math" panose="02040503050406030204" pitchFamily="18" charset="0"/>
+                                  <a:ea typeface="Cambria Math" panose="02040503050406030204" pitchFamily="18" charset="0"/>
+                                </a:rPr>
+                                <m:t>𝜌</m:t>
+                              </m:r>
+                              <m:func>
+                                <m:funcPr>
+                                  <m:ctrlPr>
+                                    <a:rPr lang="en-US" b="0" i="1" smtClean="0">
+                                      <a:latin typeface="Cambria Math" panose="02040503050406030204" pitchFamily="18" charset="0"/>
+                                      <a:ea typeface="Cambria Math" panose="02040503050406030204" pitchFamily="18" charset="0"/>
+                                    </a:rPr>
+                                  </m:ctrlPr>
+                                </m:funcPr>
+                                <m:fName>
+                                  <m:r>
+                                    <m:rPr>
+                                      <m:sty m:val="p"/>
+                                    </m:rPr>
+                                    <a:rPr lang="en-US" b="0" i="0" smtClean="0">
+                                      <a:latin typeface="Cambria Math" panose="02040503050406030204" pitchFamily="18" charset="0"/>
+                                      <a:ea typeface="Cambria Math" panose="02040503050406030204" pitchFamily="18" charset="0"/>
+                                    </a:rPr>
+                                    <m:t>ln</m:t>
+                                  </m:r>
+                                </m:fName>
+                                <m:e>
+                                  <m:r>
+                                    <a:rPr lang="en-US" b="0" i="1" smtClean="0">
+                                      <a:latin typeface="Cambria Math" panose="02040503050406030204" pitchFamily="18" charset="0"/>
+                                      <a:ea typeface="Cambria Math" panose="02040503050406030204" pitchFamily="18" charset="0"/>
+                                    </a:rPr>
+                                    <m:t>𝑡</m:t>
+                                  </m:r>
+                                </m:e>
+                              </m:func>
+                            </m:sup>
+                          </m:sSup>
+                        </m:den>
+                      </m:f>
+                      <m:r>
+                        <a:rPr lang="en-US" b="0" i="0" smtClean="0">
+                          <a:latin typeface="Cambria Math" panose="02040503050406030204" pitchFamily="18" charset="0"/>
+                        </a:rPr>
+                        <m:t>=</m:t>
+                      </m:r>
+                      <m:sSup>
+                        <m:sSupPr>
+                          <m:ctrlPr>
+                            <a:rPr lang="en-US" i="1">
+                              <a:latin typeface="Cambria Math" panose="02040503050406030204" pitchFamily="18" charset="0"/>
+                              <a:ea typeface="Cambria Math" panose="02040503050406030204" pitchFamily="18" charset="0"/>
+                            </a:rPr>
+                          </m:ctrlPr>
+                        </m:sSupPr>
+                        <m:e>
+                          <m:r>
+                            <a:rPr lang="en-US" i="1">
+                              <a:latin typeface="Cambria Math" panose="02040503050406030204" pitchFamily="18" charset="0"/>
+                              <a:ea typeface="Cambria Math" panose="02040503050406030204" pitchFamily="18" charset="0"/>
+                            </a:rPr>
+                            <m:t>𝑒</m:t>
+                          </m:r>
+                        </m:e>
+                        <m:sup>
+                          <m:r>
+                            <a:rPr lang="en-US" i="1">
+                              <a:latin typeface="Cambria Math" panose="02040503050406030204" pitchFamily="18" charset="0"/>
+                              <a:ea typeface="Cambria Math" panose="02040503050406030204" pitchFamily="18" charset="0"/>
+                            </a:rPr>
+                            <m:t>−</m:t>
+                          </m:r>
+                          <m:r>
+                            <a:rPr lang="en-US" i="1" smtClean="0">
+                              <a:latin typeface="Cambria Math" panose="02040503050406030204" pitchFamily="18" charset="0"/>
+                              <a:ea typeface="Cambria Math" panose="02040503050406030204" pitchFamily="18" charset="0"/>
+                            </a:rPr>
+                            <m:t>𝜌</m:t>
+                          </m:r>
+                          <m:func>
+                            <m:funcPr>
+                              <m:ctrlPr>
+                                <a:rPr lang="en-US" i="1" smtClean="0">
+                                  <a:latin typeface="Cambria Math" panose="02040503050406030204" pitchFamily="18" charset="0"/>
+                                  <a:ea typeface="Cambria Math" panose="02040503050406030204" pitchFamily="18" charset="0"/>
+                                </a:rPr>
+                              </m:ctrlPr>
+                            </m:funcPr>
+                            <m:fName>
+                              <m:r>
+                                <m:rPr>
+                                  <m:sty m:val="p"/>
+                                </m:rPr>
+                                <a:rPr lang="en-US" i="0" smtClean="0">
+                                  <a:latin typeface="Cambria Math" panose="02040503050406030204" pitchFamily="18" charset="0"/>
+                                  <a:ea typeface="Cambria Math" panose="02040503050406030204" pitchFamily="18" charset="0"/>
+                                </a:rPr>
+                                <m:t>ln</m:t>
+                              </m:r>
+                            </m:fName>
+                            <m:e>
+                              <m:d>
+                                <m:dPr>
+                                  <m:ctrlPr>
+                                    <a:rPr lang="en-US" i="1" smtClean="0">
+                                      <a:latin typeface="Cambria Math" panose="02040503050406030204" pitchFamily="18" charset="0"/>
+                                      <a:ea typeface="Cambria Math" panose="02040503050406030204" pitchFamily="18" charset="0"/>
+                                    </a:rPr>
+                                  </m:ctrlPr>
+                                </m:dPr>
+                                <m:e>
+                                  <m:r>
+                                    <a:rPr lang="en-US" b="0" i="1" smtClean="0">
+                                      <a:latin typeface="Cambria Math" panose="02040503050406030204" pitchFamily="18" charset="0"/>
+                                      <a:ea typeface="Cambria Math" panose="02040503050406030204" pitchFamily="18" charset="0"/>
+                                    </a:rPr>
+                                    <m:t>1+</m:t>
+                                  </m:r>
+                                  <m:f>
+                                    <m:fPr>
+                                      <m:ctrlPr>
+                                        <a:rPr lang="en-US" b="0" i="1" smtClean="0">
+                                          <a:latin typeface="Cambria Math" panose="02040503050406030204" pitchFamily="18" charset="0"/>
+                                          <a:ea typeface="Cambria Math" panose="02040503050406030204" pitchFamily="18" charset="0"/>
+                                        </a:rPr>
+                                      </m:ctrlPr>
+                                    </m:fPr>
+                                    <m:num>
+                                      <m:r>
+                                        <a:rPr lang="en-US" b="0" i="1" smtClean="0">
+                                          <a:latin typeface="Cambria Math" panose="02040503050406030204" pitchFamily="18" charset="0"/>
+                                          <a:ea typeface="Cambria Math" panose="02040503050406030204" pitchFamily="18" charset="0"/>
+                                        </a:rPr>
+                                        <m:t>𝛿</m:t>
+                                      </m:r>
+                                    </m:num>
+                                    <m:den>
+                                      <m:r>
+                                        <a:rPr lang="en-US" b="0" i="1" smtClean="0">
+                                          <a:latin typeface="Cambria Math" panose="02040503050406030204" pitchFamily="18" charset="0"/>
+                                          <a:ea typeface="Cambria Math" panose="02040503050406030204" pitchFamily="18" charset="0"/>
+                                        </a:rPr>
+                                        <m:t>𝑡</m:t>
+                                      </m:r>
+                                    </m:den>
+                                  </m:f>
+                                </m:e>
+                              </m:d>
+                            </m:e>
+                          </m:func>
+                        </m:sup>
+                      </m:sSup>
+                    </m:oMath>
+                  </m:oMathPara>
+                </a14:m>
+                <a:endParaRPr lang="en-US" sz="2800" dirty="0">
+                  <a:latin typeface="Candara" panose="020E0502030303020204" pitchFamily="34" charset="0"/>
+                </a:endParaRPr>
+              </a:p>
+              <a:p>
+                <a:pPr eaLnBrk="1" hangingPunct="1"/>
+                <a:r>
+                  <a:rPr lang="en-US" sz="2800" dirty="0">
+                    <a:latin typeface="Candara" panose="020E0502030303020204" pitchFamily="34" charset="0"/>
+                  </a:rPr>
+                  <a:t>Then, the difference between year 10 and year 11 is the same as the difference between year 100 and year 110, and between 1000 and 1100</a:t>
+                </a:r>
+                <a:endParaRPr lang="de-DE" sz="2800" dirty="0">
+                  <a:latin typeface="Candara" panose="020E0502030303020204" pitchFamily="34" charset="0"/>
+                </a:endParaRPr>
+              </a:p>
+            </p:txBody>
+          </p:sp>
+        </mc:Choice>
+        <mc:Fallback xmlns="">
+          <p:sp>
+            <p:nvSpPr>
+              <p:cNvPr id="22531" name="Rectangle 3"/>
+              <p:cNvSpPr>
+                <a:spLocks noGrp="1" noRot="1" noChangeAspect="1" noMove="1" noResize="1" noEditPoints="1" noAdjustHandles="1" noChangeArrowheads="1" noChangeShapeType="1" noTextEdit="1"/>
+              </p:cNvSpPr>
+              <p:nvPr>
+                <p:ph type="body" idx="1"/>
+              </p:nvPr>
+            </p:nvSpPr>
+            <p:spPr>
+              <a:xfrm>
+                <a:off x="381000" y="914400"/>
+                <a:ext cx="8763000" cy="5486400"/>
+              </a:xfrm>
+              <a:blipFill>
+                <a:blip r:embed="rId3"/>
+                <a:stretch>
+                  <a:fillRect l="-1461" t="-1222" r="-1253"/>
+                </a:stretch>
+              </a:blipFill>
+            </p:spPr>
+            <p:txBody>
+              <a:bodyPr/>
+              <a:lstStyle/>
+              <a:p>
+                <a:r>
+                  <a:rPr lang="en-GB">
+                    <a:noFill/>
+                  </a:rPr>
+                  <a:t> </a:t>
+                </a:r>
+              </a:p>
+            </p:txBody>
+          </p:sp>
+        </mc:Fallback>
+      </mc:AlternateContent>
       <p:pic>
         <p:nvPicPr>
           <p:cNvPr id="3" name="Picture 2">
@@ -8581,7 +10492,7 @@
           <p:nvPr/>
         </p:nvPicPr>
         <p:blipFill>
-          <a:blip r:embed="rId3">
+          <a:blip r:embed="rId4">
             <a:extLst>
               <a:ext uri="{28A0092B-C50C-407E-A947-70E740481C1C}">
                 <a14:useLocalDpi xmlns:a14="http://schemas.microsoft.com/office/drawing/2010/main" val="0"/>
@@ -8594,8 +10505,8 @@
         </p:blipFill>
         <p:spPr>
           <a:xfrm>
-            <a:off x="6934200" y="3833037"/>
-            <a:ext cx="2085976" cy="2956384"/>
+            <a:off x="7201652" y="4114799"/>
+            <a:ext cx="1942348" cy="2752825"/>
           </a:xfrm>
           <a:prstGeom prst="rect">
             <a:avLst/>
@@ -9878,38 +11789,77 @@
           <a:p>
             <a:pPr lvl="1" eaLnBrk="1" hangingPunct="1"/>
             <a:r>
+              <a:rPr lang="de-DE" sz="2400" b="1" dirty="0">
+                <a:latin typeface="Candara" panose="020E0502030303020204" pitchFamily="34" charset="0"/>
+              </a:rPr>
+              <a:t>Equity weights</a:t>
+            </a:r>
+          </a:p>
+          <a:p>
+            <a:pPr eaLnBrk="1" hangingPunct="1"/>
+            <a:r>
+              <a:rPr lang="de-DE" sz="2800" dirty="0">
+                <a:latin typeface="Candara" panose="020E0502030303020204" pitchFamily="34" charset="0"/>
+              </a:rPr>
+              <a:t>Risk</a:t>
+            </a:r>
+          </a:p>
+          <a:p>
+            <a:pPr lvl="1" eaLnBrk="1" hangingPunct="1"/>
+            <a:r>
               <a:rPr lang="de-DE" sz="2400" dirty="0">
                 <a:latin typeface="Candara" panose="020E0502030303020204" pitchFamily="34" charset="0"/>
               </a:rPr>
-              <a:t>Equity weights</a:t>
-            </a:r>
-          </a:p>
-          <a:p>
-            <a:pPr eaLnBrk="1" hangingPunct="1"/>
-            <a:r>
-              <a:rPr lang="de-DE" sz="2800" dirty="0">
-                <a:latin typeface="Candara" panose="020E0502030303020204" pitchFamily="34" charset="0"/>
-              </a:rPr>
-              <a:t>Risk</a:t>
+              <a:t>Expectations</a:t>
             </a:r>
           </a:p>
           <a:p>
             <a:pPr lvl="1" eaLnBrk="1" hangingPunct="1"/>
             <a:r>
+              <a:rPr lang="de-DE" sz="2400" dirty="0" err="1">
+                <a:latin typeface="Candara" panose="020E0502030303020204" pitchFamily="34" charset="0"/>
+              </a:rPr>
+              <a:t>Certainty</a:t>
+            </a:r>
+            <a:r>
               <a:rPr lang="de-DE" sz="2400" dirty="0">
                 <a:latin typeface="Candara" panose="020E0502030303020204" pitchFamily="34" charset="0"/>
               </a:rPr>
-              <a:t>Expectations</a:t>
-            </a:r>
+              <a:t> </a:t>
+            </a:r>
+            <a:r>
+              <a:rPr lang="de-DE" sz="2400" dirty="0" err="1">
+                <a:latin typeface="Candara" panose="020E0502030303020204" pitchFamily="34" charset="0"/>
+              </a:rPr>
+              <a:t>equivalents</a:t>
+            </a:r>
+            <a:endParaRPr lang="de-DE" sz="2400" dirty="0">
+              <a:latin typeface="Candara" panose="020E0502030303020204" pitchFamily="34" charset="0"/>
+            </a:endParaRPr>
           </a:p>
           <a:p>
             <a:pPr lvl="1" eaLnBrk="1" hangingPunct="1"/>
             <a:r>
+              <a:rPr lang="de-DE" sz="2400" dirty="0" err="1">
+                <a:latin typeface="Candara" panose="020E0502030303020204" pitchFamily="34" charset="0"/>
+              </a:rPr>
+              <a:t>Dismal</a:t>
+            </a:r>
+            <a:r>
               <a:rPr lang="de-DE" sz="2400" dirty="0">
                 <a:latin typeface="Candara" panose="020E0502030303020204" pitchFamily="34" charset="0"/>
               </a:rPr>
-              <a:t>Certainty equivalents</a:t>
-            </a:r>
+              <a:t> </a:t>
+            </a:r>
+            <a:r>
+              <a:rPr lang="de-DE" sz="2400" dirty="0" err="1">
+                <a:latin typeface="Candara" panose="020E0502030303020204" pitchFamily="34" charset="0"/>
+              </a:rPr>
+              <a:t>theorem</a:t>
+            </a:r>
+            <a:endParaRPr lang="de-DE" sz="2400" dirty="0">
+              <a:latin typeface="Candara" panose="020E0502030303020204" pitchFamily="34" charset="0"/>
+            </a:endParaRPr>
           </a:p>
           <a:p>
             <a:pPr eaLnBrk="1" hangingPunct="1"/>
@@ -14156,19 +16106,55 @@
           <a:p>
             <a:pPr eaLnBrk="1" hangingPunct="1"/>
             <a:r>
+              <a:rPr lang="de-DE" sz="2800" b="1" dirty="0">
+                <a:latin typeface="Candara" panose="020E0502030303020204" pitchFamily="34" charset="0"/>
+              </a:rPr>
+              <a:t>Time</a:t>
+            </a:r>
+          </a:p>
+          <a:p>
+            <a:pPr lvl="1" eaLnBrk="1" hangingPunct="1"/>
+            <a:r>
+              <a:rPr lang="de-DE" sz="2400" b="1" dirty="0">
+                <a:latin typeface="Candara" panose="020E0502030303020204" pitchFamily="34" charset="0"/>
+              </a:rPr>
+              <a:t>Ramsey rule</a:t>
+            </a:r>
+          </a:p>
+          <a:p>
+            <a:pPr lvl="1" eaLnBrk="1" hangingPunct="1"/>
+            <a:r>
+              <a:rPr lang="de-DE" sz="2400" dirty="0">
+                <a:latin typeface="Candara" panose="020E0502030303020204" pitchFamily="34" charset="0"/>
+              </a:rPr>
+              <a:t>Declining discount rates</a:t>
+            </a:r>
+          </a:p>
+          <a:p>
+            <a:pPr eaLnBrk="1" hangingPunct="1"/>
+            <a:r>
               <a:rPr lang="de-DE" sz="2800" dirty="0">
                 <a:latin typeface="Candara" panose="020E0502030303020204" pitchFamily="34" charset="0"/>
               </a:rPr>
-              <a:t>Time</a:t>
+              <a:t>Space</a:t>
             </a:r>
           </a:p>
           <a:p>
             <a:pPr lvl="1" eaLnBrk="1" hangingPunct="1"/>
             <a:r>
-              <a:rPr lang="de-DE" sz="2400" b="1" dirty="0">
-                <a:latin typeface="Candara" panose="020E0502030303020204" pitchFamily="34" charset="0"/>
-              </a:rPr>
-              <a:t>Ramsey rule</a:t>
+              <a:rPr lang="de-DE" sz="2400" dirty="0">
+                <a:latin typeface="Candara" panose="020E0502030303020204" pitchFamily="34" charset="0"/>
+              </a:rPr>
+              <a:t>Equity weights</a:t>
+            </a:r>
+          </a:p>
+          <a:p>
+            <a:pPr eaLnBrk="1" hangingPunct="1"/>
+            <a:r>
+              <a:rPr lang="de-DE" sz="2800" dirty="0">
+                <a:latin typeface="Candara" panose="020E0502030303020204" pitchFamily="34" charset="0"/>
+              </a:rPr>
+              <a:t>Risk</a:t>
             </a:r>
           </a:p>
           <a:p>
@@ -14177,52 +16163,25 @@
               <a:rPr lang="de-DE" sz="2400" dirty="0">
                 <a:latin typeface="Candara" panose="020E0502030303020204" pitchFamily="34" charset="0"/>
               </a:rPr>
-              <a:t>Declining discount rates</a:t>
-            </a:r>
-          </a:p>
-          <a:p>
-            <a:pPr eaLnBrk="1" hangingPunct="1"/>
-            <a:r>
-              <a:rPr lang="de-DE" sz="2800" dirty="0">
-                <a:latin typeface="Candara" panose="020E0502030303020204" pitchFamily="34" charset="0"/>
-              </a:rPr>
-              <a:t>Space</a:t>
+              <a:t>Expectations</a:t>
             </a:r>
           </a:p>
           <a:p>
             <a:pPr lvl="1" eaLnBrk="1" hangingPunct="1"/>
             <a:r>
-              <a:rPr lang="de-DE" sz="2400" dirty="0">
-                <a:latin typeface="Candara" panose="020E0502030303020204" pitchFamily="34" charset="0"/>
-              </a:rPr>
-              <a:t>Equity weights</a:t>
-            </a:r>
-          </a:p>
-          <a:p>
-            <a:pPr eaLnBrk="1" hangingPunct="1"/>
-            <a:r>
-              <a:rPr lang="de-DE" sz="2800" dirty="0">
-                <a:latin typeface="Candara" panose="020E0502030303020204" pitchFamily="34" charset="0"/>
-              </a:rPr>
-              <a:t>Risk</a:t>
+              <a:rPr lang="en-GB" sz="2400" dirty="0">
+                <a:latin typeface="Candara" panose="020E0502030303020204" pitchFamily="34" charset="0"/>
+              </a:rPr>
+              <a:t>Certainty equivalents</a:t>
             </a:r>
           </a:p>
           <a:p>
             <a:pPr lvl="1" eaLnBrk="1" hangingPunct="1"/>
             <a:r>
-              <a:rPr lang="de-DE" sz="2400" dirty="0">
-                <a:latin typeface="Candara" panose="020E0502030303020204" pitchFamily="34" charset="0"/>
-              </a:rPr>
-              <a:t>Expectations</a:t>
-            </a:r>
-          </a:p>
-          <a:p>
-            <a:pPr lvl="1" eaLnBrk="1" hangingPunct="1"/>
-            <a:r>
-              <a:rPr lang="de-DE" sz="2400" dirty="0">
-                <a:latin typeface="Candara" panose="020E0502030303020204" pitchFamily="34" charset="0"/>
-              </a:rPr>
-              <a:t>Certainty equivalents</a:t>
+              <a:rPr lang="en-GB" sz="2400" dirty="0">
+                <a:latin typeface="Candara" panose="020E0502030303020204" pitchFamily="34" charset="0"/>
+              </a:rPr>
+              <a:t>Dismal theorem</a:t>
             </a:r>
           </a:p>
           <a:p>
@@ -14384,20 +16343,59 @@
           <a:p>
             <a:pPr lvl="1" eaLnBrk="1" hangingPunct="1"/>
             <a:r>
+              <a:rPr lang="de-DE" sz="2400" b="1" dirty="0">
+                <a:latin typeface="Candara" panose="020E0502030303020204" pitchFamily="34" charset="0"/>
+              </a:rPr>
+              <a:t>Expectations</a:t>
+            </a:r>
+          </a:p>
+          <a:p>
+            <a:pPr lvl="1" eaLnBrk="1" hangingPunct="1"/>
+            <a:r>
+              <a:rPr lang="de-DE" sz="2400" dirty="0" err="1">
+                <a:latin typeface="Candara" panose="020E0502030303020204" pitchFamily="34" charset="0"/>
+              </a:rPr>
+              <a:t>Certainty</a:t>
+            </a:r>
+            <a:r>
               <a:rPr lang="de-DE" sz="2400" dirty="0">
                 <a:latin typeface="Candara" panose="020E0502030303020204" pitchFamily="34" charset="0"/>
               </a:rPr>
-              <a:t>Expectations</a:t>
-            </a:r>
+              <a:t> </a:t>
+            </a:r>
+            <a:r>
+              <a:rPr lang="de-DE" sz="2400" dirty="0" err="1">
+                <a:latin typeface="Candara" panose="020E0502030303020204" pitchFamily="34" charset="0"/>
+              </a:rPr>
+              <a:t>equivalents</a:t>
+            </a:r>
+            <a:endParaRPr lang="de-DE" sz="2400" dirty="0">
+              <a:latin typeface="Candara" panose="020E0502030303020204" pitchFamily="34" charset="0"/>
+            </a:endParaRPr>
           </a:p>
           <a:p>
             <a:pPr lvl="1" eaLnBrk="1" hangingPunct="1"/>
             <a:r>
+              <a:rPr lang="de-DE" sz="2400" dirty="0" err="1">
+                <a:latin typeface="Candara" panose="020E0502030303020204" pitchFamily="34" charset="0"/>
+              </a:rPr>
+              <a:t>Dismal</a:t>
+            </a:r>
+            <a:r>
               <a:rPr lang="de-DE" sz="2400" dirty="0">
                 <a:latin typeface="Candara" panose="020E0502030303020204" pitchFamily="34" charset="0"/>
               </a:rPr>
-              <a:t>Certainty equivalents</a:t>
-            </a:r>
+              <a:t> </a:t>
+            </a:r>
+            <a:r>
+              <a:rPr lang="de-DE" sz="2400" dirty="0" err="1">
+                <a:latin typeface="Candara" panose="020E0502030303020204" pitchFamily="34" charset="0"/>
+              </a:rPr>
+              <a:t>theorem</a:t>
+            </a:r>
+            <a:endParaRPr lang="de-DE" sz="2400" dirty="0">
+              <a:latin typeface="Candara" panose="020E0502030303020204" pitchFamily="34" charset="0"/>
+            </a:endParaRPr>
           </a:p>
           <a:p>
             <a:pPr eaLnBrk="1" hangingPunct="1"/>
@@ -15051,6 +17049,219 @@
 </file>
 
 <file path=ppt/slides/slide35.xml><?xml version="1.0" encoding="utf-8"?>
+<p:sld xmlns:a="http://schemas.openxmlformats.org/drawingml/2006/main" xmlns:r="http://schemas.openxmlformats.org/officeDocument/2006/relationships" xmlns:p="http://schemas.openxmlformats.org/presentationml/2006/main">
+  <p:cSld>
+    <p:spTree>
+      <p:nvGrpSpPr>
+        <p:cNvPr id="1" name=""/>
+        <p:cNvGrpSpPr/>
+        <p:nvPr/>
+      </p:nvGrpSpPr>
+      <p:grpSpPr>
+        <a:xfrm>
+          <a:off x="0" y="0"/>
+          <a:ext cx="0" cy="0"/>
+          <a:chOff x="0" y="0"/>
+          <a:chExt cx="0" cy="0"/>
+        </a:xfrm>
+      </p:grpSpPr>
+      <p:sp>
+        <p:nvSpPr>
+          <p:cNvPr id="7170" name="Rectangle 2"/>
+          <p:cNvSpPr>
+            <a:spLocks noGrp="1" noChangeArrowheads="1"/>
+          </p:cNvSpPr>
+          <p:nvPr>
+            <p:ph type="title"/>
+          </p:nvPr>
+        </p:nvSpPr>
+        <p:spPr>
+          <a:xfrm>
+            <a:off x="533400" y="228600"/>
+            <a:ext cx="8077200" cy="1143000"/>
+          </a:xfrm>
+        </p:spPr>
+        <p:txBody>
+          <a:bodyPr/>
+          <a:lstStyle/>
+          <a:p>
+            <a:pPr eaLnBrk="1" hangingPunct="1"/>
+            <a:r>
+              <a:rPr lang="de-DE" sz="4000" dirty="0">
+                <a:latin typeface="Candara" panose="020E0502030303020204" pitchFamily="34" charset="0"/>
+              </a:rPr>
+              <a:t>Discounting, Equity, Risk</a:t>
+            </a:r>
+            <a:endParaRPr lang="en-GB" sz="4000" dirty="0">
+              <a:latin typeface="Candara" panose="020E0502030303020204" pitchFamily="34" charset="0"/>
+            </a:endParaRPr>
+          </a:p>
+        </p:txBody>
+      </p:sp>
+      <p:sp>
+        <p:nvSpPr>
+          <p:cNvPr id="7171" name="Rectangle 3"/>
+          <p:cNvSpPr>
+            <a:spLocks noGrp="1" noChangeArrowheads="1"/>
+          </p:cNvSpPr>
+          <p:nvPr>
+            <p:ph type="body" idx="1"/>
+          </p:nvPr>
+        </p:nvSpPr>
+        <p:spPr>
+          <a:xfrm>
+            <a:off x="685800" y="1371600"/>
+            <a:ext cx="7772400" cy="4114800"/>
+          </a:xfrm>
+        </p:spPr>
+        <p:txBody>
+          <a:bodyPr/>
+          <a:lstStyle/>
+          <a:p>
+            <a:pPr eaLnBrk="1" hangingPunct="1"/>
+            <a:r>
+              <a:rPr lang="de-DE" sz="2800" dirty="0">
+                <a:latin typeface="Candara" panose="020E0502030303020204" pitchFamily="34" charset="0"/>
+              </a:rPr>
+              <a:t>Time</a:t>
+            </a:r>
+          </a:p>
+          <a:p>
+            <a:pPr lvl="1" eaLnBrk="1" hangingPunct="1"/>
+            <a:r>
+              <a:rPr lang="de-DE" sz="2400" dirty="0">
+                <a:latin typeface="Candara" panose="020E0502030303020204" pitchFamily="34" charset="0"/>
+              </a:rPr>
+              <a:t>Ramsey rule</a:t>
+            </a:r>
+          </a:p>
+          <a:p>
+            <a:pPr lvl="1" eaLnBrk="1" hangingPunct="1"/>
+            <a:r>
+              <a:rPr lang="de-DE" sz="2400" dirty="0">
+                <a:latin typeface="Candara" panose="020E0502030303020204" pitchFamily="34" charset="0"/>
+              </a:rPr>
+              <a:t>Declining discount rates</a:t>
+            </a:r>
+          </a:p>
+          <a:p>
+            <a:pPr eaLnBrk="1" hangingPunct="1"/>
+            <a:r>
+              <a:rPr lang="de-DE" sz="2800" dirty="0">
+                <a:latin typeface="Candara" panose="020E0502030303020204" pitchFamily="34" charset="0"/>
+              </a:rPr>
+              <a:t>Space</a:t>
+            </a:r>
+          </a:p>
+          <a:p>
+            <a:pPr lvl="1" eaLnBrk="1" hangingPunct="1"/>
+            <a:r>
+              <a:rPr lang="de-DE" sz="2400" dirty="0">
+                <a:latin typeface="Candara" panose="020E0502030303020204" pitchFamily="34" charset="0"/>
+              </a:rPr>
+              <a:t>Equity weights</a:t>
+            </a:r>
+          </a:p>
+          <a:p>
+            <a:pPr eaLnBrk="1" hangingPunct="1"/>
+            <a:r>
+              <a:rPr lang="de-DE" sz="2800" dirty="0">
+                <a:latin typeface="Candara" panose="020E0502030303020204" pitchFamily="34" charset="0"/>
+              </a:rPr>
+              <a:t>Risk</a:t>
+            </a:r>
+          </a:p>
+          <a:p>
+            <a:pPr lvl="1" eaLnBrk="1" hangingPunct="1"/>
+            <a:r>
+              <a:rPr lang="de-DE" sz="2400" dirty="0">
+                <a:latin typeface="Candara" panose="020E0502030303020204" pitchFamily="34" charset="0"/>
+              </a:rPr>
+              <a:t>Expectations</a:t>
+            </a:r>
+          </a:p>
+          <a:p>
+            <a:pPr lvl="1" eaLnBrk="1" hangingPunct="1"/>
+            <a:r>
+              <a:rPr lang="de-DE" sz="2400" b="1" dirty="0" err="1">
+                <a:latin typeface="Candara" panose="020E0502030303020204" pitchFamily="34" charset="0"/>
+              </a:rPr>
+              <a:t>Certainty</a:t>
+            </a:r>
+            <a:r>
+              <a:rPr lang="de-DE" sz="2400" b="1" dirty="0">
+                <a:latin typeface="Candara" panose="020E0502030303020204" pitchFamily="34" charset="0"/>
+              </a:rPr>
+              <a:t> </a:t>
+            </a:r>
+            <a:r>
+              <a:rPr lang="de-DE" sz="2400" b="1" dirty="0" err="1">
+                <a:latin typeface="Candara" panose="020E0502030303020204" pitchFamily="34" charset="0"/>
+              </a:rPr>
+              <a:t>equivalents</a:t>
+            </a:r>
+            <a:endParaRPr lang="de-DE" sz="2400" b="1" dirty="0">
+              <a:latin typeface="Candara" panose="020E0502030303020204" pitchFamily="34" charset="0"/>
+            </a:endParaRPr>
+          </a:p>
+          <a:p>
+            <a:pPr lvl="1" eaLnBrk="1" hangingPunct="1"/>
+            <a:r>
+              <a:rPr lang="de-DE" sz="2400" dirty="0" err="1">
+                <a:latin typeface="Candara" panose="020E0502030303020204" pitchFamily="34" charset="0"/>
+              </a:rPr>
+              <a:t>Dismal</a:t>
+            </a:r>
+            <a:r>
+              <a:rPr lang="de-DE" sz="2400" dirty="0">
+                <a:latin typeface="Candara" panose="020E0502030303020204" pitchFamily="34" charset="0"/>
+              </a:rPr>
+              <a:t> </a:t>
+            </a:r>
+            <a:r>
+              <a:rPr lang="de-DE" sz="2400" dirty="0" err="1">
+                <a:latin typeface="Candara" panose="020E0502030303020204" pitchFamily="34" charset="0"/>
+              </a:rPr>
+              <a:t>theorem</a:t>
+            </a:r>
+            <a:endParaRPr lang="de-DE" sz="2400" dirty="0">
+              <a:latin typeface="Candara" panose="020E0502030303020204" pitchFamily="34" charset="0"/>
+            </a:endParaRPr>
+          </a:p>
+          <a:p>
+            <a:pPr eaLnBrk="1" hangingPunct="1"/>
+            <a:r>
+              <a:rPr lang="de-DE" sz="2800" dirty="0">
+                <a:latin typeface="Candara" panose="020E0502030303020204" pitchFamily="34" charset="0"/>
+              </a:rPr>
+              <a:t>All together now</a:t>
+            </a:r>
+          </a:p>
+          <a:p>
+            <a:pPr lvl="1" eaLnBrk="1" hangingPunct="1"/>
+            <a:r>
+              <a:rPr lang="de-DE" sz="2400" dirty="0">
+                <a:latin typeface="Candara" panose="020E0502030303020204" pitchFamily="34" charset="0"/>
+              </a:rPr>
+              <a:t>How to choose ethical parameters</a:t>
+            </a:r>
+          </a:p>
+        </p:txBody>
+      </p:sp>
+    </p:spTree>
+    <p:extLst>
+      <p:ext uri="{BB962C8B-B14F-4D97-AF65-F5344CB8AC3E}">
+        <p14:creationId xmlns:p14="http://schemas.microsoft.com/office/powerpoint/2010/main" val="1180284868"/>
+      </p:ext>
+    </p:extLst>
+  </p:cSld>
+  <p:clrMapOvr>
+    <a:masterClrMapping/>
+  </p:clrMapOvr>
+</p:sld>
+</file>
+
+<file path=ppt/slides/slide36.xml><?xml version="1.0" encoding="utf-8"?>
 <p:sld xmlns:a="http://schemas.openxmlformats.org/drawingml/2006/main" xmlns:r="http://schemas.openxmlformats.org/officeDocument/2006/relationships" xmlns:p="http://schemas.openxmlformats.org/presentationml/2006/main" showMasterPhAnim="0">
   <p:cSld>
     <p:spTree>
@@ -16000,7 +18211,7 @@
 </p:sld>
 </file>
 
-<file path=ppt/slides/slide36.xml><?xml version="1.0" encoding="utf-8"?>
+<file path=ppt/slides/slide37.xml><?xml version="1.0" encoding="utf-8"?>
 <p:sld xmlns:a="http://schemas.openxmlformats.org/drawingml/2006/main" xmlns:r="http://schemas.openxmlformats.org/officeDocument/2006/relationships" xmlns:p="http://schemas.openxmlformats.org/presentationml/2006/main">
   <p:cSld>
     <p:spTree>
@@ -16049,7 +18260,7 @@
 </p:sld>
 </file>
 
-<file path=ppt/slides/slide37.xml><?xml version="1.0" encoding="utf-8"?>
+<file path=ppt/slides/slide38.xml><?xml version="1.0" encoding="utf-8"?>
 <p:sld xmlns:a="http://schemas.openxmlformats.org/drawingml/2006/main" xmlns:r="http://schemas.openxmlformats.org/officeDocument/2006/relationships" xmlns:p="http://schemas.openxmlformats.org/presentationml/2006/main">
   <p:cSld>
     <p:spTree>
@@ -16109,7 +18320,7 @@
 </p:sld>
 </file>
 
-<file path=ppt/slides/slide38.xml><?xml version="1.0" encoding="utf-8"?>
+<file path=ppt/slides/slide39.xml><?xml version="1.0" encoding="utf-8"?>
 <p:sld xmlns:a="http://schemas.openxmlformats.org/drawingml/2006/main" xmlns:r="http://schemas.openxmlformats.org/officeDocument/2006/relationships" xmlns:p="http://schemas.openxmlformats.org/presentationml/2006/main">
   <p:cSld>
     <p:spTree>
@@ -16282,7 +18493,162 @@
 </p:sld>
 </file>
 
-<file path=ppt/slides/slide39.xml><?xml version="1.0" encoding="utf-8"?>
+<file path=ppt/slides/slide4.xml><?xml version="1.0" encoding="utf-8"?>
+<p:sld xmlns:a="http://schemas.openxmlformats.org/drawingml/2006/main" xmlns:r="http://schemas.openxmlformats.org/officeDocument/2006/relationships" xmlns:p="http://schemas.openxmlformats.org/presentationml/2006/main">
+  <p:cSld>
+    <p:spTree>
+      <p:nvGrpSpPr>
+        <p:cNvPr id="1" name=""/>
+        <p:cNvGrpSpPr/>
+        <p:nvPr/>
+      </p:nvGrpSpPr>
+      <p:grpSpPr>
+        <a:xfrm>
+          <a:off x="0" y="0"/>
+          <a:ext cx="0" cy="0"/>
+          <a:chOff x="0" y="0"/>
+          <a:chExt cx="0" cy="0"/>
+        </a:xfrm>
+      </p:grpSpPr>
+      <p:sp>
+        <p:nvSpPr>
+          <p:cNvPr id="8194" name="Rectangle 2"/>
+          <p:cNvSpPr>
+            <a:spLocks noGrp="1" noChangeArrowheads="1"/>
+          </p:cNvSpPr>
+          <p:nvPr>
+            <p:ph type="title"/>
+          </p:nvPr>
+        </p:nvSpPr>
+        <p:spPr>
+          <a:xfrm>
+            <a:off x="685800" y="0"/>
+            <a:ext cx="7772400" cy="1143000"/>
+          </a:xfrm>
+        </p:spPr>
+        <p:txBody>
+          <a:bodyPr/>
+          <a:lstStyle/>
+          <a:p>
+            <a:pPr eaLnBrk="1" hangingPunct="1"/>
+            <a:r>
+              <a:rPr lang="de-DE" sz="3600" dirty="0">
+                <a:latin typeface="Candara" panose="020E0502030303020204" pitchFamily="34" charset="0"/>
+              </a:rPr>
+              <a:t>Optimal emission reduction</a:t>
+            </a:r>
+            <a:endParaRPr lang="en-GB" sz="3600" dirty="0">
+              <a:latin typeface="Candara" panose="020E0502030303020204" pitchFamily="34" charset="0"/>
+            </a:endParaRPr>
+          </a:p>
+        </p:txBody>
+      </p:sp>
+      <p:sp>
+        <p:nvSpPr>
+          <p:cNvPr id="8195" name="Rectangle 3"/>
+          <p:cNvSpPr>
+            <a:spLocks noGrp="1" noChangeArrowheads="1"/>
+          </p:cNvSpPr>
+          <p:nvPr>
+            <p:ph type="body" idx="1"/>
+          </p:nvPr>
+        </p:nvSpPr>
+        <p:spPr>
+          <a:xfrm>
+            <a:off x="685800" y="1066800"/>
+            <a:ext cx="7772400" cy="4114800"/>
+          </a:xfrm>
+        </p:spPr>
+        <p:txBody>
+          <a:bodyPr/>
+          <a:lstStyle/>
+          <a:p>
+            <a:pPr eaLnBrk="1" hangingPunct="1">
+              <a:lnSpc>
+                <a:spcPct val="90000"/>
+              </a:lnSpc>
+            </a:pPr>
+            <a:r>
+              <a:rPr lang="de-DE" sz="2800" dirty="0">
+                <a:latin typeface="Candara" panose="020E0502030303020204" pitchFamily="34" charset="0"/>
+              </a:rPr>
+              <a:t>Climate change is long-term, global, uncertain problem</a:t>
+            </a:r>
+          </a:p>
+          <a:p>
+            <a:pPr eaLnBrk="1" hangingPunct="1">
+              <a:lnSpc>
+                <a:spcPct val="90000"/>
+              </a:lnSpc>
+            </a:pPr>
+            <a:r>
+              <a:rPr lang="de-DE" sz="2800" dirty="0">
+                <a:latin typeface="Candara" panose="020E0502030303020204" pitchFamily="34" charset="0"/>
+              </a:rPr>
+              <a:t>If you do not care about the distant future, far-away lands, remote probabilities, you do not care about climate change</a:t>
+            </a:r>
+          </a:p>
+          <a:p>
+            <a:pPr eaLnBrk="1" hangingPunct="1">
+              <a:lnSpc>
+                <a:spcPct val="90000"/>
+              </a:lnSpc>
+            </a:pPr>
+            <a:endParaRPr lang="de-DE" sz="2800" dirty="0">
+              <a:latin typeface="Comic Sans MS" pitchFamily="66" charset="0"/>
+            </a:endParaRPr>
+          </a:p>
+          <a:p>
+            <a:pPr eaLnBrk="1" hangingPunct="1">
+              <a:lnSpc>
+                <a:spcPct val="90000"/>
+              </a:lnSpc>
+            </a:pPr>
+            <a:endParaRPr lang="de-DE" sz="2800" dirty="0">
+              <a:latin typeface="Comic Sans MS" pitchFamily="66" charset="0"/>
+            </a:endParaRPr>
+          </a:p>
+          <a:p>
+            <a:pPr eaLnBrk="1" hangingPunct="1">
+              <a:lnSpc>
+                <a:spcPct val="90000"/>
+              </a:lnSpc>
+            </a:pPr>
+            <a:endParaRPr lang="de-DE" sz="2800" dirty="0">
+              <a:latin typeface="Comic Sans MS" pitchFamily="66" charset="0"/>
+            </a:endParaRPr>
+          </a:p>
+          <a:p>
+            <a:pPr eaLnBrk="1" hangingPunct="1">
+              <a:lnSpc>
+                <a:spcPct val="90000"/>
+              </a:lnSpc>
+            </a:pPr>
+            <a:endParaRPr lang="de-DE" sz="2800" dirty="0">
+              <a:latin typeface="Comic Sans MS" pitchFamily="66" charset="0"/>
+            </a:endParaRPr>
+          </a:p>
+          <a:p>
+            <a:pPr eaLnBrk="1" hangingPunct="1">
+              <a:lnSpc>
+                <a:spcPct val="90000"/>
+              </a:lnSpc>
+            </a:pPr>
+            <a:endParaRPr lang="en-GB" sz="2800" dirty="0">
+              <a:latin typeface="Comic Sans MS" pitchFamily="66" charset="0"/>
+            </a:endParaRPr>
+          </a:p>
+        </p:txBody>
+      </p:sp>
+    </p:spTree>
+  </p:cSld>
+  <p:clrMapOvr>
+    <a:masterClrMapping/>
+  </p:clrMapOvr>
+</p:sld>
+</file>
+
+<file path=ppt/slides/slide40.xml><?xml version="1.0" encoding="utf-8"?>
 <p:sld xmlns:a="http://schemas.openxmlformats.org/drawingml/2006/main" xmlns:r="http://schemas.openxmlformats.org/officeDocument/2006/relationships" xmlns:p="http://schemas.openxmlformats.org/presentationml/2006/main">
   <p:cSld>
     <p:spTree>
@@ -16345,7 +18711,7 @@
 </p:sld>
 </file>
 
-<file path=ppt/slides/slide4.xml><?xml version="1.0" encoding="utf-8"?>
+<file path=ppt/slides/slide41.xml><?xml version="1.0" encoding="utf-8"?>
 <p:sld xmlns:a="http://schemas.openxmlformats.org/drawingml/2006/main" xmlns:r="http://schemas.openxmlformats.org/officeDocument/2006/relationships" xmlns:p="http://schemas.openxmlformats.org/presentationml/2006/main">
   <p:cSld>
     <p:spTree>
@@ -16364,7 +18730,7 @@
       </p:grpSpPr>
       <p:sp>
         <p:nvSpPr>
-          <p:cNvPr id="8194" name="Rectangle 2"/>
+          <p:cNvPr id="7170" name="Rectangle 2"/>
           <p:cNvSpPr>
             <a:spLocks noGrp="1" noChangeArrowheads="1"/>
           </p:cNvSpPr>
@@ -16374,8 +18740,8 @@
         </p:nvSpPr>
         <p:spPr>
           <a:xfrm>
-            <a:off x="685800" y="0"/>
-            <a:ext cx="7772400" cy="1143000"/>
+            <a:off x="533400" y="228600"/>
+            <a:ext cx="8077200" cy="1143000"/>
           </a:xfrm>
         </p:spPr>
         <p:txBody>
@@ -16384,12 +18750,12 @@
           <a:p>
             <a:pPr eaLnBrk="1" hangingPunct="1"/>
             <a:r>
-              <a:rPr lang="de-DE" sz="3600" dirty="0">
-                <a:latin typeface="Candara" panose="020E0502030303020204" pitchFamily="34" charset="0"/>
-              </a:rPr>
-              <a:t>Optimal emission reduction</a:t>
-            </a:r>
-            <a:endParaRPr lang="en-GB" sz="3600" dirty="0">
+              <a:rPr lang="de-DE" sz="4000" dirty="0">
+                <a:latin typeface="Candara" panose="020E0502030303020204" pitchFamily="34" charset="0"/>
+              </a:rPr>
+              <a:t>Discounting, Equity, Risk</a:t>
+            </a:r>
+            <a:endParaRPr lang="en-GB" sz="4000" dirty="0">
               <a:latin typeface="Candara" panose="020E0502030303020204" pitchFamily="34" charset="0"/>
             </a:endParaRPr>
           </a:p>
@@ -16397,7 +18763,7 @@
       </p:sp>
       <p:sp>
         <p:nvSpPr>
-          <p:cNvPr id="8195" name="Rectangle 3"/>
+          <p:cNvPr id="7171" name="Rectangle 3"/>
           <p:cNvSpPr>
             <a:spLocks noGrp="1" noChangeArrowheads="1"/>
           </p:cNvSpPr>
@@ -16407,7 +18773,7 @@
         </p:nvSpPr>
         <p:spPr>
           <a:xfrm>
-            <a:off x="685800" y="1066800"/>
+            <a:off x="685800" y="1371600"/>
             <a:ext cx="7772400" cy="4114800"/>
           </a:xfrm>
         </p:spPr>
@@ -16415,83 +18781,314 @@
           <a:bodyPr/>
           <a:lstStyle/>
           <a:p>
-            <a:pPr eaLnBrk="1" hangingPunct="1">
+            <a:pPr eaLnBrk="1" hangingPunct="1"/>
+            <a:r>
+              <a:rPr lang="de-DE" sz="2800" dirty="0">
+                <a:latin typeface="Candara" panose="020E0502030303020204" pitchFamily="34" charset="0"/>
+              </a:rPr>
+              <a:t>Time</a:t>
+            </a:r>
+          </a:p>
+          <a:p>
+            <a:pPr lvl="1" eaLnBrk="1" hangingPunct="1"/>
+            <a:r>
+              <a:rPr lang="de-DE" sz="2400" dirty="0">
+                <a:latin typeface="Candara" panose="020E0502030303020204" pitchFamily="34" charset="0"/>
+              </a:rPr>
+              <a:t>Ramsey rule</a:t>
+            </a:r>
+          </a:p>
+          <a:p>
+            <a:pPr lvl="1" eaLnBrk="1" hangingPunct="1"/>
+            <a:r>
+              <a:rPr lang="de-DE" sz="2400" dirty="0">
+                <a:latin typeface="Candara" panose="020E0502030303020204" pitchFamily="34" charset="0"/>
+              </a:rPr>
+              <a:t>Declining discount rates</a:t>
+            </a:r>
+          </a:p>
+          <a:p>
+            <a:pPr eaLnBrk="1" hangingPunct="1"/>
+            <a:r>
+              <a:rPr lang="de-DE" sz="2800" dirty="0">
+                <a:latin typeface="Candara" panose="020E0502030303020204" pitchFamily="34" charset="0"/>
+              </a:rPr>
+              <a:t>Space</a:t>
+            </a:r>
+          </a:p>
+          <a:p>
+            <a:pPr lvl="1" eaLnBrk="1" hangingPunct="1"/>
+            <a:r>
+              <a:rPr lang="de-DE" sz="2400" dirty="0">
+                <a:latin typeface="Candara" panose="020E0502030303020204" pitchFamily="34" charset="0"/>
+              </a:rPr>
+              <a:t>Equity weights</a:t>
+            </a:r>
+          </a:p>
+          <a:p>
+            <a:pPr eaLnBrk="1" hangingPunct="1"/>
+            <a:r>
+              <a:rPr lang="de-DE" sz="2800" dirty="0">
+                <a:latin typeface="Candara" panose="020E0502030303020204" pitchFamily="34" charset="0"/>
+              </a:rPr>
+              <a:t>Risk</a:t>
+            </a:r>
+          </a:p>
+          <a:p>
+            <a:pPr lvl="1" eaLnBrk="1" hangingPunct="1"/>
+            <a:r>
+              <a:rPr lang="de-DE" sz="2400" dirty="0">
+                <a:latin typeface="Candara" panose="020E0502030303020204" pitchFamily="34" charset="0"/>
+              </a:rPr>
+              <a:t>Expectations</a:t>
+            </a:r>
+          </a:p>
+          <a:p>
+            <a:pPr lvl="1" eaLnBrk="1" hangingPunct="1"/>
+            <a:r>
+              <a:rPr lang="de-DE" sz="2400" dirty="0" err="1">
+                <a:latin typeface="Candara" panose="020E0502030303020204" pitchFamily="34" charset="0"/>
+              </a:rPr>
+              <a:t>Certainty</a:t>
+            </a:r>
+            <a:r>
+              <a:rPr lang="de-DE" sz="2400" dirty="0">
+                <a:latin typeface="Candara" panose="020E0502030303020204" pitchFamily="34" charset="0"/>
+              </a:rPr>
+              <a:t> </a:t>
+            </a:r>
+            <a:r>
+              <a:rPr lang="de-DE" sz="2400" dirty="0" err="1">
+                <a:latin typeface="Candara" panose="020E0502030303020204" pitchFamily="34" charset="0"/>
+              </a:rPr>
+              <a:t>equivalents</a:t>
+            </a:r>
+            <a:endParaRPr lang="de-DE" sz="2400" dirty="0">
+              <a:latin typeface="Candara" panose="020E0502030303020204" pitchFamily="34" charset="0"/>
+            </a:endParaRPr>
+          </a:p>
+          <a:p>
+            <a:pPr lvl="1" eaLnBrk="1" hangingPunct="1"/>
+            <a:r>
+              <a:rPr lang="de-DE" sz="2400" b="1" dirty="0" err="1">
+                <a:latin typeface="Candara" panose="020E0502030303020204" pitchFamily="34" charset="0"/>
+              </a:rPr>
+              <a:t>Dismal</a:t>
+            </a:r>
+            <a:r>
+              <a:rPr lang="de-DE" sz="2400" b="1" dirty="0">
+                <a:latin typeface="Candara" panose="020E0502030303020204" pitchFamily="34" charset="0"/>
+              </a:rPr>
+              <a:t> </a:t>
+            </a:r>
+            <a:r>
+              <a:rPr lang="de-DE" sz="2400" b="1" dirty="0" err="1">
+                <a:latin typeface="Candara" panose="020E0502030303020204" pitchFamily="34" charset="0"/>
+              </a:rPr>
+              <a:t>theorem</a:t>
+            </a:r>
+            <a:endParaRPr lang="de-DE" sz="2400" b="1" dirty="0">
+              <a:latin typeface="Candara" panose="020E0502030303020204" pitchFamily="34" charset="0"/>
+            </a:endParaRPr>
+          </a:p>
+          <a:p>
+            <a:pPr eaLnBrk="1" hangingPunct="1"/>
+            <a:r>
+              <a:rPr lang="de-DE" sz="2800" dirty="0">
+                <a:latin typeface="Candara" panose="020E0502030303020204" pitchFamily="34" charset="0"/>
+              </a:rPr>
+              <a:t>All together now</a:t>
+            </a:r>
+          </a:p>
+          <a:p>
+            <a:pPr lvl="1" eaLnBrk="1" hangingPunct="1"/>
+            <a:r>
+              <a:rPr lang="de-DE" sz="2400" dirty="0">
+                <a:latin typeface="Candara" panose="020E0502030303020204" pitchFamily="34" charset="0"/>
+              </a:rPr>
+              <a:t>How to choose ethical parameters</a:t>
+            </a:r>
+          </a:p>
+        </p:txBody>
+      </p:sp>
+    </p:spTree>
+    <p:extLst>
+      <p:ext uri="{BB962C8B-B14F-4D97-AF65-F5344CB8AC3E}">
+        <p14:creationId xmlns:p14="http://schemas.microsoft.com/office/powerpoint/2010/main" val="4288089147"/>
+      </p:ext>
+    </p:extLst>
+  </p:cSld>
+  <p:clrMapOvr>
+    <a:masterClrMapping/>
+  </p:clrMapOvr>
+</p:sld>
+</file>
+
+<file path=ppt/slides/slide42.xml><?xml version="1.0" encoding="utf-8"?>
+<p:sld xmlns:a="http://schemas.openxmlformats.org/drawingml/2006/main" xmlns:r="http://schemas.openxmlformats.org/officeDocument/2006/relationships" xmlns:p="http://schemas.openxmlformats.org/presentationml/2006/main" showMasterPhAnim="0">
+  <p:cSld>
+    <p:spTree>
+      <p:nvGrpSpPr>
+        <p:cNvPr id="1" name=""/>
+        <p:cNvGrpSpPr/>
+        <p:nvPr/>
+      </p:nvGrpSpPr>
+      <p:grpSpPr>
+        <a:xfrm>
+          <a:off x="0" y="0"/>
+          <a:ext cx="0" cy="0"/>
+          <a:chOff x="0" y="0"/>
+          <a:chExt cx="0" cy="0"/>
+        </a:xfrm>
+      </p:grpSpPr>
+      <p:sp>
+        <p:nvSpPr>
+          <p:cNvPr id="8194" name="Rectangle 3"/>
+          <p:cNvSpPr>
+            <a:spLocks noGrp="1" noChangeArrowheads="1"/>
+          </p:cNvSpPr>
+          <p:nvPr>
+            <p:ph type="title"/>
+          </p:nvPr>
+        </p:nvSpPr>
+        <p:spPr>
+          <a:xfrm>
+            <a:off x="685800" y="76200"/>
+            <a:ext cx="7772400" cy="1066800"/>
+          </a:xfrm>
+        </p:spPr>
+        <p:txBody>
+          <a:bodyPr/>
+          <a:lstStyle/>
+          <a:p>
+            <a:r>
+              <a:rPr lang="en-GB" sz="3600" dirty="0">
+                <a:latin typeface="Candara" panose="020E0502030303020204" pitchFamily="34" charset="0"/>
+              </a:rPr>
+              <a:t>Dismal Theorem</a:t>
+            </a:r>
+          </a:p>
+        </p:txBody>
+      </p:sp>
+      <p:sp>
+        <p:nvSpPr>
+          <p:cNvPr id="8195" name="Rectangle 4"/>
+          <p:cNvSpPr>
+            <a:spLocks noGrp="1" noChangeArrowheads="1"/>
+          </p:cNvSpPr>
+          <p:nvPr>
+            <p:ph type="body" idx="1"/>
+          </p:nvPr>
+        </p:nvSpPr>
+        <p:spPr>
+          <a:xfrm>
+            <a:off x="685800" y="990600"/>
+            <a:ext cx="7772400" cy="5105400"/>
+          </a:xfrm>
+        </p:spPr>
+        <p:txBody>
+          <a:bodyPr/>
+          <a:lstStyle/>
+          <a:p>
+            <a:r>
+              <a:rPr lang="en-GB" sz="2800" dirty="0">
+                <a:latin typeface="Candara" panose="020E0502030303020204" pitchFamily="34" charset="0"/>
+              </a:rPr>
+              <a:t>Weitzman (2009): the uncertainty about climate change may be too large for expected utility maximisation</a:t>
+            </a:r>
+          </a:p>
+          <a:p>
+            <a:pPr>
               <a:lnSpc>
-                <a:spcPct val="90000"/>
+                <a:spcPct val="100000"/>
               </a:lnSpc>
+              <a:spcBef>
+                <a:spcPts val="0"/>
+              </a:spcBef>
             </a:pPr>
             <a:r>
-              <a:rPr lang="de-DE" sz="2800" dirty="0">
-                <a:latin typeface="Candara" panose="020E0502030303020204" pitchFamily="34" charset="0"/>
-              </a:rPr>
-              <a:t>Climate change is long-term, global, uncertain problem</a:t>
-            </a:r>
-          </a:p>
-          <a:p>
-            <a:pPr eaLnBrk="1" hangingPunct="1">
-              <a:lnSpc>
-                <a:spcPct val="90000"/>
-              </a:lnSpc>
-            </a:pPr>
-            <a:r>
-              <a:rPr lang="de-DE" sz="2800" dirty="0">
-                <a:latin typeface="Candara" panose="020E0502030303020204" pitchFamily="34" charset="0"/>
-              </a:rPr>
-              <a:t>If you do not care about the distant future, far-away lands, remote probabilities, you do not care about climate change</a:t>
-            </a:r>
-          </a:p>
-          <a:p>
-            <a:pPr eaLnBrk="1" hangingPunct="1">
-              <a:lnSpc>
-                <a:spcPct val="90000"/>
-              </a:lnSpc>
-            </a:pPr>
-            <a:endParaRPr lang="de-DE" sz="2800" dirty="0">
-              <a:latin typeface="Comic Sans MS" pitchFamily="66" charset="0"/>
+              <a:rPr lang="en-GB" sz="2800" dirty="0">
+                <a:latin typeface="Candara" panose="020E0502030303020204" pitchFamily="34" charset="0"/>
+                <a:cs typeface="Times New Roman" panose="02020603050405020304" pitchFamily="18" charset="0"/>
+              </a:rPr>
+              <a:t>Derivation via convolutions and moment generating functions</a:t>
+            </a:r>
+            <a:endParaRPr lang="en-GB" dirty="0">
+              <a:latin typeface="Candara" panose="020E0502030303020204" pitchFamily="34" charset="0"/>
             </a:endParaRPr>
           </a:p>
-          <a:p>
-            <a:pPr eaLnBrk="1" hangingPunct="1">
-              <a:lnSpc>
-                <a:spcPct val="90000"/>
-              </a:lnSpc>
-            </a:pPr>
-            <a:endParaRPr lang="de-DE" sz="2800" dirty="0">
-              <a:latin typeface="Comic Sans MS" pitchFamily="66" charset="0"/>
-            </a:endParaRPr>
-          </a:p>
-          <a:p>
-            <a:pPr eaLnBrk="1" hangingPunct="1">
-              <a:lnSpc>
-                <a:spcPct val="90000"/>
-              </a:lnSpc>
-            </a:pPr>
-            <a:endParaRPr lang="de-DE" sz="2800" dirty="0">
-              <a:latin typeface="Comic Sans MS" pitchFamily="66" charset="0"/>
-            </a:endParaRPr>
-          </a:p>
-          <a:p>
-            <a:pPr eaLnBrk="1" hangingPunct="1">
-              <a:lnSpc>
-                <a:spcPct val="90000"/>
-              </a:lnSpc>
-            </a:pPr>
-            <a:endParaRPr lang="de-DE" sz="2800" dirty="0">
-              <a:latin typeface="Comic Sans MS" pitchFamily="66" charset="0"/>
-            </a:endParaRPr>
-          </a:p>
-          <a:p>
-            <a:pPr eaLnBrk="1" hangingPunct="1">
-              <a:lnSpc>
-                <a:spcPct val="90000"/>
-              </a:lnSpc>
-            </a:pPr>
-            <a:endParaRPr lang="en-GB" sz="2800" dirty="0">
-              <a:latin typeface="Comic Sans MS" pitchFamily="66" charset="0"/>
-            </a:endParaRPr>
-          </a:p>
-        </p:txBody>
-      </p:sp>
+        </p:txBody>
+      </p:sp>
+      <p:sp>
+        <p:nvSpPr>
+          <p:cNvPr id="8196" name="Rectangle 6"/>
+          <p:cNvSpPr>
+            <a:spLocks noChangeArrowheads="1"/>
+          </p:cNvSpPr>
+          <p:nvPr/>
+        </p:nvSpPr>
+        <p:spPr bwMode="auto">
+          <a:xfrm>
+            <a:off x="0" y="0"/>
+            <a:ext cx="9144000" cy="0"/>
+          </a:xfrm>
+          <a:prstGeom prst="rect">
+            <a:avLst/>
+          </a:prstGeom>
+          <a:noFill/>
+          <a:ln w="9525">
+            <a:noFill/>
+            <a:miter lim="800000"/>
+            <a:headEnd/>
+            <a:tailEnd/>
+          </a:ln>
+        </p:spPr>
+        <p:txBody>
+          <a:bodyPr wrap="none" anchor="ctr">
+            <a:spAutoFit/>
+          </a:bodyPr>
+          <a:lstStyle/>
+          <a:p>
+            <a:endParaRPr lang="en-US"/>
+          </a:p>
+        </p:txBody>
+      </p:sp>
+      <p:pic>
+        <p:nvPicPr>
+          <p:cNvPr id="3" name="Picture 2">
+            <a:extLst>
+              <a:ext uri="{FF2B5EF4-FFF2-40B4-BE49-F238E27FC236}">
+                <a16:creationId xmlns:a16="http://schemas.microsoft.com/office/drawing/2014/main" id="{46D62C4E-1423-4E43-AA6E-7D910495F60A}"/>
+              </a:ext>
+            </a:extLst>
+          </p:cNvPr>
+          <p:cNvPicPr>
+            <a:picLocks noChangeAspect="1"/>
+          </p:cNvPicPr>
+          <p:nvPr/>
+        </p:nvPicPr>
+        <p:blipFill>
+          <a:blip r:embed="rId3">
+            <a:extLst>
+              <a:ext uri="{28A0092B-C50C-407E-A947-70E740481C1C}">
+                <a14:useLocalDpi xmlns:a14="http://schemas.microsoft.com/office/drawing/2010/main" val="0"/>
+              </a:ext>
+            </a:extLst>
+          </a:blip>
+          <a:stretch>
+            <a:fillRect/>
+          </a:stretch>
+        </p:blipFill>
+        <p:spPr>
+          <a:xfrm>
+            <a:off x="7670800" y="4648200"/>
+            <a:ext cx="1473199" cy="2209799"/>
+          </a:xfrm>
+          <a:prstGeom prst="rect">
+            <a:avLst/>
+          </a:prstGeom>
+        </p:spPr>
+      </p:pic>
     </p:spTree>
   </p:cSld>
   <p:clrMapOvr>
@@ -16500,7 +19097,296 @@
 </p:sld>
 </file>
 
-<file path=ppt/slides/slide40.xml><?xml version="1.0" encoding="utf-8"?>
+<file path=ppt/slides/slide43.xml><?xml version="1.0" encoding="utf-8"?>
+<p:sld xmlns:a="http://schemas.openxmlformats.org/drawingml/2006/main" xmlns:r="http://schemas.openxmlformats.org/officeDocument/2006/relationships" xmlns:p="http://schemas.openxmlformats.org/presentationml/2006/main" showMasterPhAnim="0">
+  <p:cSld>
+    <p:spTree>
+      <p:nvGrpSpPr>
+        <p:cNvPr id="1" name=""/>
+        <p:cNvGrpSpPr/>
+        <p:nvPr/>
+      </p:nvGrpSpPr>
+      <p:grpSpPr>
+        <a:xfrm>
+          <a:off x="0" y="0"/>
+          <a:ext cx="0" cy="0"/>
+          <a:chOff x="0" y="0"/>
+          <a:chExt cx="0" cy="0"/>
+        </a:xfrm>
+      </p:grpSpPr>
+      <p:sp>
+        <p:nvSpPr>
+          <p:cNvPr id="8194" name="Rectangle 3"/>
+          <p:cNvSpPr>
+            <a:spLocks noGrp="1" noChangeArrowheads="1"/>
+          </p:cNvSpPr>
+          <p:nvPr>
+            <p:ph type="title"/>
+          </p:nvPr>
+        </p:nvSpPr>
+        <p:spPr>
+          <a:xfrm>
+            <a:off x="685800" y="76200"/>
+            <a:ext cx="7772400" cy="1066800"/>
+          </a:xfrm>
+        </p:spPr>
+        <p:txBody>
+          <a:bodyPr/>
+          <a:lstStyle/>
+          <a:p>
+            <a:r>
+              <a:rPr lang="en-GB" sz="3600" dirty="0">
+                <a:latin typeface="Candara" panose="020E0502030303020204" pitchFamily="34" charset="0"/>
+              </a:rPr>
+              <a:t>Dismal Theorem</a:t>
+            </a:r>
+          </a:p>
+        </p:txBody>
+      </p:sp>
+      <mc:AlternateContent xmlns:mc="http://schemas.openxmlformats.org/markup-compatibility/2006" xmlns:a14="http://schemas.microsoft.com/office/drawing/2010/main">
+        <mc:Choice Requires="a14">
+          <p:sp>
+            <p:nvSpPr>
+              <p:cNvPr id="8195" name="Rectangle 4"/>
+              <p:cNvSpPr>
+                <a:spLocks noGrp="1" noChangeArrowheads="1"/>
+              </p:cNvSpPr>
+              <p:nvPr>
+                <p:ph type="body" idx="1"/>
+              </p:nvPr>
+            </p:nvSpPr>
+            <p:spPr>
+              <a:xfrm>
+                <a:off x="685800" y="990600"/>
+                <a:ext cx="7772400" cy="5105400"/>
+              </a:xfrm>
+            </p:spPr>
+            <p:txBody>
+              <a:bodyPr/>
+              <a:lstStyle/>
+              <a:p>
+                <a:pPr>
+                  <a:lnSpc>
+                    <a:spcPct val="100000"/>
+                  </a:lnSpc>
+                  <a:spcBef>
+                    <a:spcPts val="0"/>
+                  </a:spcBef>
+                </a:pPr>
+                <a:r>
+                  <a:rPr lang="en-GB" sz="2800" dirty="0">
+                    <a:latin typeface="Candara" panose="020E0502030303020204" pitchFamily="34" charset="0"/>
+                  </a:rPr>
+                  <a:t>Ramsey rule: r = </a:t>
+                </a:r>
+                <a:r>
+                  <a:rPr lang="el-GR" sz="2800" dirty="0">
+                    <a:latin typeface="Candara" panose="020E0502030303020204" pitchFamily="34" charset="0"/>
+                  </a:rPr>
+                  <a:t>ρ</a:t>
+                </a:r>
+                <a:r>
+                  <a:rPr lang="en-US" sz="2800" dirty="0">
+                    <a:latin typeface="Candara" panose="020E0502030303020204" pitchFamily="34" charset="0"/>
+                  </a:rPr>
+                  <a:t> + </a:t>
+                </a:r>
+                <a:r>
+                  <a:rPr lang="el-GR" sz="2800" dirty="0">
+                    <a:latin typeface="Candara" panose="020E0502030303020204" pitchFamily="34" charset="0"/>
+                  </a:rPr>
+                  <a:t>η</a:t>
+                </a:r>
+                <a:r>
+                  <a:rPr lang="en-US" sz="2800" dirty="0">
+                    <a:latin typeface="Candara" panose="020E0502030303020204" pitchFamily="34" charset="0"/>
+                  </a:rPr>
+                  <a:t>g</a:t>
+                </a:r>
+                <a:endParaRPr lang="en-GB" sz="2400" dirty="0">
+                  <a:latin typeface="Candara" panose="020E0502030303020204" pitchFamily="34" charset="0"/>
+                  <a:cs typeface="Times New Roman" panose="02020603050405020304" pitchFamily="18" charset="0"/>
+                </a:endParaRPr>
+              </a:p>
+              <a:p>
+                <a:pPr>
+                  <a:lnSpc>
+                    <a:spcPct val="100000"/>
+                  </a:lnSpc>
+                  <a:spcBef>
+                    <a:spcPts val="0"/>
+                  </a:spcBef>
+                </a:pPr>
+                <a:r>
+                  <a:rPr lang="en-GB" sz="2800" dirty="0">
+                    <a:latin typeface="Candara" panose="020E0502030303020204" pitchFamily="34" charset="0"/>
+                    <a:cs typeface="Times New Roman" panose="02020603050405020304" pitchFamily="18" charset="0"/>
+                  </a:rPr>
+                  <a:t>If </a:t>
+                </a:r>
+                <a14:m>
+                  <m:oMath xmlns:m="http://schemas.openxmlformats.org/officeDocument/2006/math">
+                    <m:r>
+                      <a:rPr lang="en-GB" sz="2800" b="0" i="1" smtClean="0">
+                        <a:latin typeface="Cambria Math" panose="02040503050406030204" pitchFamily="18" charset="0"/>
+                        <a:cs typeface="Times New Roman" panose="02020603050405020304" pitchFamily="18" charset="0"/>
+                      </a:rPr>
+                      <m:t>𝑔</m:t>
+                    </m:r>
+                    <m:r>
+                      <a:rPr lang="en-GB" sz="2800" b="0" i="1" smtClean="0">
+                        <a:latin typeface="Cambria Math" panose="02040503050406030204" pitchFamily="18" charset="0"/>
+                        <a:cs typeface="Times New Roman" panose="02020603050405020304" pitchFamily="18" charset="0"/>
+                      </a:rPr>
+                      <m:t>&lt;</m:t>
+                    </m:r>
+                    <m:f>
+                      <m:fPr>
+                        <m:ctrlPr>
+                          <a:rPr lang="en-GB" sz="2800" b="0" i="1" smtClean="0">
+                            <a:latin typeface="Cambria Math" panose="02040503050406030204" pitchFamily="18" charset="0"/>
+                            <a:cs typeface="Times New Roman" panose="02020603050405020304" pitchFamily="18" charset="0"/>
+                          </a:rPr>
+                        </m:ctrlPr>
+                      </m:fPr>
+                      <m:num>
+                        <m:r>
+                          <a:rPr lang="en-GB" sz="2800" b="0" i="1" smtClean="0">
+                            <a:latin typeface="Cambria Math" panose="02040503050406030204" pitchFamily="18" charset="0"/>
+                            <a:cs typeface="Times New Roman" panose="02020603050405020304" pitchFamily="18" charset="0"/>
+                          </a:rPr>
+                          <m:t>−</m:t>
+                        </m:r>
+                        <m:r>
+                          <a:rPr lang="en-GB" sz="2800" b="0" i="1" smtClean="0">
+                            <a:latin typeface="Cambria Math" panose="02040503050406030204" pitchFamily="18" charset="0"/>
+                            <a:ea typeface="Cambria Math" panose="02040503050406030204" pitchFamily="18" charset="0"/>
+                            <a:cs typeface="Times New Roman" panose="02020603050405020304" pitchFamily="18" charset="0"/>
+                          </a:rPr>
+                          <m:t>𝜌</m:t>
+                        </m:r>
+                      </m:num>
+                      <m:den>
+                        <m:r>
+                          <a:rPr lang="en-GB" sz="2800" b="0" i="1" smtClean="0">
+                            <a:latin typeface="Cambria Math" panose="02040503050406030204" pitchFamily="18" charset="0"/>
+                            <a:ea typeface="Cambria Math" panose="02040503050406030204" pitchFamily="18" charset="0"/>
+                            <a:cs typeface="Times New Roman" panose="02020603050405020304" pitchFamily="18" charset="0"/>
+                          </a:rPr>
+                          <m:t>𝜂</m:t>
+                        </m:r>
+                      </m:den>
+                    </m:f>
+                  </m:oMath>
+                </a14:m>
+                <a:r>
+                  <a:rPr lang="en-GB" sz="2800" dirty="0">
+                    <a:latin typeface="Candara" panose="020E0502030303020204" pitchFamily="34" charset="0"/>
+                    <a:cs typeface="Times New Roman" panose="02020603050405020304" pitchFamily="18" charset="0"/>
+                  </a:rPr>
+                  <a:t>, net present value is unbounded</a:t>
+                </a:r>
+                <a:endParaRPr lang="en-GB" dirty="0">
+                  <a:latin typeface="Candara" panose="020E0502030303020204" pitchFamily="34" charset="0"/>
+                </a:endParaRPr>
+              </a:p>
+              <a:p>
+                <a:r>
+                  <a:rPr lang="en-GB" sz="2800" dirty="0">
+                    <a:latin typeface="Candara" panose="020E0502030303020204" pitchFamily="34" charset="0"/>
+                  </a:rPr>
+                  <a:t>Non-zero chance that impact of climate change is so large that economy shrinks – Ramsey discount rate could go negative – net present welfare loss is large – impact grows faster than its probability falls</a:t>
+                </a:r>
+              </a:p>
+            </p:txBody>
+          </p:sp>
+        </mc:Choice>
+        <mc:Fallback xmlns="">
+          <p:sp>
+            <p:nvSpPr>
+              <p:cNvPr id="8195" name="Rectangle 4"/>
+              <p:cNvSpPr>
+                <a:spLocks noGrp="1" noRot="1" noChangeAspect="1" noMove="1" noResize="1" noEditPoints="1" noAdjustHandles="1" noChangeArrowheads="1" noChangeShapeType="1" noTextEdit="1"/>
+              </p:cNvSpPr>
+              <p:nvPr>
+                <p:ph type="body" idx="1"/>
+              </p:nvPr>
+            </p:nvSpPr>
+            <p:spPr>
+              <a:xfrm>
+                <a:off x="685800" y="990600"/>
+                <a:ext cx="7772400" cy="5105400"/>
+              </a:xfrm>
+              <a:blipFill>
+                <a:blip r:embed="rId3"/>
+                <a:stretch>
+                  <a:fillRect l="-1647" t="-1314" r="-314"/>
+                </a:stretch>
+              </a:blipFill>
+            </p:spPr>
+            <p:txBody>
+              <a:bodyPr/>
+              <a:lstStyle/>
+              <a:p>
+                <a:r>
+                  <a:rPr lang="en-GB">
+                    <a:noFill/>
+                  </a:rPr>
+                  <a:t> </a:t>
+                </a:r>
+              </a:p>
+            </p:txBody>
+          </p:sp>
+        </mc:Fallback>
+      </mc:AlternateContent>
+      <p:sp>
+        <p:nvSpPr>
+          <p:cNvPr id="8196" name="Rectangle 6"/>
+          <p:cNvSpPr>
+            <a:spLocks noChangeArrowheads="1"/>
+          </p:cNvSpPr>
+          <p:nvPr/>
+        </p:nvSpPr>
+        <p:spPr bwMode="auto">
+          <a:xfrm>
+            <a:off x="0" y="0"/>
+            <a:ext cx="9144000" cy="0"/>
+          </a:xfrm>
+          <a:prstGeom prst="rect">
+            <a:avLst/>
+          </a:prstGeom>
+          <a:noFill/>
+          <a:ln w="9525">
+            <a:noFill/>
+            <a:miter lim="800000"/>
+            <a:headEnd/>
+            <a:tailEnd/>
+          </a:ln>
+        </p:spPr>
+        <p:txBody>
+          <a:bodyPr wrap="none" anchor="ctr">
+            <a:spAutoFit/>
+          </a:bodyPr>
+          <a:lstStyle/>
+          <a:p>
+            <a:endParaRPr lang="en-US"/>
+          </a:p>
+        </p:txBody>
+      </p:sp>
+    </p:spTree>
+    <p:extLst>
+      <p:ext uri="{BB962C8B-B14F-4D97-AF65-F5344CB8AC3E}">
+        <p14:creationId xmlns:p14="http://schemas.microsoft.com/office/powerpoint/2010/main" val="245633577"/>
+      </p:ext>
+    </p:extLst>
+  </p:cSld>
+  <p:clrMapOvr>
+    <a:masterClrMapping/>
+  </p:clrMapOvr>
+</p:sld>
+</file>
+
+<file path=ppt/slides/slide44.xml><?xml version="1.0" encoding="utf-8"?>
 <p:sld xmlns:a="http://schemas.openxmlformats.org/drawingml/2006/main" xmlns:r="http://schemas.openxmlformats.org/officeDocument/2006/relationships" xmlns:p="http://schemas.openxmlformats.org/presentationml/2006/main">
   <p:cSld>
     <p:spTree>
@@ -16519,6 +19405,2079 @@
       </p:grpSpPr>
       <p:sp>
         <p:nvSpPr>
+          <p:cNvPr id="2" name="Title 1"/>
+          <p:cNvSpPr>
+            <a:spLocks noGrp="1"/>
+          </p:cNvSpPr>
+          <p:nvPr>
+            <p:ph type="title"/>
+          </p:nvPr>
+        </p:nvSpPr>
+        <p:spPr>
+          <a:xfrm>
+            <a:off x="0" y="0"/>
+            <a:ext cx="9144000" cy="1336431"/>
+          </a:xfrm>
+        </p:spPr>
+        <p:txBody>
+          <a:bodyPr>
+            <a:normAutofit/>
+          </a:bodyPr>
+          <a:lstStyle/>
+          <a:p>
+            <a:pPr algn="ctr"/>
+            <a:r>
+              <a:rPr lang="en-GB" sz="3600" dirty="0">
+                <a:latin typeface="Candara" panose="020E0502030303020204" pitchFamily="34" charset="0"/>
+                <a:cs typeface="Times New Roman" panose="02020603050405020304" pitchFamily="18" charset="0"/>
+              </a:rPr>
+              <a:t>Dismal Theorem</a:t>
+            </a:r>
+          </a:p>
+        </p:txBody>
+      </p:sp>
+      <mc:AlternateContent xmlns:mc="http://schemas.openxmlformats.org/markup-compatibility/2006" xmlns:a14="http://schemas.microsoft.com/office/drawing/2010/main">
+        <mc:Choice Requires="a14">
+          <p:sp>
+            <p:nvSpPr>
+              <p:cNvPr id="3" name="Content Placeholder 2"/>
+              <p:cNvSpPr>
+                <a:spLocks noGrp="1"/>
+              </p:cNvSpPr>
+              <p:nvPr>
+                <p:ph idx="1"/>
+              </p:nvPr>
+            </p:nvSpPr>
+            <p:spPr>
+              <a:xfrm>
+                <a:off x="392640" y="1079036"/>
+                <a:ext cx="8358720" cy="5166488"/>
+              </a:xfrm>
+            </p:spPr>
+            <p:txBody>
+              <a:bodyPr>
+                <a:normAutofit/>
+              </a:bodyPr>
+              <a:lstStyle/>
+              <a:p>
+                <a:pPr>
+                  <a:lnSpc>
+                    <a:spcPct val="100000"/>
+                  </a:lnSpc>
+                  <a:spcBef>
+                    <a:spcPts val="0"/>
+                  </a:spcBef>
+                </a:pPr>
+                <a:r>
+                  <a:rPr lang="en-GB" dirty="0">
+                    <a:latin typeface="Candara" panose="020E0502030303020204" pitchFamily="34" charset="0"/>
+                    <a:cs typeface="Times New Roman" panose="02020603050405020304" pitchFamily="18" charset="0"/>
+                  </a:rPr>
+                  <a:t>St Petersburg Paradox: Toss a fair coin. Game ends if tails. Stake doubles if head. Initial stake £2. Expected pay-off:</a:t>
+                </a:r>
+              </a:p>
+              <a:p>
+                <a:pPr marL="0" indent="0">
+                  <a:lnSpc>
+                    <a:spcPct val="100000"/>
+                  </a:lnSpc>
+                  <a:spcBef>
+                    <a:spcPts val="0"/>
+                  </a:spcBef>
+                  <a:buNone/>
+                </a:pPr>
+                <a14:m>
+                  <m:oMathPara xmlns:m="http://schemas.openxmlformats.org/officeDocument/2006/math">
+                    <m:oMathParaPr>
+                      <m:jc m:val="centerGroup"/>
+                    </m:oMathParaPr>
+                    <m:oMath xmlns:m="http://schemas.openxmlformats.org/officeDocument/2006/math">
+                      <m:r>
+                        <a:rPr lang="en-GB" i="1" smtClean="0">
+                          <a:latin typeface="Cambria Math" panose="02040503050406030204" pitchFamily="18" charset="0"/>
+                          <a:ea typeface="Cambria Math" panose="02040503050406030204" pitchFamily="18" charset="0"/>
+                          <a:cs typeface="Times New Roman" panose="02020603050405020304" pitchFamily="18" charset="0"/>
+                        </a:rPr>
+                        <m:t>𝔼</m:t>
+                      </m:r>
+                      <m:r>
+                        <a:rPr lang="en-GB" b="0" i="1" smtClean="0">
+                          <a:latin typeface="Cambria Math" panose="02040503050406030204" pitchFamily="18" charset="0"/>
+                          <a:ea typeface="Cambria Math" panose="02040503050406030204" pitchFamily="18" charset="0"/>
+                          <a:cs typeface="Times New Roman" panose="02020603050405020304" pitchFamily="18" charset="0"/>
+                        </a:rPr>
+                        <m:t>𝑃</m:t>
+                      </m:r>
+                      <m:r>
+                        <a:rPr lang="en-GB" b="0" i="1" smtClean="0">
+                          <a:latin typeface="Cambria Math" panose="02040503050406030204" pitchFamily="18" charset="0"/>
+                          <a:ea typeface="Cambria Math" panose="02040503050406030204" pitchFamily="18" charset="0"/>
+                          <a:cs typeface="Times New Roman" panose="02020603050405020304" pitchFamily="18" charset="0"/>
+                        </a:rPr>
+                        <m:t>=</m:t>
+                      </m:r>
+                      <m:f>
+                        <m:fPr>
+                          <m:ctrlPr>
+                            <a:rPr lang="en-GB" b="0" i="1" smtClean="0">
+                              <a:latin typeface="Cambria Math" panose="02040503050406030204" pitchFamily="18" charset="0"/>
+                              <a:ea typeface="Cambria Math" panose="02040503050406030204" pitchFamily="18" charset="0"/>
+                              <a:cs typeface="Times New Roman" panose="02020603050405020304" pitchFamily="18" charset="0"/>
+                            </a:rPr>
+                          </m:ctrlPr>
+                        </m:fPr>
+                        <m:num>
+                          <m:r>
+                            <a:rPr lang="en-GB" b="0" i="1" smtClean="0">
+                              <a:latin typeface="Cambria Math" panose="02040503050406030204" pitchFamily="18" charset="0"/>
+                              <a:ea typeface="Cambria Math" panose="02040503050406030204" pitchFamily="18" charset="0"/>
+                              <a:cs typeface="Times New Roman" panose="02020603050405020304" pitchFamily="18" charset="0"/>
+                            </a:rPr>
+                            <m:t>1</m:t>
+                          </m:r>
+                        </m:num>
+                        <m:den>
+                          <m:r>
+                            <a:rPr lang="en-GB" b="0" i="1" smtClean="0">
+                              <a:latin typeface="Cambria Math" panose="02040503050406030204" pitchFamily="18" charset="0"/>
+                              <a:ea typeface="Cambria Math" panose="02040503050406030204" pitchFamily="18" charset="0"/>
+                              <a:cs typeface="Times New Roman" panose="02020603050405020304" pitchFamily="18" charset="0"/>
+                            </a:rPr>
+                            <m:t>2</m:t>
+                          </m:r>
+                        </m:den>
+                      </m:f>
+                      <m:r>
+                        <a:rPr lang="en-GB" b="0" i="1" smtClean="0">
+                          <a:latin typeface="Cambria Math" panose="02040503050406030204" pitchFamily="18" charset="0"/>
+                          <a:ea typeface="Cambria Math" panose="02040503050406030204" pitchFamily="18" charset="0"/>
+                          <a:cs typeface="Times New Roman" panose="02020603050405020304" pitchFamily="18" charset="0"/>
+                        </a:rPr>
+                        <m:t>2+</m:t>
+                      </m:r>
+                      <m:f>
+                        <m:fPr>
+                          <m:ctrlPr>
+                            <a:rPr lang="en-GB" i="1">
+                              <a:latin typeface="Cambria Math" panose="02040503050406030204" pitchFamily="18" charset="0"/>
+                              <a:ea typeface="Cambria Math" panose="02040503050406030204" pitchFamily="18" charset="0"/>
+                              <a:cs typeface="Times New Roman" panose="02020603050405020304" pitchFamily="18" charset="0"/>
+                            </a:rPr>
+                          </m:ctrlPr>
+                        </m:fPr>
+                        <m:num>
+                          <m:r>
+                            <a:rPr lang="en-GB" i="1">
+                              <a:latin typeface="Cambria Math" panose="02040503050406030204" pitchFamily="18" charset="0"/>
+                              <a:ea typeface="Cambria Math" panose="02040503050406030204" pitchFamily="18" charset="0"/>
+                              <a:cs typeface="Times New Roman" panose="02020603050405020304" pitchFamily="18" charset="0"/>
+                            </a:rPr>
+                            <m:t>1</m:t>
+                          </m:r>
+                        </m:num>
+                        <m:den>
+                          <m:r>
+                            <a:rPr lang="en-GB" b="0" i="1" smtClean="0">
+                              <a:latin typeface="Cambria Math" panose="02040503050406030204" pitchFamily="18" charset="0"/>
+                              <a:ea typeface="Cambria Math" panose="02040503050406030204" pitchFamily="18" charset="0"/>
+                              <a:cs typeface="Times New Roman" panose="02020603050405020304" pitchFamily="18" charset="0"/>
+                            </a:rPr>
+                            <m:t>4</m:t>
+                          </m:r>
+                        </m:den>
+                      </m:f>
+                      <m:r>
+                        <a:rPr lang="en-GB" b="0" i="1" smtClean="0">
+                          <a:latin typeface="Cambria Math" panose="02040503050406030204" pitchFamily="18" charset="0"/>
+                          <a:ea typeface="Cambria Math" panose="02040503050406030204" pitchFamily="18" charset="0"/>
+                          <a:cs typeface="Times New Roman" panose="02020603050405020304" pitchFamily="18" charset="0"/>
+                        </a:rPr>
+                        <m:t>4+</m:t>
+                      </m:r>
+                      <m:f>
+                        <m:fPr>
+                          <m:ctrlPr>
+                            <a:rPr lang="en-GB" i="1">
+                              <a:latin typeface="Cambria Math" panose="02040503050406030204" pitchFamily="18" charset="0"/>
+                              <a:ea typeface="Cambria Math" panose="02040503050406030204" pitchFamily="18" charset="0"/>
+                              <a:cs typeface="Times New Roman" panose="02020603050405020304" pitchFamily="18" charset="0"/>
+                            </a:rPr>
+                          </m:ctrlPr>
+                        </m:fPr>
+                        <m:num>
+                          <m:r>
+                            <a:rPr lang="en-GB" i="1">
+                              <a:latin typeface="Cambria Math" panose="02040503050406030204" pitchFamily="18" charset="0"/>
+                              <a:ea typeface="Cambria Math" panose="02040503050406030204" pitchFamily="18" charset="0"/>
+                              <a:cs typeface="Times New Roman" panose="02020603050405020304" pitchFamily="18" charset="0"/>
+                            </a:rPr>
+                            <m:t>1</m:t>
+                          </m:r>
+                        </m:num>
+                        <m:den>
+                          <m:r>
+                            <a:rPr lang="en-GB" b="0" i="1" smtClean="0">
+                              <a:latin typeface="Cambria Math" panose="02040503050406030204" pitchFamily="18" charset="0"/>
+                              <a:ea typeface="Cambria Math" panose="02040503050406030204" pitchFamily="18" charset="0"/>
+                              <a:cs typeface="Times New Roman" panose="02020603050405020304" pitchFamily="18" charset="0"/>
+                            </a:rPr>
+                            <m:t>8</m:t>
+                          </m:r>
+                        </m:den>
+                      </m:f>
+                      <m:r>
+                        <a:rPr lang="en-GB" b="0" i="1" smtClean="0">
+                          <a:latin typeface="Cambria Math" panose="02040503050406030204" pitchFamily="18" charset="0"/>
+                          <a:ea typeface="Cambria Math" panose="02040503050406030204" pitchFamily="18" charset="0"/>
+                          <a:cs typeface="Times New Roman" panose="02020603050405020304" pitchFamily="18" charset="0"/>
+                        </a:rPr>
+                        <m:t>8+…=1+1+1+…=∞</m:t>
+                      </m:r>
+                    </m:oMath>
+                  </m:oMathPara>
+                </a14:m>
+                <a:endParaRPr lang="en-GB" dirty="0">
+                  <a:latin typeface="Candara" panose="020E0502030303020204" pitchFamily="34" charset="0"/>
+                  <a:cs typeface="Times New Roman" panose="02020603050405020304" pitchFamily="18" charset="0"/>
+                </a:endParaRPr>
+              </a:p>
+              <a:p>
+                <a:pPr>
+                  <a:lnSpc>
+                    <a:spcPct val="100000"/>
+                  </a:lnSpc>
+                  <a:spcBef>
+                    <a:spcPts val="0"/>
+                  </a:spcBef>
+                </a:pPr>
+                <a:r>
+                  <a:rPr lang="en-GB" dirty="0">
+                    <a:latin typeface="Candara" panose="020E0502030303020204" pitchFamily="34" charset="0"/>
+                    <a:cs typeface="Times New Roman" panose="02020603050405020304" pitchFamily="18" charset="0"/>
+                  </a:rPr>
+                  <a:t>You should be willing to pay everything you own to enter this bet.</a:t>
+                </a:r>
+              </a:p>
+              <a:p>
+                <a:pPr>
+                  <a:lnSpc>
+                    <a:spcPct val="100000"/>
+                  </a:lnSpc>
+                  <a:spcBef>
+                    <a:spcPts val="0"/>
+                  </a:spcBef>
+                </a:pPr>
+                <a:r>
+                  <a:rPr lang="en-GB" dirty="0">
+                    <a:latin typeface="Candara" panose="020E0502030303020204" pitchFamily="34" charset="0"/>
+                    <a:cs typeface="Times New Roman" panose="02020603050405020304" pitchFamily="18" charset="0"/>
+                  </a:rPr>
+                  <a:t>Solution: Risk aversion.</a:t>
+                </a:r>
+              </a:p>
+            </p:txBody>
+          </p:sp>
+        </mc:Choice>
+        <mc:Fallback xmlns="">
+          <p:sp>
+            <p:nvSpPr>
+              <p:cNvPr id="3" name="Content Placeholder 2"/>
+              <p:cNvSpPr>
+                <a:spLocks noGrp="1" noRot="1" noChangeAspect="1" noMove="1" noResize="1" noEditPoints="1" noAdjustHandles="1" noChangeArrowheads="1" noChangeShapeType="1" noTextEdit="1"/>
+              </p:cNvSpPr>
+              <p:nvPr>
+                <p:ph idx="1"/>
+              </p:nvPr>
+            </p:nvSpPr>
+            <p:spPr>
+              <a:xfrm>
+                <a:off x="392640" y="1079036"/>
+                <a:ext cx="8358720" cy="5166488"/>
+              </a:xfrm>
+              <a:blipFill>
+                <a:blip r:embed="rId3"/>
+                <a:stretch>
+                  <a:fillRect l="-1895" t="-1769" r="-2187"/>
+                </a:stretch>
+              </a:blipFill>
+            </p:spPr>
+            <p:txBody>
+              <a:bodyPr/>
+              <a:lstStyle/>
+              <a:p>
+                <a:r>
+                  <a:rPr lang="en-GB">
+                    <a:noFill/>
+                  </a:rPr>
+                  <a:t> </a:t>
+                </a:r>
+              </a:p>
+            </p:txBody>
+          </p:sp>
+        </mc:Fallback>
+      </mc:AlternateContent>
+      <p:pic>
+        <p:nvPicPr>
+          <p:cNvPr id="8" name="Picture 7" descr="A vintage photo of a person&#10;&#10;Description automatically generated">
+            <a:extLst>
+              <a:ext uri="{FF2B5EF4-FFF2-40B4-BE49-F238E27FC236}">
+                <a16:creationId xmlns:a16="http://schemas.microsoft.com/office/drawing/2014/main" id="{7198A1A7-B8DB-47F4-AFBE-164CD3BAF045}"/>
+              </a:ext>
+            </a:extLst>
+          </p:cNvPr>
+          <p:cNvPicPr>
+            <a:picLocks noChangeAspect="1"/>
+          </p:cNvPicPr>
+          <p:nvPr/>
+        </p:nvPicPr>
+        <p:blipFill>
+          <a:blip r:embed="rId4" cstate="print">
+            <a:extLst>
+              <a:ext uri="{28A0092B-C50C-407E-A947-70E740481C1C}">
+                <a14:useLocalDpi xmlns:a14="http://schemas.microsoft.com/office/drawing/2010/main" val="0"/>
+              </a:ext>
+            </a:extLst>
+          </a:blip>
+          <a:stretch>
+            <a:fillRect/>
+          </a:stretch>
+        </p:blipFill>
+        <p:spPr>
+          <a:xfrm>
+            <a:off x="7543801" y="4593474"/>
+            <a:ext cx="1600200" cy="2264526"/>
+          </a:xfrm>
+          <a:prstGeom prst="rect">
+            <a:avLst/>
+          </a:prstGeom>
+        </p:spPr>
+      </p:pic>
+    </p:spTree>
+    <p:extLst>
+      <p:ext uri="{BB962C8B-B14F-4D97-AF65-F5344CB8AC3E}">
+        <p14:creationId xmlns:p14="http://schemas.microsoft.com/office/powerpoint/2010/main" val="1890072858"/>
+      </p:ext>
+    </p:extLst>
+  </p:cSld>
+  <p:clrMapOvr>
+    <a:masterClrMapping/>
+  </p:clrMapOvr>
+</p:sld>
+</file>
+
+<file path=ppt/slides/slide45.xml><?xml version="1.0" encoding="utf-8"?>
+<p:sld xmlns:a="http://schemas.openxmlformats.org/drawingml/2006/main" xmlns:r="http://schemas.openxmlformats.org/officeDocument/2006/relationships" xmlns:p="http://schemas.openxmlformats.org/presentationml/2006/main">
+  <p:cSld>
+    <p:spTree>
+      <p:nvGrpSpPr>
+        <p:cNvPr id="1" name=""/>
+        <p:cNvGrpSpPr/>
+        <p:nvPr/>
+      </p:nvGrpSpPr>
+      <p:grpSpPr>
+        <a:xfrm>
+          <a:off x="0" y="0"/>
+          <a:ext cx="0" cy="0"/>
+          <a:chOff x="0" y="0"/>
+          <a:chExt cx="0" cy="0"/>
+        </a:xfrm>
+      </p:grpSpPr>
+      <p:sp>
+        <p:nvSpPr>
+          <p:cNvPr id="2" name="Title 1"/>
+          <p:cNvSpPr>
+            <a:spLocks noGrp="1"/>
+          </p:cNvSpPr>
+          <p:nvPr>
+            <p:ph type="title"/>
+          </p:nvPr>
+        </p:nvSpPr>
+        <p:spPr>
+          <a:xfrm>
+            <a:off x="0" y="0"/>
+            <a:ext cx="9144000" cy="1336431"/>
+          </a:xfrm>
+        </p:spPr>
+        <p:txBody>
+          <a:bodyPr>
+            <a:normAutofit/>
+          </a:bodyPr>
+          <a:lstStyle/>
+          <a:p>
+            <a:pPr algn="ctr"/>
+            <a:r>
+              <a:rPr lang="en-GB" sz="3600" dirty="0">
+                <a:latin typeface="Candara" panose="020E0502030303020204" pitchFamily="34" charset="0"/>
+                <a:cs typeface="Times New Roman" panose="02020603050405020304" pitchFamily="18" charset="0"/>
+              </a:rPr>
+              <a:t>Dismal Theorem</a:t>
+            </a:r>
+          </a:p>
+        </p:txBody>
+      </p:sp>
+      <mc:AlternateContent xmlns:mc="http://schemas.openxmlformats.org/markup-compatibility/2006" xmlns:a14="http://schemas.microsoft.com/office/drawing/2010/main">
+        <mc:Choice Requires="a14">
+          <p:sp>
+            <p:nvSpPr>
+              <p:cNvPr id="3" name="Content Placeholder 2"/>
+              <p:cNvSpPr>
+                <a:spLocks noGrp="1"/>
+              </p:cNvSpPr>
+              <p:nvPr>
+                <p:ph idx="1"/>
+              </p:nvPr>
+            </p:nvSpPr>
+            <p:spPr>
+              <a:xfrm>
+                <a:off x="392640" y="1079036"/>
+                <a:ext cx="8358720" cy="5166488"/>
+              </a:xfrm>
+            </p:spPr>
+            <p:txBody>
+              <a:bodyPr>
+                <a:normAutofit fontScale="92500" lnSpcReduction="20000"/>
+              </a:bodyPr>
+              <a:lstStyle/>
+              <a:p>
+                <a:pPr>
+                  <a:lnSpc>
+                    <a:spcPct val="100000"/>
+                  </a:lnSpc>
+                  <a:spcBef>
+                    <a:spcPts val="0"/>
+                  </a:spcBef>
+                </a:pPr>
+                <a:r>
+                  <a:rPr lang="en-GB" dirty="0">
+                    <a:latin typeface="Candara" panose="020E0502030303020204" pitchFamily="34" charset="0"/>
+                    <a:cs typeface="Times New Roman" panose="02020603050405020304" pitchFamily="18" charset="0"/>
+                  </a:rPr>
+                  <a:t>There is 50% chance of losing 50% of your belongings, 25% chance of losing 75%, 12.5% chance of losing 87.5%, …, 2</a:t>
+                </a:r>
+                <a:r>
+                  <a:rPr lang="en-GB" baseline="30000" dirty="0">
+                    <a:latin typeface="Candara" panose="020E0502030303020204" pitchFamily="34" charset="0"/>
+                    <a:cs typeface="Times New Roman" panose="02020603050405020304" pitchFamily="18" charset="0"/>
+                  </a:rPr>
+                  <a:t>-k</a:t>
+                </a:r>
+                <a:r>
+                  <a:rPr lang="en-GB" dirty="0">
+                    <a:latin typeface="Candara" panose="020E0502030303020204" pitchFamily="34" charset="0"/>
+                    <a:cs typeface="Times New Roman" panose="02020603050405020304" pitchFamily="18" charset="0"/>
+                  </a:rPr>
+                  <a:t> of losing 1-2</a:t>
+                </a:r>
+                <a:r>
+                  <a:rPr lang="en-GB" baseline="30000" dirty="0">
+                    <a:latin typeface="Candara" panose="020E0502030303020204" pitchFamily="34" charset="0"/>
+                    <a:cs typeface="Times New Roman" panose="02020603050405020304" pitchFamily="18" charset="0"/>
+                  </a:rPr>
+                  <a:t>-k</a:t>
+                </a:r>
+                <a:r>
+                  <a:rPr lang="en-GB" dirty="0">
+                    <a:latin typeface="Candara" panose="020E0502030303020204" pitchFamily="34" charset="0"/>
+                    <a:cs typeface="Times New Roman" panose="02020603050405020304" pitchFamily="18" charset="0"/>
+                  </a:rPr>
+                  <a:t>. Expected loss:</a:t>
+                </a:r>
+                <a:endParaRPr lang="en-GB" i="1" dirty="0">
+                  <a:latin typeface="Cambria Math" panose="02040503050406030204" pitchFamily="18" charset="0"/>
+                  <a:ea typeface="Cambria Math" panose="02040503050406030204" pitchFamily="18" charset="0"/>
+                  <a:cs typeface="Times New Roman" panose="02020603050405020304" pitchFamily="18" charset="0"/>
+                </a:endParaRPr>
+              </a:p>
+              <a:p>
+                <a:pPr marL="0" indent="0">
+                  <a:lnSpc>
+                    <a:spcPct val="100000"/>
+                  </a:lnSpc>
+                  <a:spcBef>
+                    <a:spcPts val="0"/>
+                  </a:spcBef>
+                  <a:buNone/>
+                </a:pPr>
+                <a14:m>
+                  <m:oMathPara xmlns:m="http://schemas.openxmlformats.org/officeDocument/2006/math">
+                    <m:oMathParaPr>
+                      <m:jc m:val="centerGroup"/>
+                    </m:oMathParaPr>
+                    <m:oMath xmlns:m="http://schemas.openxmlformats.org/officeDocument/2006/math">
+                      <m:r>
+                        <a:rPr lang="en-GB" i="1" smtClean="0">
+                          <a:latin typeface="Cambria Math" panose="02040503050406030204" pitchFamily="18" charset="0"/>
+                          <a:ea typeface="Cambria Math" panose="02040503050406030204" pitchFamily="18" charset="0"/>
+                          <a:cs typeface="Times New Roman" panose="02020603050405020304" pitchFamily="18" charset="0"/>
+                        </a:rPr>
+                        <m:t>𝔼</m:t>
+                      </m:r>
+                      <m:r>
+                        <a:rPr lang="en-GB" b="0" i="1" smtClean="0">
+                          <a:latin typeface="Cambria Math" panose="02040503050406030204" pitchFamily="18" charset="0"/>
+                          <a:ea typeface="Cambria Math" panose="02040503050406030204" pitchFamily="18" charset="0"/>
+                          <a:cs typeface="Times New Roman" panose="02020603050405020304" pitchFamily="18" charset="0"/>
+                        </a:rPr>
+                        <m:t>𝐿</m:t>
+                      </m:r>
+                      <m:r>
+                        <a:rPr lang="en-GB" b="0" i="1" smtClean="0">
+                          <a:latin typeface="Cambria Math" panose="02040503050406030204" pitchFamily="18" charset="0"/>
+                          <a:ea typeface="Cambria Math" panose="02040503050406030204" pitchFamily="18" charset="0"/>
+                          <a:cs typeface="Times New Roman" panose="02020603050405020304" pitchFamily="18" charset="0"/>
+                        </a:rPr>
+                        <m:t>=</m:t>
+                      </m:r>
+                      <m:f>
+                        <m:fPr>
+                          <m:ctrlPr>
+                            <a:rPr lang="en-GB" b="0" i="1" smtClean="0">
+                              <a:latin typeface="Cambria Math" panose="02040503050406030204" pitchFamily="18" charset="0"/>
+                              <a:ea typeface="Cambria Math" panose="02040503050406030204" pitchFamily="18" charset="0"/>
+                              <a:cs typeface="Times New Roman" panose="02020603050405020304" pitchFamily="18" charset="0"/>
+                            </a:rPr>
+                          </m:ctrlPr>
+                        </m:fPr>
+                        <m:num>
+                          <m:r>
+                            <a:rPr lang="en-GB" b="0" i="1" smtClean="0">
+                              <a:latin typeface="Cambria Math" panose="02040503050406030204" pitchFamily="18" charset="0"/>
+                              <a:ea typeface="Cambria Math" panose="02040503050406030204" pitchFamily="18" charset="0"/>
+                              <a:cs typeface="Times New Roman" panose="02020603050405020304" pitchFamily="18" charset="0"/>
+                            </a:rPr>
+                            <m:t>1</m:t>
+                          </m:r>
+                        </m:num>
+                        <m:den>
+                          <m:sSup>
+                            <m:sSupPr>
+                              <m:ctrlPr>
+                                <a:rPr lang="en-GB" b="0" i="1" smtClean="0">
+                                  <a:latin typeface="Cambria Math" panose="02040503050406030204" pitchFamily="18" charset="0"/>
+                                  <a:ea typeface="Cambria Math" panose="02040503050406030204" pitchFamily="18" charset="0"/>
+                                  <a:cs typeface="Times New Roman" panose="02020603050405020304" pitchFamily="18" charset="0"/>
+                                </a:rPr>
+                              </m:ctrlPr>
+                            </m:sSupPr>
+                            <m:e>
+                              <m:r>
+                                <a:rPr lang="en-GB" b="0" i="1" smtClean="0">
+                                  <a:latin typeface="Cambria Math" panose="02040503050406030204" pitchFamily="18" charset="0"/>
+                                  <a:ea typeface="Cambria Math" panose="02040503050406030204" pitchFamily="18" charset="0"/>
+                                  <a:cs typeface="Times New Roman" panose="02020603050405020304" pitchFamily="18" charset="0"/>
+                                </a:rPr>
+                                <m:t>2</m:t>
+                              </m:r>
+                            </m:e>
+                            <m:sup>
+                              <m:r>
+                                <a:rPr lang="en-GB" b="0" i="1" smtClean="0">
+                                  <a:latin typeface="Cambria Math" panose="02040503050406030204" pitchFamily="18" charset="0"/>
+                                  <a:ea typeface="Cambria Math" panose="02040503050406030204" pitchFamily="18" charset="0"/>
+                                  <a:cs typeface="Times New Roman" panose="02020603050405020304" pitchFamily="18" charset="0"/>
+                                </a:rPr>
+                                <m:t>2</m:t>
+                              </m:r>
+                            </m:sup>
+                          </m:sSup>
+                        </m:den>
+                      </m:f>
+                      <m:r>
+                        <a:rPr lang="en-GB" b="0" i="1" smtClean="0">
+                          <a:latin typeface="Cambria Math" panose="02040503050406030204" pitchFamily="18" charset="0"/>
+                          <a:ea typeface="Cambria Math" panose="02040503050406030204" pitchFamily="18" charset="0"/>
+                          <a:cs typeface="Times New Roman" panose="02020603050405020304" pitchFamily="18" charset="0"/>
+                        </a:rPr>
+                        <m:t>+</m:t>
+                      </m:r>
+                      <m:f>
+                        <m:fPr>
+                          <m:ctrlPr>
+                            <a:rPr lang="en-GB" i="1">
+                              <a:latin typeface="Cambria Math" panose="02040503050406030204" pitchFamily="18" charset="0"/>
+                              <a:ea typeface="Cambria Math" panose="02040503050406030204" pitchFamily="18" charset="0"/>
+                              <a:cs typeface="Times New Roman" panose="02020603050405020304" pitchFamily="18" charset="0"/>
+                            </a:rPr>
+                          </m:ctrlPr>
+                        </m:fPr>
+                        <m:num>
+                          <m:r>
+                            <a:rPr lang="en-GB" i="1">
+                              <a:latin typeface="Cambria Math" panose="02040503050406030204" pitchFamily="18" charset="0"/>
+                              <a:ea typeface="Cambria Math" panose="02040503050406030204" pitchFamily="18" charset="0"/>
+                              <a:cs typeface="Times New Roman" panose="02020603050405020304" pitchFamily="18" charset="0"/>
+                            </a:rPr>
+                            <m:t>1</m:t>
+                          </m:r>
+                        </m:num>
+                        <m:den>
+                          <m:sSup>
+                            <m:sSupPr>
+                              <m:ctrlPr>
+                                <a:rPr lang="en-GB" i="1">
+                                  <a:latin typeface="Cambria Math" panose="02040503050406030204" pitchFamily="18" charset="0"/>
+                                  <a:ea typeface="Cambria Math" panose="02040503050406030204" pitchFamily="18" charset="0"/>
+                                  <a:cs typeface="Times New Roman" panose="02020603050405020304" pitchFamily="18" charset="0"/>
+                                </a:rPr>
+                              </m:ctrlPr>
+                            </m:sSupPr>
+                            <m:e>
+                              <m:r>
+                                <a:rPr lang="en-GB" i="1">
+                                  <a:latin typeface="Cambria Math" panose="02040503050406030204" pitchFamily="18" charset="0"/>
+                                  <a:ea typeface="Cambria Math" panose="02040503050406030204" pitchFamily="18" charset="0"/>
+                                  <a:cs typeface="Times New Roman" panose="02020603050405020304" pitchFamily="18" charset="0"/>
+                                </a:rPr>
+                                <m:t>2</m:t>
+                              </m:r>
+                            </m:e>
+                            <m:sup>
+                              <m:r>
+                                <a:rPr lang="en-GB" b="0" i="1" smtClean="0">
+                                  <a:latin typeface="Cambria Math" panose="02040503050406030204" pitchFamily="18" charset="0"/>
+                                  <a:ea typeface="Cambria Math" panose="02040503050406030204" pitchFamily="18" charset="0"/>
+                                  <a:cs typeface="Times New Roman" panose="02020603050405020304" pitchFamily="18" charset="0"/>
+                                </a:rPr>
+                                <m:t>4</m:t>
+                              </m:r>
+                            </m:sup>
+                          </m:sSup>
+                        </m:den>
+                      </m:f>
+                      <m:r>
+                        <a:rPr lang="en-GB" b="0" i="1" smtClean="0">
+                          <a:latin typeface="Cambria Math" panose="02040503050406030204" pitchFamily="18" charset="0"/>
+                          <a:ea typeface="Cambria Math" panose="02040503050406030204" pitchFamily="18" charset="0"/>
+                          <a:cs typeface="Times New Roman" panose="02020603050405020304" pitchFamily="18" charset="0"/>
+                        </a:rPr>
+                        <m:t>+</m:t>
+                      </m:r>
+                      <m:f>
+                        <m:fPr>
+                          <m:ctrlPr>
+                            <a:rPr lang="en-GB" i="1">
+                              <a:latin typeface="Cambria Math" panose="02040503050406030204" pitchFamily="18" charset="0"/>
+                              <a:ea typeface="Cambria Math" panose="02040503050406030204" pitchFamily="18" charset="0"/>
+                              <a:cs typeface="Times New Roman" panose="02020603050405020304" pitchFamily="18" charset="0"/>
+                            </a:rPr>
+                          </m:ctrlPr>
+                        </m:fPr>
+                        <m:num>
+                          <m:r>
+                            <a:rPr lang="en-GB" i="1">
+                              <a:latin typeface="Cambria Math" panose="02040503050406030204" pitchFamily="18" charset="0"/>
+                              <a:ea typeface="Cambria Math" panose="02040503050406030204" pitchFamily="18" charset="0"/>
+                              <a:cs typeface="Times New Roman" panose="02020603050405020304" pitchFamily="18" charset="0"/>
+                            </a:rPr>
+                            <m:t>1</m:t>
+                          </m:r>
+                        </m:num>
+                        <m:den>
+                          <m:sSup>
+                            <m:sSupPr>
+                              <m:ctrlPr>
+                                <a:rPr lang="en-GB" i="1" smtClean="0">
+                                  <a:latin typeface="Cambria Math" panose="02040503050406030204" pitchFamily="18" charset="0"/>
+                                  <a:ea typeface="Cambria Math" panose="02040503050406030204" pitchFamily="18" charset="0"/>
+                                  <a:cs typeface="Times New Roman" panose="02020603050405020304" pitchFamily="18" charset="0"/>
+                                </a:rPr>
+                              </m:ctrlPr>
+                            </m:sSupPr>
+                            <m:e>
+                              <m:r>
+                                <a:rPr lang="en-GB" i="1">
+                                  <a:latin typeface="Cambria Math" panose="02040503050406030204" pitchFamily="18" charset="0"/>
+                                  <a:ea typeface="Cambria Math" panose="02040503050406030204" pitchFamily="18" charset="0"/>
+                                  <a:cs typeface="Times New Roman" panose="02020603050405020304" pitchFamily="18" charset="0"/>
+                                </a:rPr>
+                                <m:t>2</m:t>
+                              </m:r>
+                            </m:e>
+                            <m:sup>
+                              <m:r>
+                                <a:rPr lang="en-GB" b="0" i="1" smtClean="0">
+                                  <a:latin typeface="Cambria Math" panose="02040503050406030204" pitchFamily="18" charset="0"/>
+                                  <a:ea typeface="Cambria Math" panose="02040503050406030204" pitchFamily="18" charset="0"/>
+                                  <a:cs typeface="Times New Roman" panose="02020603050405020304" pitchFamily="18" charset="0"/>
+                                </a:rPr>
+                                <m:t>6</m:t>
+                              </m:r>
+                            </m:sup>
+                          </m:sSup>
+                        </m:den>
+                      </m:f>
+                      <m:r>
+                        <a:rPr lang="en-GB" b="0" i="1" smtClean="0">
+                          <a:latin typeface="Cambria Math" panose="02040503050406030204" pitchFamily="18" charset="0"/>
+                          <a:ea typeface="Cambria Math" panose="02040503050406030204" pitchFamily="18" charset="0"/>
+                          <a:cs typeface="Times New Roman" panose="02020603050405020304" pitchFamily="18" charset="0"/>
+                        </a:rPr>
+                        <m:t>+…=</m:t>
+                      </m:r>
+                      <m:f>
+                        <m:fPr>
+                          <m:ctrlPr>
+                            <a:rPr lang="en-GB" i="1">
+                              <a:latin typeface="Cambria Math" panose="02040503050406030204" pitchFamily="18" charset="0"/>
+                              <a:ea typeface="Cambria Math" panose="02040503050406030204" pitchFamily="18" charset="0"/>
+                              <a:cs typeface="Times New Roman" panose="02020603050405020304" pitchFamily="18" charset="0"/>
+                            </a:rPr>
+                          </m:ctrlPr>
+                        </m:fPr>
+                        <m:num>
+                          <m:r>
+                            <a:rPr lang="en-GB" i="1">
+                              <a:latin typeface="Cambria Math" panose="02040503050406030204" pitchFamily="18" charset="0"/>
+                              <a:ea typeface="Cambria Math" panose="02040503050406030204" pitchFamily="18" charset="0"/>
+                              <a:cs typeface="Times New Roman" panose="02020603050405020304" pitchFamily="18" charset="0"/>
+                            </a:rPr>
+                            <m:t>1</m:t>
+                          </m:r>
+                        </m:num>
+                        <m:den>
+                          <m:r>
+                            <a:rPr lang="en-GB" b="0" i="1" smtClean="0">
+                              <a:latin typeface="Cambria Math" panose="02040503050406030204" pitchFamily="18" charset="0"/>
+                              <a:ea typeface="Cambria Math" panose="02040503050406030204" pitchFamily="18" charset="0"/>
+                              <a:cs typeface="Times New Roman" panose="02020603050405020304" pitchFamily="18" charset="0"/>
+                            </a:rPr>
+                            <m:t>3</m:t>
+                          </m:r>
+                        </m:den>
+                      </m:f>
+                    </m:oMath>
+                  </m:oMathPara>
+                </a14:m>
+                <a:endParaRPr lang="en-GB" dirty="0">
+                  <a:latin typeface="Candara" panose="020E0502030303020204" pitchFamily="34" charset="0"/>
+                  <a:cs typeface="Times New Roman" panose="02020603050405020304" pitchFamily="18" charset="0"/>
+                </a:endParaRPr>
+              </a:p>
+              <a:p>
+                <a:pPr>
+                  <a:lnSpc>
+                    <a:spcPct val="100000"/>
+                  </a:lnSpc>
+                  <a:spcBef>
+                    <a:spcPts val="0"/>
+                  </a:spcBef>
+                </a:pPr>
+                <a:r>
+                  <a:rPr lang="en-GB" dirty="0">
+                    <a:latin typeface="Candara" panose="020E0502030303020204" pitchFamily="34" charset="0"/>
+                    <a:cs typeface="Times New Roman" panose="02020603050405020304" pitchFamily="18" charset="0"/>
+                  </a:rPr>
+                  <a:t>You should be willing to pay no more than one-third of what you have to avoid this bet.</a:t>
+                </a:r>
+              </a:p>
+              <a:p>
+                <a:pPr>
+                  <a:lnSpc>
+                    <a:spcPct val="100000"/>
+                  </a:lnSpc>
+                  <a:spcBef>
+                    <a:spcPts val="0"/>
+                  </a:spcBef>
+                </a:pPr>
+                <a:r>
+                  <a:rPr lang="en-GB" dirty="0">
+                    <a:latin typeface="Candara" panose="020E0502030303020204" pitchFamily="34" charset="0"/>
+                    <a:cs typeface="Times New Roman" panose="02020603050405020304" pitchFamily="18" charset="0"/>
+                  </a:rPr>
+                  <a:t>However, with CRRA utility and risk aversion of 2</a:t>
+                </a:r>
+              </a:p>
+              <a:p>
+                <a:pPr marL="0" indent="0">
+                  <a:lnSpc>
+                    <a:spcPct val="100000"/>
+                  </a:lnSpc>
+                  <a:spcBef>
+                    <a:spcPts val="0"/>
+                  </a:spcBef>
+                  <a:buNone/>
+                </a:pPr>
+                <a14:m>
+                  <m:oMathPara xmlns:m="http://schemas.openxmlformats.org/officeDocument/2006/math">
+                    <m:oMathParaPr>
+                      <m:jc m:val="centerGroup"/>
+                    </m:oMathParaPr>
+                    <m:oMath xmlns:m="http://schemas.openxmlformats.org/officeDocument/2006/math">
+                      <m:r>
+                        <a:rPr lang="en-GB" i="1" smtClean="0">
+                          <a:latin typeface="Cambria Math" panose="02040503050406030204" pitchFamily="18" charset="0"/>
+                          <a:ea typeface="Cambria Math" panose="02040503050406030204" pitchFamily="18" charset="0"/>
+                          <a:cs typeface="Times New Roman" panose="02020603050405020304" pitchFamily="18" charset="0"/>
+                        </a:rPr>
+                        <m:t>𝔼</m:t>
+                      </m:r>
+                      <m:r>
+                        <a:rPr lang="en-GB" b="0" i="1" smtClean="0">
+                          <a:latin typeface="Cambria Math" panose="02040503050406030204" pitchFamily="18" charset="0"/>
+                          <a:ea typeface="Cambria Math" panose="02040503050406030204" pitchFamily="18" charset="0"/>
+                          <a:cs typeface="Times New Roman" panose="02020603050405020304" pitchFamily="18" charset="0"/>
+                        </a:rPr>
+                        <m:t>𝑈</m:t>
+                      </m:r>
+                      <m:r>
+                        <a:rPr lang="en-GB" b="0" i="1" smtClean="0">
+                          <a:latin typeface="Cambria Math" panose="02040503050406030204" pitchFamily="18" charset="0"/>
+                          <a:ea typeface="Cambria Math" panose="02040503050406030204" pitchFamily="18" charset="0"/>
+                          <a:cs typeface="Times New Roman" panose="02020603050405020304" pitchFamily="18" charset="0"/>
+                        </a:rPr>
+                        <m:t>=</m:t>
+                      </m:r>
+                      <m:f>
+                        <m:fPr>
+                          <m:ctrlPr>
+                            <a:rPr lang="en-GB" b="0" i="1" smtClean="0">
+                              <a:latin typeface="Cambria Math" panose="02040503050406030204" pitchFamily="18" charset="0"/>
+                              <a:ea typeface="Cambria Math" panose="02040503050406030204" pitchFamily="18" charset="0"/>
+                              <a:cs typeface="Times New Roman" panose="02020603050405020304" pitchFamily="18" charset="0"/>
+                            </a:rPr>
+                          </m:ctrlPr>
+                        </m:fPr>
+                        <m:num>
+                          <m:r>
+                            <a:rPr lang="en-GB" b="0" i="1" smtClean="0">
+                              <a:latin typeface="Cambria Math" panose="02040503050406030204" pitchFamily="18" charset="0"/>
+                              <a:ea typeface="Cambria Math" panose="02040503050406030204" pitchFamily="18" charset="0"/>
+                              <a:cs typeface="Times New Roman" panose="02020603050405020304" pitchFamily="18" charset="0"/>
+                            </a:rPr>
+                            <m:t>1</m:t>
+                          </m:r>
+                        </m:num>
+                        <m:den>
+                          <m:r>
+                            <a:rPr lang="en-GB" b="0" i="1" smtClean="0">
+                              <a:latin typeface="Cambria Math" panose="02040503050406030204" pitchFamily="18" charset="0"/>
+                              <a:ea typeface="Cambria Math" panose="02040503050406030204" pitchFamily="18" charset="0"/>
+                              <a:cs typeface="Times New Roman" panose="02020603050405020304" pitchFamily="18" charset="0"/>
+                            </a:rPr>
+                            <m:t>2</m:t>
+                          </m:r>
+                        </m:den>
+                      </m:f>
+                      <m:d>
+                        <m:dPr>
+                          <m:ctrlPr>
+                            <a:rPr lang="en-GB" b="0" i="1" smtClean="0">
+                              <a:latin typeface="Cambria Math" panose="02040503050406030204" pitchFamily="18" charset="0"/>
+                              <a:ea typeface="Cambria Math" panose="02040503050406030204" pitchFamily="18" charset="0"/>
+                              <a:cs typeface="Times New Roman" panose="02020603050405020304" pitchFamily="18" charset="0"/>
+                            </a:rPr>
+                          </m:ctrlPr>
+                        </m:dPr>
+                        <m:e>
+                          <m:r>
+                            <a:rPr lang="en-GB" b="0" i="1" smtClean="0">
+                              <a:latin typeface="Cambria Math" panose="02040503050406030204" pitchFamily="18" charset="0"/>
+                              <a:ea typeface="Cambria Math" panose="02040503050406030204" pitchFamily="18" charset="0"/>
+                              <a:cs typeface="Times New Roman" panose="02020603050405020304" pitchFamily="18" charset="0"/>
+                            </a:rPr>
+                            <m:t>−2</m:t>
+                          </m:r>
+                        </m:e>
+                      </m:d>
+                      <m:r>
+                        <a:rPr lang="en-GB" b="0" i="1" smtClean="0">
+                          <a:latin typeface="Cambria Math" panose="02040503050406030204" pitchFamily="18" charset="0"/>
+                          <a:ea typeface="Cambria Math" panose="02040503050406030204" pitchFamily="18" charset="0"/>
+                          <a:cs typeface="Times New Roman" panose="02020603050405020304" pitchFamily="18" charset="0"/>
+                        </a:rPr>
+                        <m:t>+</m:t>
+                      </m:r>
+                      <m:f>
+                        <m:fPr>
+                          <m:ctrlPr>
+                            <a:rPr lang="en-GB" i="1">
+                              <a:latin typeface="Cambria Math" panose="02040503050406030204" pitchFamily="18" charset="0"/>
+                              <a:ea typeface="Cambria Math" panose="02040503050406030204" pitchFamily="18" charset="0"/>
+                              <a:cs typeface="Times New Roman" panose="02020603050405020304" pitchFamily="18" charset="0"/>
+                            </a:rPr>
+                          </m:ctrlPr>
+                        </m:fPr>
+                        <m:num>
+                          <m:r>
+                            <a:rPr lang="en-GB" i="1">
+                              <a:latin typeface="Cambria Math" panose="02040503050406030204" pitchFamily="18" charset="0"/>
+                              <a:ea typeface="Cambria Math" panose="02040503050406030204" pitchFamily="18" charset="0"/>
+                              <a:cs typeface="Times New Roman" panose="02020603050405020304" pitchFamily="18" charset="0"/>
+                            </a:rPr>
+                            <m:t>1</m:t>
+                          </m:r>
+                        </m:num>
+                        <m:den>
+                          <m:r>
+                            <a:rPr lang="en-GB" b="0" i="1" smtClean="0">
+                              <a:latin typeface="Cambria Math" panose="02040503050406030204" pitchFamily="18" charset="0"/>
+                              <a:ea typeface="Cambria Math" panose="02040503050406030204" pitchFamily="18" charset="0"/>
+                              <a:cs typeface="Times New Roman" panose="02020603050405020304" pitchFamily="18" charset="0"/>
+                            </a:rPr>
+                            <m:t>4</m:t>
+                          </m:r>
+                        </m:den>
+                      </m:f>
+                      <m:d>
+                        <m:dPr>
+                          <m:ctrlPr>
+                            <a:rPr lang="en-GB" b="0" i="1" smtClean="0">
+                              <a:latin typeface="Cambria Math" panose="02040503050406030204" pitchFamily="18" charset="0"/>
+                              <a:ea typeface="Cambria Math" panose="02040503050406030204" pitchFamily="18" charset="0"/>
+                              <a:cs typeface="Times New Roman" panose="02020603050405020304" pitchFamily="18" charset="0"/>
+                            </a:rPr>
+                          </m:ctrlPr>
+                        </m:dPr>
+                        <m:e>
+                          <m:r>
+                            <a:rPr lang="en-GB" b="0" i="1" smtClean="0">
+                              <a:latin typeface="Cambria Math" panose="02040503050406030204" pitchFamily="18" charset="0"/>
+                              <a:ea typeface="Cambria Math" panose="02040503050406030204" pitchFamily="18" charset="0"/>
+                              <a:cs typeface="Times New Roman" panose="02020603050405020304" pitchFamily="18" charset="0"/>
+                            </a:rPr>
+                            <m:t>−4</m:t>
+                          </m:r>
+                        </m:e>
+                      </m:d>
+                      <m:r>
+                        <a:rPr lang="en-GB" b="0" i="1" smtClean="0">
+                          <a:latin typeface="Cambria Math" panose="02040503050406030204" pitchFamily="18" charset="0"/>
+                          <a:ea typeface="Cambria Math" panose="02040503050406030204" pitchFamily="18" charset="0"/>
+                          <a:cs typeface="Times New Roman" panose="02020603050405020304" pitchFamily="18" charset="0"/>
+                        </a:rPr>
+                        <m:t>+</m:t>
+                      </m:r>
+                      <m:f>
+                        <m:fPr>
+                          <m:ctrlPr>
+                            <a:rPr lang="en-GB" i="1">
+                              <a:latin typeface="Cambria Math" panose="02040503050406030204" pitchFamily="18" charset="0"/>
+                              <a:ea typeface="Cambria Math" panose="02040503050406030204" pitchFamily="18" charset="0"/>
+                              <a:cs typeface="Times New Roman" panose="02020603050405020304" pitchFamily="18" charset="0"/>
+                            </a:rPr>
+                          </m:ctrlPr>
+                        </m:fPr>
+                        <m:num>
+                          <m:r>
+                            <a:rPr lang="en-GB" i="1">
+                              <a:latin typeface="Cambria Math" panose="02040503050406030204" pitchFamily="18" charset="0"/>
+                              <a:ea typeface="Cambria Math" panose="02040503050406030204" pitchFamily="18" charset="0"/>
+                              <a:cs typeface="Times New Roman" panose="02020603050405020304" pitchFamily="18" charset="0"/>
+                            </a:rPr>
+                            <m:t>1</m:t>
+                          </m:r>
+                        </m:num>
+                        <m:den>
+                          <m:r>
+                            <a:rPr lang="en-GB" b="0" i="1" smtClean="0">
+                              <a:latin typeface="Cambria Math" panose="02040503050406030204" pitchFamily="18" charset="0"/>
+                              <a:ea typeface="Cambria Math" panose="02040503050406030204" pitchFamily="18" charset="0"/>
+                              <a:cs typeface="Times New Roman" panose="02020603050405020304" pitchFamily="18" charset="0"/>
+                            </a:rPr>
+                            <m:t>8</m:t>
+                          </m:r>
+                        </m:den>
+                      </m:f>
+                      <m:d>
+                        <m:dPr>
+                          <m:ctrlPr>
+                            <a:rPr lang="en-GB" b="0" i="1" smtClean="0">
+                              <a:latin typeface="Cambria Math" panose="02040503050406030204" pitchFamily="18" charset="0"/>
+                              <a:ea typeface="Cambria Math" panose="02040503050406030204" pitchFamily="18" charset="0"/>
+                              <a:cs typeface="Times New Roman" panose="02020603050405020304" pitchFamily="18" charset="0"/>
+                            </a:rPr>
+                          </m:ctrlPr>
+                        </m:dPr>
+                        <m:e>
+                          <m:r>
+                            <a:rPr lang="en-GB" b="0" i="1" smtClean="0">
+                              <a:latin typeface="Cambria Math" panose="02040503050406030204" pitchFamily="18" charset="0"/>
+                              <a:ea typeface="Cambria Math" panose="02040503050406030204" pitchFamily="18" charset="0"/>
+                              <a:cs typeface="Times New Roman" panose="02020603050405020304" pitchFamily="18" charset="0"/>
+                            </a:rPr>
+                            <m:t>−8</m:t>
+                          </m:r>
+                        </m:e>
+                      </m:d>
+                      <m:r>
+                        <a:rPr lang="en-GB" b="0" i="1" smtClean="0">
+                          <a:latin typeface="Cambria Math" panose="02040503050406030204" pitchFamily="18" charset="0"/>
+                          <a:ea typeface="Cambria Math" panose="02040503050406030204" pitchFamily="18" charset="0"/>
+                          <a:cs typeface="Times New Roman" panose="02020603050405020304" pitchFamily="18" charset="0"/>
+                        </a:rPr>
+                        <m:t>+…=−∞</m:t>
+                      </m:r>
+                    </m:oMath>
+                  </m:oMathPara>
+                </a14:m>
+                <a:endParaRPr lang="en-GB" dirty="0">
+                  <a:latin typeface="Candara" panose="020E0502030303020204" pitchFamily="34" charset="0"/>
+                  <a:cs typeface="Times New Roman" panose="02020603050405020304" pitchFamily="18" charset="0"/>
+                </a:endParaRPr>
+              </a:p>
+              <a:p>
+                <a:pPr>
+                  <a:lnSpc>
+                    <a:spcPct val="100000"/>
+                  </a:lnSpc>
+                  <a:spcBef>
+                    <a:spcPts val="0"/>
+                  </a:spcBef>
+                </a:pPr>
+                <a:r>
+                  <a:rPr lang="en-GB" dirty="0">
+                    <a:latin typeface="Candara" panose="020E0502030303020204" pitchFamily="34" charset="0"/>
+                    <a:cs typeface="Times New Roman" panose="02020603050405020304" pitchFamily="18" charset="0"/>
+                  </a:rPr>
+                  <a:t>The Dismal Theorem is the dual of the St Petersburg Paradox!</a:t>
+                </a:r>
+              </a:p>
+            </p:txBody>
+          </p:sp>
+        </mc:Choice>
+        <mc:Fallback xmlns="">
+          <p:sp>
+            <p:nvSpPr>
+              <p:cNvPr id="3" name="Content Placeholder 2"/>
+              <p:cNvSpPr>
+                <a:spLocks noGrp="1" noRot="1" noChangeAspect="1" noMove="1" noResize="1" noEditPoints="1" noAdjustHandles="1" noChangeArrowheads="1" noChangeShapeType="1" noTextEdit="1"/>
+              </p:cNvSpPr>
+              <p:nvPr>
+                <p:ph idx="1"/>
+              </p:nvPr>
+            </p:nvSpPr>
+            <p:spPr>
+              <a:xfrm>
+                <a:off x="392640" y="1079036"/>
+                <a:ext cx="8358720" cy="5166488"/>
+              </a:xfrm>
+              <a:blipFill>
+                <a:blip r:embed="rId3"/>
+                <a:stretch>
+                  <a:fillRect l="-1749" t="-3184" r="-1166" b="-2594"/>
+                </a:stretch>
+              </a:blipFill>
+            </p:spPr>
+            <p:txBody>
+              <a:bodyPr/>
+              <a:lstStyle/>
+              <a:p>
+                <a:r>
+                  <a:rPr lang="en-GB">
+                    <a:noFill/>
+                  </a:rPr>
+                  <a:t> </a:t>
+                </a:r>
+              </a:p>
+            </p:txBody>
+          </p:sp>
+        </mc:Fallback>
+      </mc:AlternateContent>
+      <p:pic>
+        <p:nvPicPr>
+          <p:cNvPr id="9" name="Picture 8">
+            <a:extLst>
+              <a:ext uri="{FF2B5EF4-FFF2-40B4-BE49-F238E27FC236}">
+                <a16:creationId xmlns:a16="http://schemas.microsoft.com/office/drawing/2014/main" id="{2A0021B9-B4AA-4DA8-87ED-56E3AFB7C073}"/>
+              </a:ext>
+            </a:extLst>
+          </p:cNvPr>
+          <p:cNvPicPr>
+            <a:picLocks noChangeAspect="1"/>
+          </p:cNvPicPr>
+          <p:nvPr/>
+        </p:nvPicPr>
+        <p:blipFill>
+          <a:blip r:embed="rId4">
+            <a:extLst>
+              <a:ext uri="{28A0092B-C50C-407E-A947-70E740481C1C}">
+                <a14:useLocalDpi xmlns:a14="http://schemas.microsoft.com/office/drawing/2010/main" val="0"/>
+              </a:ext>
+            </a:extLst>
+          </a:blip>
+          <a:stretch>
+            <a:fillRect/>
+          </a:stretch>
+        </p:blipFill>
+        <p:spPr>
+          <a:xfrm>
+            <a:off x="8001000" y="5189989"/>
+            <a:ext cx="1228725" cy="1668011"/>
+          </a:xfrm>
+          <a:prstGeom prst="rect">
+            <a:avLst/>
+          </a:prstGeom>
+        </p:spPr>
+      </p:pic>
+    </p:spTree>
+    <p:extLst>
+      <p:ext uri="{BB962C8B-B14F-4D97-AF65-F5344CB8AC3E}">
+        <p14:creationId xmlns:p14="http://schemas.microsoft.com/office/powerpoint/2010/main" val="4196505768"/>
+      </p:ext>
+    </p:extLst>
+  </p:cSld>
+  <p:clrMapOvr>
+    <a:masterClrMapping/>
+  </p:clrMapOvr>
+</p:sld>
+</file>
+
+<file path=ppt/slides/slide46.xml><?xml version="1.0" encoding="utf-8"?>
+<p:sld xmlns:a="http://schemas.openxmlformats.org/drawingml/2006/main" xmlns:r="http://schemas.openxmlformats.org/officeDocument/2006/relationships" xmlns:p="http://schemas.openxmlformats.org/presentationml/2006/main" showMasterPhAnim="0">
+  <p:cSld>
+    <p:spTree>
+      <p:nvGrpSpPr>
+        <p:cNvPr id="1" name=""/>
+        <p:cNvGrpSpPr/>
+        <p:nvPr/>
+      </p:nvGrpSpPr>
+      <p:grpSpPr>
+        <a:xfrm>
+          <a:off x="0" y="0"/>
+          <a:ext cx="0" cy="0"/>
+          <a:chOff x="0" y="0"/>
+          <a:chExt cx="0" cy="0"/>
+        </a:xfrm>
+      </p:grpSpPr>
+      <p:sp>
+        <p:nvSpPr>
+          <p:cNvPr id="8194" name="Rectangle 3"/>
+          <p:cNvSpPr>
+            <a:spLocks noGrp="1" noChangeArrowheads="1"/>
+          </p:cNvSpPr>
+          <p:nvPr>
+            <p:ph type="title"/>
+          </p:nvPr>
+        </p:nvSpPr>
+        <p:spPr>
+          <a:xfrm>
+            <a:off x="685800" y="76200"/>
+            <a:ext cx="7772400" cy="1066800"/>
+          </a:xfrm>
+        </p:spPr>
+        <p:txBody>
+          <a:bodyPr/>
+          <a:lstStyle/>
+          <a:p>
+            <a:r>
+              <a:rPr lang="en-GB" sz="3600" dirty="0">
+                <a:latin typeface="Candara" panose="020E0502030303020204" pitchFamily="34" charset="0"/>
+              </a:rPr>
+              <a:t>Dismal Theorem</a:t>
+            </a:r>
+          </a:p>
+        </p:txBody>
+      </p:sp>
+      <p:sp>
+        <p:nvSpPr>
+          <p:cNvPr id="8195" name="Rectangle 4"/>
+          <p:cNvSpPr>
+            <a:spLocks noGrp="1" noChangeArrowheads="1"/>
+          </p:cNvSpPr>
+          <p:nvPr>
+            <p:ph type="body" idx="1"/>
+          </p:nvPr>
+        </p:nvSpPr>
+        <p:spPr>
+          <a:xfrm>
+            <a:off x="685800" y="990600"/>
+            <a:ext cx="7772400" cy="5105400"/>
+          </a:xfrm>
+        </p:spPr>
+        <p:txBody>
+          <a:bodyPr/>
+          <a:lstStyle/>
+          <a:p>
+            <a:pPr>
+              <a:lnSpc>
+                <a:spcPct val="100000"/>
+              </a:lnSpc>
+              <a:spcBef>
+                <a:spcPts val="0"/>
+              </a:spcBef>
+            </a:pPr>
+            <a:r>
+              <a:rPr lang="en-GB" sz="2800" dirty="0">
+                <a:latin typeface="Candara" panose="020E0502030303020204" pitchFamily="34" charset="0"/>
+              </a:rPr>
+              <a:t>Regardless of the derivation, the Dismal Theorem says that </a:t>
+            </a:r>
+          </a:p>
+          <a:p>
+            <a:pPr lvl="1">
+              <a:spcBef>
+                <a:spcPts val="0"/>
+              </a:spcBef>
+            </a:pPr>
+            <a:r>
+              <a:rPr lang="en-GB" dirty="0">
+                <a:latin typeface="Candara" panose="020E0502030303020204" pitchFamily="34" charset="0"/>
+              </a:rPr>
+              <a:t>Expected net present welfare is unbounded</a:t>
+            </a:r>
+          </a:p>
+          <a:p>
+            <a:pPr lvl="1">
+              <a:spcBef>
+                <a:spcPts val="0"/>
+              </a:spcBef>
+            </a:pPr>
+            <a:r>
+              <a:rPr lang="en-GB" sz="2800" dirty="0">
+                <a:latin typeface="Candara" panose="020E0502030303020204" pitchFamily="34" charset="0"/>
+              </a:rPr>
+              <a:t>The Pigou tax is arbitrarily large</a:t>
+            </a:r>
+          </a:p>
+        </p:txBody>
+      </p:sp>
+      <p:sp>
+        <p:nvSpPr>
+          <p:cNvPr id="8196" name="Rectangle 6"/>
+          <p:cNvSpPr>
+            <a:spLocks noChangeArrowheads="1"/>
+          </p:cNvSpPr>
+          <p:nvPr/>
+        </p:nvSpPr>
+        <p:spPr bwMode="auto">
+          <a:xfrm>
+            <a:off x="0" y="0"/>
+            <a:ext cx="9144000" cy="0"/>
+          </a:xfrm>
+          <a:prstGeom prst="rect">
+            <a:avLst/>
+          </a:prstGeom>
+          <a:noFill/>
+          <a:ln w="9525">
+            <a:noFill/>
+            <a:miter lim="800000"/>
+            <a:headEnd/>
+            <a:tailEnd/>
+          </a:ln>
+        </p:spPr>
+        <p:txBody>
+          <a:bodyPr wrap="none" anchor="ctr">
+            <a:spAutoFit/>
+          </a:bodyPr>
+          <a:lstStyle/>
+          <a:p>
+            <a:endParaRPr lang="en-US"/>
+          </a:p>
+        </p:txBody>
+      </p:sp>
+      <p:pic>
+        <p:nvPicPr>
+          <p:cNvPr id="3" name="Picture 2">
+            <a:extLst>
+              <a:ext uri="{FF2B5EF4-FFF2-40B4-BE49-F238E27FC236}">
+                <a16:creationId xmlns:a16="http://schemas.microsoft.com/office/drawing/2014/main" id="{46D62C4E-1423-4E43-AA6E-7D910495F60A}"/>
+              </a:ext>
+            </a:extLst>
+          </p:cNvPr>
+          <p:cNvPicPr>
+            <a:picLocks noChangeAspect="1"/>
+          </p:cNvPicPr>
+          <p:nvPr/>
+        </p:nvPicPr>
+        <p:blipFill>
+          <a:blip r:embed="rId3">
+            <a:extLst>
+              <a:ext uri="{28A0092B-C50C-407E-A947-70E740481C1C}">
+                <a14:useLocalDpi xmlns:a14="http://schemas.microsoft.com/office/drawing/2010/main" val="0"/>
+              </a:ext>
+            </a:extLst>
+          </a:blip>
+          <a:stretch>
+            <a:fillRect/>
+          </a:stretch>
+        </p:blipFill>
+        <p:spPr>
+          <a:xfrm>
+            <a:off x="7670800" y="4648200"/>
+            <a:ext cx="1473199" cy="2209799"/>
+          </a:xfrm>
+          <a:prstGeom prst="rect">
+            <a:avLst/>
+          </a:prstGeom>
+        </p:spPr>
+      </p:pic>
+    </p:spTree>
+    <p:extLst>
+      <p:ext uri="{BB962C8B-B14F-4D97-AF65-F5344CB8AC3E}">
+        <p14:creationId xmlns:p14="http://schemas.microsoft.com/office/powerpoint/2010/main" val="2226211969"/>
+      </p:ext>
+    </p:extLst>
+  </p:cSld>
+  <p:clrMapOvr>
+    <a:masterClrMapping/>
+  </p:clrMapOvr>
+</p:sld>
+</file>
+
+<file path=ppt/slides/slide47.xml><?xml version="1.0" encoding="utf-8"?>
+<p:sld xmlns:a="http://schemas.openxmlformats.org/drawingml/2006/main" xmlns:r="http://schemas.openxmlformats.org/officeDocument/2006/relationships" xmlns:p="http://schemas.openxmlformats.org/presentationml/2006/main" showMasterPhAnim="0">
+  <p:cSld>
+    <p:spTree>
+      <p:nvGrpSpPr>
+        <p:cNvPr id="1" name=""/>
+        <p:cNvGrpSpPr/>
+        <p:nvPr/>
+      </p:nvGrpSpPr>
+      <p:grpSpPr>
+        <a:xfrm>
+          <a:off x="0" y="0"/>
+          <a:ext cx="0" cy="0"/>
+          <a:chOff x="0" y="0"/>
+          <a:chExt cx="0" cy="0"/>
+        </a:xfrm>
+      </p:grpSpPr>
+      <p:sp>
+        <p:nvSpPr>
+          <p:cNvPr id="9218" name="Rectangle 3"/>
+          <p:cNvSpPr>
+            <a:spLocks noGrp="1" noChangeArrowheads="1"/>
+          </p:cNvSpPr>
+          <p:nvPr>
+            <p:ph type="title"/>
+          </p:nvPr>
+        </p:nvSpPr>
+        <p:spPr>
+          <a:xfrm>
+            <a:off x="685800" y="76200"/>
+            <a:ext cx="7772400" cy="1066800"/>
+          </a:xfrm>
+        </p:spPr>
+        <p:txBody>
+          <a:bodyPr/>
+          <a:lstStyle/>
+          <a:p>
+            <a:r>
+              <a:rPr lang="en-GB" sz="3600" dirty="0">
+                <a:latin typeface="Candara" panose="020E0502030303020204" pitchFamily="34" charset="0"/>
+              </a:rPr>
+              <a:t>Policy Implications</a:t>
+            </a:r>
+          </a:p>
+        </p:txBody>
+      </p:sp>
+      <p:sp>
+        <p:nvSpPr>
+          <p:cNvPr id="9219" name="Rectangle 4"/>
+          <p:cNvSpPr>
+            <a:spLocks noGrp="1" noChangeArrowheads="1"/>
+          </p:cNvSpPr>
+          <p:nvPr>
+            <p:ph type="body" idx="1"/>
+          </p:nvPr>
+        </p:nvSpPr>
+        <p:spPr>
+          <a:xfrm>
+            <a:off x="685800" y="990600"/>
+            <a:ext cx="7772400" cy="5105400"/>
+          </a:xfrm>
+        </p:spPr>
+        <p:txBody>
+          <a:bodyPr/>
+          <a:lstStyle/>
+          <a:p>
+            <a:r>
+              <a:rPr lang="en-GB" sz="2800" dirty="0">
+                <a:latin typeface="Candara" panose="020E0502030303020204" pitchFamily="34" charset="0"/>
+              </a:rPr>
+              <a:t>Some see the Dismal Theorem as a formalisation of the Precautionary Principle, others as a justification of stringent climate policy</a:t>
+            </a:r>
+          </a:p>
+          <a:p>
+            <a:r>
+              <a:rPr lang="en-GB" sz="2800" dirty="0">
+                <a:latin typeface="Candara" panose="020E0502030303020204" pitchFamily="34" charset="0"/>
+              </a:rPr>
+              <a:t>That’s not true: The Dismal Theorem only says that you cannot use cost-benefit analysis in certain circumstances</a:t>
+            </a:r>
+          </a:p>
+          <a:p>
+            <a:r>
+              <a:rPr lang="en-GB" sz="2800" dirty="0">
+                <a:latin typeface="Candara" panose="020E0502030303020204" pitchFamily="34" charset="0"/>
+              </a:rPr>
+              <a:t>Weitzman does not indicate what to do instead</a:t>
+            </a:r>
+          </a:p>
+          <a:p>
+            <a:r>
+              <a:rPr lang="en-GB" sz="2800" dirty="0">
+                <a:latin typeface="Candara" panose="020E0502030303020204" pitchFamily="34" charset="0"/>
+              </a:rPr>
+              <a:t>Fossil fuels are an essential input in the short run, so an arbitrarily large carbon tax would do a lot of harm</a:t>
+            </a:r>
+          </a:p>
+        </p:txBody>
+      </p:sp>
+      <p:sp>
+        <p:nvSpPr>
+          <p:cNvPr id="9220" name="Rectangle 6"/>
+          <p:cNvSpPr>
+            <a:spLocks noChangeArrowheads="1"/>
+          </p:cNvSpPr>
+          <p:nvPr/>
+        </p:nvSpPr>
+        <p:spPr bwMode="auto">
+          <a:xfrm>
+            <a:off x="0" y="0"/>
+            <a:ext cx="9144000" cy="0"/>
+          </a:xfrm>
+          <a:prstGeom prst="rect">
+            <a:avLst/>
+          </a:prstGeom>
+          <a:noFill/>
+          <a:ln w="9525">
+            <a:noFill/>
+            <a:miter lim="800000"/>
+            <a:headEnd/>
+            <a:tailEnd/>
+          </a:ln>
+        </p:spPr>
+        <p:txBody>
+          <a:bodyPr wrap="none" anchor="ctr">
+            <a:spAutoFit/>
+          </a:bodyPr>
+          <a:lstStyle/>
+          <a:p>
+            <a:endParaRPr lang="en-US"/>
+          </a:p>
+        </p:txBody>
+      </p:sp>
+    </p:spTree>
+  </p:cSld>
+  <p:clrMapOvr>
+    <a:masterClrMapping/>
+  </p:clrMapOvr>
+</p:sld>
+</file>
+
+<file path=ppt/slides/slide48.xml><?xml version="1.0" encoding="utf-8"?>
+<p:sld xmlns:a="http://schemas.openxmlformats.org/drawingml/2006/main" xmlns:r="http://schemas.openxmlformats.org/officeDocument/2006/relationships" xmlns:p="http://schemas.openxmlformats.org/presentationml/2006/main" showMasterPhAnim="0">
+  <p:cSld>
+    <p:spTree>
+      <p:nvGrpSpPr>
+        <p:cNvPr id="1" name=""/>
+        <p:cNvGrpSpPr/>
+        <p:nvPr/>
+      </p:nvGrpSpPr>
+      <p:grpSpPr>
+        <a:xfrm>
+          <a:off x="0" y="0"/>
+          <a:ext cx="0" cy="0"/>
+          <a:chOff x="0" y="0"/>
+          <a:chExt cx="0" cy="0"/>
+        </a:xfrm>
+      </p:grpSpPr>
+      <p:sp>
+        <p:nvSpPr>
+          <p:cNvPr id="1027" name="Rectangle 3"/>
+          <p:cNvSpPr>
+            <a:spLocks noGrp="1" noChangeArrowheads="1"/>
+          </p:cNvSpPr>
+          <p:nvPr>
+            <p:ph type="title"/>
+          </p:nvPr>
+        </p:nvSpPr>
+        <p:spPr>
+          <a:xfrm>
+            <a:off x="685800" y="76200"/>
+            <a:ext cx="7772400" cy="1066800"/>
+          </a:xfrm>
+        </p:spPr>
+        <p:txBody>
+          <a:bodyPr/>
+          <a:lstStyle/>
+          <a:p>
+            <a:r>
+              <a:rPr lang="en-GB" sz="3600" dirty="0" err="1">
+                <a:latin typeface="Candara" panose="020E0502030303020204" pitchFamily="34" charset="0"/>
+              </a:rPr>
+              <a:t>Minipercentile</a:t>
+            </a:r>
+            <a:r>
+              <a:rPr lang="en-GB" sz="3600" dirty="0">
+                <a:latin typeface="Candara" panose="020E0502030303020204" pitchFamily="34" charset="0"/>
+              </a:rPr>
+              <a:t> Regret</a:t>
+            </a:r>
+          </a:p>
+        </p:txBody>
+      </p:sp>
+      <p:sp>
+        <p:nvSpPr>
+          <p:cNvPr id="1028" name="Rectangle 4"/>
+          <p:cNvSpPr>
+            <a:spLocks noGrp="1" noChangeArrowheads="1"/>
+          </p:cNvSpPr>
+          <p:nvPr>
+            <p:ph type="body" idx="1"/>
+          </p:nvPr>
+        </p:nvSpPr>
+        <p:spPr>
+          <a:xfrm>
+            <a:off x="685800" y="990600"/>
+            <a:ext cx="7772400" cy="5105400"/>
+          </a:xfrm>
+        </p:spPr>
+        <p:txBody>
+          <a:bodyPr/>
+          <a:lstStyle/>
+          <a:p>
+            <a:r>
+              <a:rPr lang="en-GB" sz="2800" dirty="0">
+                <a:latin typeface="Candara" panose="020E0502030303020204" pitchFamily="34" charset="0"/>
+              </a:rPr>
+              <a:t>Minimax regret is a standard decision criterion in case of large uncertainty</a:t>
+            </a:r>
+          </a:p>
+          <a:p>
+            <a:r>
+              <a:rPr lang="en-GB" sz="2800" dirty="0">
+                <a:latin typeface="Candara" panose="020E0502030303020204" pitchFamily="34" charset="0"/>
+              </a:rPr>
+              <a:t>For every state of the world, find the optimum tax</a:t>
+            </a:r>
+          </a:p>
+          <a:p>
+            <a:r>
+              <a:rPr lang="en-GB" sz="2800" dirty="0">
+                <a:latin typeface="Candara" panose="020E0502030303020204" pitchFamily="34" charset="0"/>
+              </a:rPr>
+              <a:t>For every tax in each state of the world, calculate the welfare difference from the optimum</a:t>
+            </a:r>
+          </a:p>
+          <a:p>
+            <a:r>
+              <a:rPr lang="en-GB" sz="2800" dirty="0">
+                <a:latin typeface="Candara" panose="020E0502030303020204" pitchFamily="34" charset="0"/>
+              </a:rPr>
+              <a:t>Across states of the world, find the tax that minimises regret</a:t>
+            </a:r>
+          </a:p>
+          <a:p>
+            <a:r>
+              <a:rPr lang="en-GB" sz="2800" dirty="0">
+                <a:latin typeface="Candara" panose="020E0502030303020204" pitchFamily="34" charset="0"/>
+              </a:rPr>
+              <a:t>As continuous probability, we here use percentiles rather than the maximum</a:t>
+            </a:r>
+          </a:p>
+        </p:txBody>
+      </p:sp>
+      <p:sp>
+        <p:nvSpPr>
+          <p:cNvPr id="1029" name="Rectangle 6"/>
+          <p:cNvSpPr>
+            <a:spLocks noChangeArrowheads="1"/>
+          </p:cNvSpPr>
+          <p:nvPr/>
+        </p:nvSpPr>
+        <p:spPr bwMode="auto">
+          <a:xfrm>
+            <a:off x="0" y="0"/>
+            <a:ext cx="9144000" cy="0"/>
+          </a:xfrm>
+          <a:prstGeom prst="rect">
+            <a:avLst/>
+          </a:prstGeom>
+          <a:noFill/>
+          <a:ln w="9525">
+            <a:noFill/>
+            <a:miter lim="800000"/>
+            <a:headEnd/>
+            <a:tailEnd/>
+          </a:ln>
+        </p:spPr>
+        <p:txBody>
+          <a:bodyPr wrap="none" anchor="ctr">
+            <a:spAutoFit/>
+          </a:bodyPr>
+          <a:lstStyle/>
+          <a:p>
+            <a:endParaRPr lang="en-US"/>
+          </a:p>
+        </p:txBody>
+      </p:sp>
+      <p:pic>
+        <p:nvPicPr>
+          <p:cNvPr id="3" name="Picture 2">
+            <a:extLst>
+              <a:ext uri="{FF2B5EF4-FFF2-40B4-BE49-F238E27FC236}">
+                <a16:creationId xmlns:a16="http://schemas.microsoft.com/office/drawing/2014/main" id="{2BF0F478-5816-421C-827D-3FECA78CF412}"/>
+              </a:ext>
+            </a:extLst>
+          </p:cNvPr>
+          <p:cNvPicPr>
+            <a:picLocks noChangeAspect="1"/>
+          </p:cNvPicPr>
+          <p:nvPr/>
+        </p:nvPicPr>
+        <p:blipFill>
+          <a:blip r:embed="rId3" cstate="print">
+            <a:extLst>
+              <a:ext uri="{28A0092B-C50C-407E-A947-70E740481C1C}">
+                <a14:useLocalDpi xmlns:a14="http://schemas.microsoft.com/office/drawing/2010/main" val="0"/>
+              </a:ext>
+            </a:extLst>
+          </a:blip>
+          <a:stretch>
+            <a:fillRect/>
+          </a:stretch>
+        </p:blipFill>
+        <p:spPr>
+          <a:xfrm>
+            <a:off x="7620000" y="4706471"/>
+            <a:ext cx="1524000" cy="2151529"/>
+          </a:xfrm>
+          <a:prstGeom prst="rect">
+            <a:avLst/>
+          </a:prstGeom>
+        </p:spPr>
+      </p:pic>
+    </p:spTree>
+  </p:cSld>
+  <p:clrMapOvr>
+    <a:masterClrMapping/>
+  </p:clrMapOvr>
+</p:sld>
+</file>
+
+<file path=ppt/slides/slide49.xml><?xml version="1.0" encoding="utf-8"?>
+<p:sld xmlns:a="http://schemas.openxmlformats.org/drawingml/2006/main" xmlns:r="http://schemas.openxmlformats.org/officeDocument/2006/relationships" xmlns:p="http://schemas.openxmlformats.org/presentationml/2006/main">
+  <p:cSld>
+    <p:spTree>
+      <p:nvGrpSpPr>
+        <p:cNvPr id="1" name=""/>
+        <p:cNvGrpSpPr/>
+        <p:nvPr/>
+      </p:nvGrpSpPr>
+      <p:grpSpPr>
+        <a:xfrm>
+          <a:off x="0" y="0"/>
+          <a:ext cx="0" cy="0"/>
+          <a:chOff x="0" y="0"/>
+          <a:chExt cx="0" cy="0"/>
+        </a:xfrm>
+      </p:grpSpPr>
+      <p:sp>
+        <p:nvSpPr>
+          <p:cNvPr id="10242" name="Text Box 2"/>
+          <p:cNvSpPr txBox="1">
+            <a:spLocks noChangeArrowheads="1"/>
+          </p:cNvSpPr>
+          <p:nvPr/>
+        </p:nvSpPr>
+        <p:spPr bwMode="auto">
+          <a:xfrm>
+            <a:off x="3111500" y="285750"/>
+            <a:ext cx="184150" cy="457200"/>
+          </a:xfrm>
+          <a:prstGeom prst="rect">
+            <a:avLst/>
+          </a:prstGeom>
+          <a:noFill/>
+          <a:ln w="9525">
+            <a:noFill/>
+            <a:miter lim="800000"/>
+            <a:headEnd/>
+            <a:tailEnd/>
+          </a:ln>
+        </p:spPr>
+        <p:txBody>
+          <a:bodyPr wrap="none">
+            <a:spAutoFit/>
+          </a:bodyPr>
+          <a:lstStyle/>
+          <a:p>
+            <a:endParaRPr lang="en-US"/>
+          </a:p>
+        </p:txBody>
+      </p:sp>
+      <p:pic>
+        <p:nvPicPr>
+          <p:cNvPr id="10243" name="Picture 2"/>
+          <p:cNvPicPr>
+            <a:picLocks noChangeAspect="1" noChangeArrowheads="1"/>
+          </p:cNvPicPr>
+          <p:nvPr/>
+        </p:nvPicPr>
+        <p:blipFill>
+          <a:blip r:embed="rId3" cstate="print"/>
+          <a:srcRect/>
+          <a:stretch>
+            <a:fillRect/>
+          </a:stretch>
+        </p:blipFill>
+        <p:spPr bwMode="auto">
+          <a:xfrm>
+            <a:off x="0" y="0"/>
+            <a:ext cx="9144000" cy="6638925"/>
+          </a:xfrm>
+          <a:prstGeom prst="rect">
+            <a:avLst/>
+          </a:prstGeom>
+          <a:noFill/>
+          <a:ln w="9525">
+            <a:noFill/>
+            <a:miter lim="800000"/>
+            <a:headEnd/>
+            <a:tailEnd/>
+          </a:ln>
+        </p:spPr>
+      </p:pic>
+    </p:spTree>
+  </p:cSld>
+  <p:clrMapOvr>
+    <a:masterClrMapping/>
+  </p:clrMapOvr>
+</p:sld>
+</file>
+
+<file path=ppt/slides/slide5.xml><?xml version="1.0" encoding="utf-8"?>
+<p:sld xmlns:a="http://schemas.openxmlformats.org/drawingml/2006/main" xmlns:r="http://schemas.openxmlformats.org/officeDocument/2006/relationships" xmlns:p="http://schemas.openxmlformats.org/presentationml/2006/main">
+  <p:cSld>
+    <p:spTree>
+      <p:nvGrpSpPr>
+        <p:cNvPr id="1" name=""/>
+        <p:cNvGrpSpPr/>
+        <p:nvPr/>
+      </p:nvGrpSpPr>
+      <p:grpSpPr>
+        <a:xfrm>
+          <a:off x="0" y="0"/>
+          <a:ext cx="0" cy="0"/>
+          <a:chOff x="0" y="0"/>
+          <a:chExt cx="0" cy="0"/>
+        </a:xfrm>
+      </p:grpSpPr>
+      <p:sp>
+        <p:nvSpPr>
+          <p:cNvPr id="8194" name="Rectangle 2"/>
+          <p:cNvSpPr>
+            <a:spLocks noGrp="1" noChangeArrowheads="1"/>
+          </p:cNvSpPr>
+          <p:nvPr>
+            <p:ph type="title"/>
+          </p:nvPr>
+        </p:nvSpPr>
+        <p:spPr>
+          <a:xfrm>
+            <a:off x="685800" y="0"/>
+            <a:ext cx="7772400" cy="1143000"/>
+          </a:xfrm>
+        </p:spPr>
+        <p:txBody>
+          <a:bodyPr/>
+          <a:lstStyle/>
+          <a:p>
+            <a:pPr eaLnBrk="1" hangingPunct="1"/>
+            <a:r>
+              <a:rPr lang="de-DE" sz="3600" dirty="0">
+                <a:latin typeface="Candara" panose="020E0502030303020204" pitchFamily="34" charset="0"/>
+              </a:rPr>
+              <a:t>Optimal emission reduction</a:t>
+            </a:r>
+            <a:endParaRPr lang="en-GB" sz="3600" dirty="0">
+              <a:latin typeface="Candara" panose="020E0502030303020204" pitchFamily="34" charset="0"/>
+            </a:endParaRPr>
+          </a:p>
+        </p:txBody>
+      </p:sp>
+      <p:sp>
+        <p:nvSpPr>
+          <p:cNvPr id="8195" name="Rectangle 3"/>
+          <p:cNvSpPr>
+            <a:spLocks noGrp="1" noChangeArrowheads="1"/>
+          </p:cNvSpPr>
+          <p:nvPr>
+            <p:ph type="body" idx="1"/>
+          </p:nvPr>
+        </p:nvSpPr>
+        <p:spPr>
+          <a:xfrm>
+            <a:off x="685800" y="1066800"/>
+            <a:ext cx="7772400" cy="4114800"/>
+          </a:xfrm>
+        </p:spPr>
+        <p:txBody>
+          <a:bodyPr/>
+          <a:lstStyle/>
+          <a:p>
+            <a:pPr eaLnBrk="1" hangingPunct="1">
+              <a:lnSpc>
+                <a:spcPct val="90000"/>
+              </a:lnSpc>
+            </a:pPr>
+            <a:r>
+              <a:rPr lang="de-DE" sz="2800" dirty="0">
+                <a:latin typeface="Candara" panose="020E0502030303020204" pitchFamily="34" charset="0"/>
+              </a:rPr>
+              <a:t>Climate change is long-term, global, uncertain problem</a:t>
+            </a:r>
+          </a:p>
+          <a:p>
+            <a:pPr eaLnBrk="1" hangingPunct="1">
+              <a:lnSpc>
+                <a:spcPct val="90000"/>
+              </a:lnSpc>
+            </a:pPr>
+            <a:r>
+              <a:rPr lang="de-DE" sz="2800" dirty="0">
+                <a:latin typeface="Candara" panose="020E0502030303020204" pitchFamily="34" charset="0"/>
+              </a:rPr>
+              <a:t>If you do not care about the </a:t>
+            </a:r>
+            <a:r>
+              <a:rPr lang="de-DE" sz="2800" b="1" dirty="0">
+                <a:latin typeface="Candara" panose="020E0502030303020204" pitchFamily="34" charset="0"/>
+              </a:rPr>
+              <a:t>distant future</a:t>
+            </a:r>
+            <a:r>
+              <a:rPr lang="de-DE" sz="2800" dirty="0">
+                <a:latin typeface="Candara" panose="020E0502030303020204" pitchFamily="34" charset="0"/>
+              </a:rPr>
+              <a:t>, far-away lands, remote probabilities, you do not care about climate change</a:t>
+            </a:r>
+          </a:p>
+          <a:p>
+            <a:pPr eaLnBrk="1" hangingPunct="1">
+              <a:lnSpc>
+                <a:spcPct val="90000"/>
+              </a:lnSpc>
+            </a:pPr>
+            <a:endParaRPr lang="de-DE" sz="2800" dirty="0">
+              <a:latin typeface="Comic Sans MS" pitchFamily="66" charset="0"/>
+            </a:endParaRPr>
+          </a:p>
+          <a:p>
+            <a:pPr eaLnBrk="1" hangingPunct="1">
+              <a:lnSpc>
+                <a:spcPct val="90000"/>
+              </a:lnSpc>
+            </a:pPr>
+            <a:endParaRPr lang="de-DE" sz="2800" dirty="0">
+              <a:latin typeface="Comic Sans MS" pitchFamily="66" charset="0"/>
+            </a:endParaRPr>
+          </a:p>
+          <a:p>
+            <a:pPr eaLnBrk="1" hangingPunct="1">
+              <a:lnSpc>
+                <a:spcPct val="90000"/>
+              </a:lnSpc>
+            </a:pPr>
+            <a:endParaRPr lang="de-DE" sz="2800" dirty="0">
+              <a:latin typeface="Comic Sans MS" pitchFamily="66" charset="0"/>
+            </a:endParaRPr>
+          </a:p>
+          <a:p>
+            <a:pPr eaLnBrk="1" hangingPunct="1">
+              <a:lnSpc>
+                <a:spcPct val="90000"/>
+              </a:lnSpc>
+            </a:pPr>
+            <a:endParaRPr lang="de-DE" sz="2800" dirty="0">
+              <a:latin typeface="Comic Sans MS" pitchFamily="66" charset="0"/>
+            </a:endParaRPr>
+          </a:p>
+          <a:p>
+            <a:pPr eaLnBrk="1" hangingPunct="1">
+              <a:lnSpc>
+                <a:spcPct val="90000"/>
+              </a:lnSpc>
+            </a:pPr>
+            <a:endParaRPr lang="en-GB" sz="2800" dirty="0">
+              <a:latin typeface="Comic Sans MS" pitchFamily="66" charset="0"/>
+            </a:endParaRPr>
+          </a:p>
+        </p:txBody>
+      </p:sp>
+    </p:spTree>
+    <p:extLst>
+      <p:ext uri="{BB962C8B-B14F-4D97-AF65-F5344CB8AC3E}">
+        <p14:creationId xmlns:p14="http://schemas.microsoft.com/office/powerpoint/2010/main" val="2104069551"/>
+      </p:ext>
+    </p:extLst>
+  </p:cSld>
+  <p:clrMapOvr>
+    <a:masterClrMapping/>
+  </p:clrMapOvr>
+</p:sld>
+</file>
+
+<file path=ppt/slides/slide50.xml><?xml version="1.0" encoding="utf-8"?>
+<p:sld xmlns:a="http://schemas.openxmlformats.org/drawingml/2006/main" xmlns:r="http://schemas.openxmlformats.org/officeDocument/2006/relationships" xmlns:p="http://schemas.openxmlformats.org/presentationml/2006/main" showMasterPhAnim="0">
+  <p:cSld>
+    <p:spTree>
+      <p:nvGrpSpPr>
+        <p:cNvPr id="1" name=""/>
+        <p:cNvGrpSpPr/>
+        <p:nvPr/>
+      </p:nvGrpSpPr>
+      <p:grpSpPr>
+        <a:xfrm>
+          <a:off x="0" y="0"/>
+          <a:ext cx="0" cy="0"/>
+          <a:chOff x="0" y="0"/>
+          <a:chExt cx="0" cy="0"/>
+        </a:xfrm>
+      </p:grpSpPr>
+      <p:sp>
+        <p:nvSpPr>
+          <p:cNvPr id="14338" name="Rectangle 3"/>
+          <p:cNvSpPr>
+            <a:spLocks noGrp="1" noChangeArrowheads="1"/>
+          </p:cNvSpPr>
+          <p:nvPr>
+            <p:ph type="title"/>
+          </p:nvPr>
+        </p:nvSpPr>
+        <p:spPr>
+          <a:xfrm>
+            <a:off x="685800" y="76200"/>
+            <a:ext cx="7772400" cy="1066800"/>
+          </a:xfrm>
+        </p:spPr>
+        <p:txBody>
+          <a:bodyPr/>
+          <a:lstStyle/>
+          <a:p>
+            <a:r>
+              <a:rPr lang="de-DE" sz="4000" dirty="0">
+                <a:latin typeface="Candara" panose="020E0502030303020204" pitchFamily="34" charset="0"/>
+              </a:rPr>
+              <a:t>Implications</a:t>
+            </a:r>
+            <a:endParaRPr lang="en-GB" sz="4000" dirty="0">
+              <a:latin typeface="Candara" panose="020E0502030303020204" pitchFamily="34" charset="0"/>
+            </a:endParaRPr>
+          </a:p>
+        </p:txBody>
+      </p:sp>
+      <p:sp>
+        <p:nvSpPr>
+          <p:cNvPr id="14339" name="Rectangle 4"/>
+          <p:cNvSpPr>
+            <a:spLocks noGrp="1" noChangeArrowheads="1"/>
+          </p:cNvSpPr>
+          <p:nvPr>
+            <p:ph type="body" idx="1"/>
+          </p:nvPr>
+        </p:nvSpPr>
+        <p:spPr>
+          <a:xfrm>
+            <a:off x="685800" y="1066800"/>
+            <a:ext cx="7772400" cy="5105400"/>
+          </a:xfrm>
+        </p:spPr>
+        <p:txBody>
+          <a:bodyPr/>
+          <a:lstStyle/>
+          <a:p>
+            <a:pPr>
+              <a:lnSpc>
+                <a:spcPct val="90000"/>
+              </a:lnSpc>
+            </a:pPr>
+            <a:r>
+              <a:rPr lang="en-GB" sz="2800" dirty="0">
+                <a:latin typeface="Candara" panose="020E0502030303020204" pitchFamily="34" charset="0"/>
+              </a:rPr>
+              <a:t>There is dangerous climate change</a:t>
+            </a:r>
+          </a:p>
+          <a:p>
+            <a:pPr>
+              <a:lnSpc>
+                <a:spcPct val="90000"/>
+              </a:lnSpc>
+            </a:pPr>
+            <a:r>
+              <a:rPr lang="en-GB" sz="2800" dirty="0">
+                <a:latin typeface="Candara" panose="020E0502030303020204" pitchFamily="34" charset="0"/>
+              </a:rPr>
+              <a:t>There is dangerous climate policy too</a:t>
+            </a:r>
+          </a:p>
+          <a:p>
+            <a:pPr>
+              <a:lnSpc>
+                <a:spcPct val="90000"/>
+              </a:lnSpc>
+              <a:buFontTx/>
+              <a:buNone/>
+            </a:pPr>
+            <a:endParaRPr lang="en-GB" sz="2800" dirty="0">
+              <a:latin typeface="Comic Sans MS" pitchFamily="66" charset="0"/>
+            </a:endParaRPr>
+          </a:p>
+        </p:txBody>
+      </p:sp>
+      <p:sp>
+        <p:nvSpPr>
+          <p:cNvPr id="14340" name="Rectangle 6"/>
+          <p:cNvSpPr>
+            <a:spLocks noChangeArrowheads="1"/>
+          </p:cNvSpPr>
+          <p:nvPr/>
+        </p:nvSpPr>
+        <p:spPr bwMode="auto">
+          <a:xfrm>
+            <a:off x="0" y="0"/>
+            <a:ext cx="9144000" cy="0"/>
+          </a:xfrm>
+          <a:prstGeom prst="rect">
+            <a:avLst/>
+          </a:prstGeom>
+          <a:noFill/>
+          <a:ln w="9525">
+            <a:noFill/>
+            <a:miter lim="800000"/>
+            <a:headEnd/>
+            <a:tailEnd/>
+          </a:ln>
+        </p:spPr>
+        <p:txBody>
+          <a:bodyPr wrap="none" anchor="ctr">
+            <a:spAutoFit/>
+          </a:bodyPr>
+          <a:lstStyle/>
+          <a:p>
+            <a:endParaRPr lang="en-US"/>
+          </a:p>
+        </p:txBody>
+      </p:sp>
+    </p:spTree>
+  </p:cSld>
+  <p:clrMapOvr>
+    <a:masterClrMapping/>
+  </p:clrMapOvr>
+</p:sld>
+</file>
+
+<file path=ppt/slides/slide51.xml><?xml version="1.0" encoding="utf-8"?>
+<p:sld xmlns:a="http://schemas.openxmlformats.org/drawingml/2006/main" xmlns:r="http://schemas.openxmlformats.org/officeDocument/2006/relationships" xmlns:p="http://schemas.openxmlformats.org/presentationml/2006/main">
+  <p:cSld>
+    <p:spTree>
+      <p:nvGrpSpPr>
+        <p:cNvPr id="1" name=""/>
+        <p:cNvGrpSpPr/>
+        <p:nvPr/>
+      </p:nvGrpSpPr>
+      <p:grpSpPr>
+        <a:xfrm>
+          <a:off x="0" y="0"/>
+          <a:ext cx="0" cy="0"/>
+          <a:chOff x="0" y="0"/>
+          <a:chExt cx="0" cy="0"/>
+        </a:xfrm>
+      </p:grpSpPr>
+      <p:sp>
+        <p:nvSpPr>
           <p:cNvPr id="7170" name="Rectangle 2"/>
           <p:cNvSpPr>
             <a:spLocks noGrp="1" noChangeArrowheads="1"/>
@@ -16635,11 +21594,50 @@
           <a:p>
             <a:pPr lvl="1" eaLnBrk="1" hangingPunct="1"/>
             <a:r>
+              <a:rPr lang="de-DE" sz="2400" dirty="0" err="1">
+                <a:latin typeface="Candara" panose="020E0502030303020204" pitchFamily="34" charset="0"/>
+              </a:rPr>
+              <a:t>Certainty</a:t>
+            </a:r>
+            <a:r>
               <a:rPr lang="de-DE" sz="2400" dirty="0">
                 <a:latin typeface="Candara" panose="020E0502030303020204" pitchFamily="34" charset="0"/>
               </a:rPr>
-              <a:t>Certainty equivalents</a:t>
-            </a:r>
+              <a:t> </a:t>
+            </a:r>
+            <a:r>
+              <a:rPr lang="de-DE" sz="2400" dirty="0" err="1">
+                <a:latin typeface="Candara" panose="020E0502030303020204" pitchFamily="34" charset="0"/>
+              </a:rPr>
+              <a:t>equivalents</a:t>
+            </a:r>
+            <a:endParaRPr lang="de-DE" sz="2400" dirty="0">
+              <a:latin typeface="Candara" panose="020E0502030303020204" pitchFamily="34" charset="0"/>
+            </a:endParaRPr>
+          </a:p>
+          <a:p>
+            <a:pPr lvl="1" eaLnBrk="1" hangingPunct="1"/>
+            <a:r>
+              <a:rPr lang="de-DE" sz="2400" dirty="0" err="1">
+                <a:latin typeface="Candara" panose="020E0502030303020204" pitchFamily="34" charset="0"/>
+              </a:rPr>
+              <a:t>Dismal</a:t>
+            </a:r>
+            <a:r>
+              <a:rPr lang="de-DE" sz="2400" dirty="0">
+                <a:latin typeface="Candara" panose="020E0502030303020204" pitchFamily="34" charset="0"/>
+              </a:rPr>
+              <a:t> </a:t>
+            </a:r>
+            <a:r>
+              <a:rPr lang="de-DE" sz="2400" dirty="0" err="1">
+                <a:latin typeface="Candara" panose="020E0502030303020204" pitchFamily="34" charset="0"/>
+              </a:rPr>
+              <a:t>theorem</a:t>
+            </a:r>
+            <a:endParaRPr lang="de-DE" sz="2400" dirty="0">
+              <a:latin typeface="Candara" panose="020E0502030303020204" pitchFamily="34" charset="0"/>
+            </a:endParaRPr>
           </a:p>
           <a:p>
             <a:pPr eaLnBrk="1" hangingPunct="1"/>
@@ -16674,7 +21672,7 @@
 </p:sld>
 </file>
 
-<file path=ppt/slides/slide41.xml><?xml version="1.0" encoding="utf-8"?>
+<file path=ppt/slides/slide52.xml><?xml version="1.0" encoding="utf-8"?>
 <p:sld xmlns:a="http://schemas.openxmlformats.org/drawingml/2006/main" xmlns:r="http://schemas.openxmlformats.org/officeDocument/2006/relationships" xmlns:p="http://schemas.openxmlformats.org/presentationml/2006/main">
   <p:cSld>
     <p:spTree>
@@ -17149,7 +22147,7 @@
 </p:sld>
 </file>
 
-<file path=ppt/slides/slide42.xml><?xml version="1.0" encoding="utf-8"?>
+<file path=ppt/slides/slide53.xml><?xml version="1.0" encoding="utf-8"?>
 <p:sld xmlns:a="http://schemas.openxmlformats.org/drawingml/2006/main" xmlns:r="http://schemas.openxmlformats.org/officeDocument/2006/relationships" xmlns:p="http://schemas.openxmlformats.org/presentationml/2006/main" showMasterPhAnim="0">
   <p:cSld>
     <p:spTree>
@@ -17278,10 +22276,28 @@
           <a:p>
             <a:pPr lvl="2" eaLnBrk="1" hangingPunct="1"/>
             <a:r>
+              <a:rPr lang="de-DE" dirty="0" err="1">
+                <a:latin typeface="Candara" panose="020E0502030303020204" pitchFamily="34" charset="0"/>
+              </a:rPr>
+              <a:t>What</a:t>
+            </a:r>
+            <a:r>
               <a:rPr lang="de-DE" dirty="0">
                 <a:latin typeface="Candara" panose="020E0502030303020204" pitchFamily="34" charset="0"/>
               </a:rPr>
-              <a:t>Would what Socrates, Jesus, Lao Tzu, Mohammed, Johnny Rotten, Lord Stern, Lady Gaga do?</a:t>
+              <a:t> </a:t>
+            </a:r>
+            <a:r>
+              <a:rPr lang="de-DE">
+                <a:latin typeface="Candara" panose="020E0502030303020204" pitchFamily="34" charset="0"/>
+              </a:rPr>
+              <a:t>would </a:t>
+            </a:r>
+            <a:r>
+              <a:rPr lang="de-DE" dirty="0">
+                <a:latin typeface="Candara" panose="020E0502030303020204" pitchFamily="34" charset="0"/>
+              </a:rPr>
+              <a:t>Aristotle, Jesus, Lao Tzu, Mohammed, Johnny Rotten, Lord Stern, Lady Gaga do?</a:t>
             </a:r>
           </a:p>
           <a:p>
@@ -17332,178 +22348,6 @@
         </p:txBody>
       </p:sp>
     </p:spTree>
-  </p:cSld>
-  <p:clrMapOvr>
-    <a:masterClrMapping/>
-  </p:clrMapOvr>
-</p:sld>
-</file>
-
-<file path=ppt/slides/slide5.xml><?xml version="1.0" encoding="utf-8"?>
-<p:sld xmlns:a="http://schemas.openxmlformats.org/drawingml/2006/main" xmlns:r="http://schemas.openxmlformats.org/officeDocument/2006/relationships" xmlns:p="http://schemas.openxmlformats.org/presentationml/2006/main">
-  <p:cSld>
-    <p:spTree>
-      <p:nvGrpSpPr>
-        <p:cNvPr id="1" name=""/>
-        <p:cNvGrpSpPr/>
-        <p:nvPr/>
-      </p:nvGrpSpPr>
-      <p:grpSpPr>
-        <a:xfrm>
-          <a:off x="0" y="0"/>
-          <a:ext cx="0" cy="0"/>
-          <a:chOff x="0" y="0"/>
-          <a:chExt cx="0" cy="0"/>
-        </a:xfrm>
-      </p:grpSpPr>
-      <p:sp>
-        <p:nvSpPr>
-          <p:cNvPr id="8194" name="Rectangle 2"/>
-          <p:cNvSpPr>
-            <a:spLocks noGrp="1" noChangeArrowheads="1"/>
-          </p:cNvSpPr>
-          <p:nvPr>
-            <p:ph type="title"/>
-          </p:nvPr>
-        </p:nvSpPr>
-        <p:spPr>
-          <a:xfrm>
-            <a:off x="685800" y="0"/>
-            <a:ext cx="7772400" cy="1143000"/>
-          </a:xfrm>
-        </p:spPr>
-        <p:txBody>
-          <a:bodyPr/>
-          <a:lstStyle/>
-          <a:p>
-            <a:pPr eaLnBrk="1" hangingPunct="1"/>
-            <a:r>
-              <a:rPr lang="de-DE" sz="3600" dirty="0">
-                <a:latin typeface="Candara" panose="020E0502030303020204" pitchFamily="34" charset="0"/>
-              </a:rPr>
-              <a:t>Optimal emission reduction</a:t>
-            </a:r>
-            <a:endParaRPr lang="en-GB" sz="3600" dirty="0">
-              <a:latin typeface="Candara" panose="020E0502030303020204" pitchFamily="34" charset="0"/>
-            </a:endParaRPr>
-          </a:p>
-        </p:txBody>
-      </p:sp>
-      <p:sp>
-        <p:nvSpPr>
-          <p:cNvPr id="8195" name="Rectangle 3"/>
-          <p:cNvSpPr>
-            <a:spLocks noGrp="1" noChangeArrowheads="1"/>
-          </p:cNvSpPr>
-          <p:nvPr>
-            <p:ph type="body" idx="1"/>
-          </p:nvPr>
-        </p:nvSpPr>
-        <p:spPr>
-          <a:xfrm>
-            <a:off x="685800" y="1066800"/>
-            <a:ext cx="7772400" cy="4114800"/>
-          </a:xfrm>
-        </p:spPr>
-        <p:txBody>
-          <a:bodyPr/>
-          <a:lstStyle/>
-          <a:p>
-            <a:pPr eaLnBrk="1" hangingPunct="1">
-              <a:lnSpc>
-                <a:spcPct val="90000"/>
-              </a:lnSpc>
-            </a:pPr>
-            <a:r>
-              <a:rPr lang="de-DE" sz="2800" dirty="0">
-                <a:latin typeface="Candara" panose="020E0502030303020204" pitchFamily="34" charset="0"/>
-              </a:rPr>
-              <a:t>Climate change is long-term, global, uncertain problem</a:t>
-            </a:r>
-          </a:p>
-          <a:p>
-            <a:pPr eaLnBrk="1" hangingPunct="1">
-              <a:lnSpc>
-                <a:spcPct val="90000"/>
-              </a:lnSpc>
-            </a:pPr>
-            <a:r>
-              <a:rPr lang="de-DE" sz="2800" dirty="0">
-                <a:latin typeface="Candara" panose="020E0502030303020204" pitchFamily="34" charset="0"/>
-              </a:rPr>
-              <a:t>If you do not care about the </a:t>
-            </a:r>
-            <a:r>
-              <a:rPr lang="de-DE" sz="2800" b="1" dirty="0">
-                <a:latin typeface="Candara" panose="020E0502030303020204" pitchFamily="34" charset="0"/>
-              </a:rPr>
-              <a:t>distant future</a:t>
-            </a:r>
-            <a:r>
-              <a:rPr lang="de-DE" sz="2800" dirty="0">
-                <a:latin typeface="Candara" panose="020E0502030303020204" pitchFamily="34" charset="0"/>
-              </a:rPr>
-              <a:t>, far-away lands, remote probabilities, you do not care about climate change</a:t>
-            </a:r>
-          </a:p>
-          <a:p>
-            <a:pPr eaLnBrk="1" hangingPunct="1">
-              <a:lnSpc>
-                <a:spcPct val="90000"/>
-              </a:lnSpc>
-            </a:pPr>
-            <a:endParaRPr lang="de-DE" sz="2800" dirty="0">
-              <a:latin typeface="Comic Sans MS" pitchFamily="66" charset="0"/>
-            </a:endParaRPr>
-          </a:p>
-          <a:p>
-            <a:pPr eaLnBrk="1" hangingPunct="1">
-              <a:lnSpc>
-                <a:spcPct val="90000"/>
-              </a:lnSpc>
-            </a:pPr>
-            <a:endParaRPr lang="de-DE" sz="2800" dirty="0">
-              <a:latin typeface="Comic Sans MS" pitchFamily="66" charset="0"/>
-            </a:endParaRPr>
-          </a:p>
-          <a:p>
-            <a:pPr eaLnBrk="1" hangingPunct="1">
-              <a:lnSpc>
-                <a:spcPct val="90000"/>
-              </a:lnSpc>
-            </a:pPr>
-            <a:endParaRPr lang="de-DE" sz="2800" dirty="0">
-              <a:latin typeface="Comic Sans MS" pitchFamily="66" charset="0"/>
-            </a:endParaRPr>
-          </a:p>
-          <a:p>
-            <a:pPr eaLnBrk="1" hangingPunct="1">
-              <a:lnSpc>
-                <a:spcPct val="90000"/>
-              </a:lnSpc>
-            </a:pPr>
-            <a:endParaRPr lang="de-DE" sz="2800" dirty="0">
-              <a:latin typeface="Comic Sans MS" pitchFamily="66" charset="0"/>
-            </a:endParaRPr>
-          </a:p>
-          <a:p>
-            <a:pPr eaLnBrk="1" hangingPunct="1">
-              <a:lnSpc>
-                <a:spcPct val="90000"/>
-              </a:lnSpc>
-            </a:pPr>
-            <a:endParaRPr lang="en-GB" sz="2800" dirty="0">
-              <a:latin typeface="Comic Sans MS" pitchFamily="66" charset="0"/>
-            </a:endParaRPr>
-          </a:p>
-        </p:txBody>
-      </p:sp>
-    </p:spTree>
-    <p:extLst>
-      <p:ext uri="{BB962C8B-B14F-4D97-AF65-F5344CB8AC3E}">
-        <p14:creationId xmlns:p14="http://schemas.microsoft.com/office/powerpoint/2010/main" val="2104069551"/>
-      </p:ext>
-    </p:extLst>
   </p:cSld>
   <p:clrMapOvr>
     <a:masterClrMapping/>
